--- a/slides/asymptotic_analysis.pptx
+++ b/slides/asymptotic_analysis.pptx
@@ -235,7 +235,7 @@
           <a:p>
             <a:fld id="{6BA546CD-0611-7545-8F55-072F0299D807}" type="datetimeFigureOut">
               <a:rPr lang="en-US" smtClean="0"/>
-              <a:t>8/24/21</a:t>
+              <a:t>8/29/21</a:t>
             </a:fld>
             <a:endParaRPr lang="en-US"/>
           </a:p>
@@ -546,19 +546,7 @@
           <a:bodyPr/>
           <a:lstStyle/>
           <a:p>
-            <a:r>
-              <a:rPr lang="en-US" dirty="0"/>
-              <a:t>Hi everyone, thanks for giving me this opportunity to present Taskflow. This is a project motivated by parallelizing CAD and has gained quite a lot of success. I am going to present Taskflow works and hopefully we can brainstorm some collaboration topics. </a:t>
-            </a:r>
-          </a:p>
-          <a:p>
             <a:endParaRPr lang="en-US" dirty="0"/>
-          </a:p>
-          <a:p>
-            <a:r>
-              <a:rPr lang="en-US" dirty="0"/>
-              <a:t>Taskflow is a general-purpose parallel and heterogeneous task computing system.</a:t>
-            </a:r>
           </a:p>
         </p:txBody>
       </p:sp>
@@ -4002,7 +3990,7 @@
           <a:p>
             <a:fld id="{9DCA369C-CB3F-4260-86E8-FD3F54C73225}" type="datetimeFigureOut">
               <a:rPr lang="en-US" smtClean="0"/>
-              <a:t>8/24/21</a:t>
+              <a:t>8/29/21</a:t>
             </a:fld>
             <a:endParaRPr lang="en-US"/>
           </a:p>
@@ -4268,7 +4256,7 @@
           <a:p>
             <a:fld id="{9DCA369C-CB3F-4260-86E8-FD3F54C73225}" type="datetimeFigureOut">
               <a:rPr lang="en-US" smtClean="0"/>
-              <a:t>8/24/21</a:t>
+              <a:t>8/29/21</a:t>
             </a:fld>
             <a:endParaRPr lang="en-US"/>
           </a:p>
@@ -4476,7 +4464,7 @@
           <a:p>
             <a:fld id="{9DCA369C-CB3F-4260-86E8-FD3F54C73225}" type="datetimeFigureOut">
               <a:rPr lang="en-US" smtClean="0"/>
-              <a:t>8/24/21</a:t>
+              <a:t>8/29/21</a:t>
             </a:fld>
             <a:endParaRPr lang="en-US"/>
           </a:p>
@@ -4724,7 +4712,7 @@
           <a:p>
             <a:fld id="{9DCA369C-CB3F-4260-86E8-FD3F54C73225}" type="datetimeFigureOut">
               <a:rPr lang="en-US" smtClean="0"/>
-              <a:t>8/24/21</a:t>
+              <a:t>8/29/21</a:t>
             </a:fld>
             <a:endParaRPr lang="en-US"/>
           </a:p>
@@ -5080,7 +5068,7 @@
           <a:p>
             <a:fld id="{9DCA369C-CB3F-4260-86E8-FD3F54C73225}" type="datetimeFigureOut">
               <a:rPr lang="en-US" smtClean="0"/>
-              <a:t>8/24/21</a:t>
+              <a:t>8/29/21</a:t>
             </a:fld>
             <a:endParaRPr lang="en-US"/>
           </a:p>
@@ -5345,7 +5333,7 @@
           <a:p>
             <a:fld id="{9DCA369C-CB3F-4260-86E8-FD3F54C73225}" type="datetimeFigureOut">
               <a:rPr lang="en-US" smtClean="0"/>
-              <a:t>8/24/21</a:t>
+              <a:t>8/29/21</a:t>
             </a:fld>
             <a:endParaRPr lang="en-US"/>
           </a:p>
@@ -5757,7 +5745,7 @@
           <a:p>
             <a:fld id="{9DCA369C-CB3F-4260-86E8-FD3F54C73225}" type="datetimeFigureOut">
               <a:rPr lang="en-US" smtClean="0"/>
-              <a:t>8/24/21</a:t>
+              <a:t>8/29/21</a:t>
             </a:fld>
             <a:endParaRPr lang="en-US"/>
           </a:p>
@@ -5898,7 +5886,7 @@
           <a:p>
             <a:fld id="{9DCA369C-CB3F-4260-86E8-FD3F54C73225}" type="datetimeFigureOut">
               <a:rPr lang="en-US" smtClean="0"/>
-              <a:t>8/24/21</a:t>
+              <a:t>8/29/21</a:t>
             </a:fld>
             <a:endParaRPr lang="en-US"/>
           </a:p>
@@ -6011,7 +5999,7 @@
           <a:p>
             <a:fld id="{9DCA369C-CB3F-4260-86E8-FD3F54C73225}" type="datetimeFigureOut">
               <a:rPr lang="en-US" smtClean="0"/>
-              <a:t>8/24/21</a:t>
+              <a:t>8/29/21</a:t>
             </a:fld>
             <a:endParaRPr lang="en-US"/>
           </a:p>
@@ -6322,7 +6310,7 @@
           <a:p>
             <a:fld id="{9DCA369C-CB3F-4260-86E8-FD3F54C73225}" type="datetimeFigureOut">
               <a:rPr lang="en-US" smtClean="0"/>
-              <a:t>8/24/21</a:t>
+              <a:t>8/29/21</a:t>
             </a:fld>
             <a:endParaRPr lang="en-US"/>
           </a:p>
@@ -6610,7 +6598,7 @@
           <a:p>
             <a:fld id="{9DCA369C-CB3F-4260-86E8-FD3F54C73225}" type="datetimeFigureOut">
               <a:rPr lang="en-US" smtClean="0"/>
-              <a:t>8/24/21</a:t>
+              <a:t>8/29/21</a:t>
             </a:fld>
             <a:endParaRPr lang="en-US"/>
           </a:p>
@@ -6851,7 +6839,7 @@
           <a:p>
             <a:fld id="{9DCA369C-CB3F-4260-86E8-FD3F54C73225}" type="datetimeFigureOut">
               <a:rPr lang="en-US" smtClean="0"/>
-              <a:t>8/24/21</a:t>
+              <a:t>8/29/21</a:t>
             </a:fld>
             <a:endParaRPr lang="en-US"/>
           </a:p>
@@ -8017,17 +8005,23 @@
           <p:cNvGraphicFramePr>
             <a:graphicFrameLocks noChangeAspect="1"/>
           </p:cNvGraphicFramePr>
-          <p:nvPr/>
+          <p:nvPr>
+            <p:extLst>
+              <p:ext uri="{D42A27DB-BD31-4B8C-83A1-F6EECF244321}">
+                <p14:modId xmlns:p14="http://schemas.microsoft.com/office/powerpoint/2010/main" val="1546634241"/>
+              </p:ext>
+            </p:extLst>
+          </p:nvPr>
         </p:nvGraphicFramePr>
         <p:xfrm>
-          <a:off x="3143251" y="3141664"/>
+          <a:off x="3118538" y="3611220"/>
           <a:ext cx="3960813" cy="758825"/>
         </p:xfrm>
         <a:graphic>
           <a:graphicData uri="http://schemas.openxmlformats.org/presentationml/2006/ole">
             <mc:AlternateContent xmlns:mc="http://schemas.openxmlformats.org/markup-compatibility/2006">
               <mc:Choice xmlns:v="urn:schemas-microsoft-com:vml" Requires="v">
-                <p:oleObj spid="_x0000_s2055" name="Equation" r:id="rId4" imgW="2387520" imgH="457200" progId="Equation.3">
+                <p:oleObj spid="_x0000_s2057" name="Equation" r:id="rId4" imgW="2387520" imgH="457200" progId="Equation.3">
                   <p:embed/>
                 </p:oleObj>
               </mc:Choice>
@@ -8057,7 +8051,7 @@
                     </p:blipFill>
                     <p:spPr bwMode="auto">
                       <a:xfrm>
-                        <a:off x="3143251" y="3141664"/>
+                        <a:off x="3118538" y="3611220"/>
                         <a:ext cx="3960813" cy="758825"/>
                       </a:xfrm>
                       <a:prstGeom prst="rect">
@@ -13941,7 +13935,7 @@
           <a:graphicData uri="http://schemas.openxmlformats.org/presentationml/2006/ole">
             <mc:AlternateContent xmlns:mc="http://schemas.openxmlformats.org/markup-compatibility/2006">
               <mc:Choice xmlns:v="urn:schemas-microsoft-com:vml" Requires="v">
-                <p:oleObj spid="_x0000_s3078" name="Equation" r:id="rId4" imgW="1447560" imgH="469800" progId="Equation.3">
+                <p:oleObj spid="_x0000_s3080" name="Equation" r:id="rId4" imgW="1447560" imgH="469800" progId="Equation.3">
                   <p:embed/>
                 </p:oleObj>
               </mc:Choice>
@@ -14506,7 +14500,7 @@
               <a:buNone/>
             </a:pPr>
             <a:r>
-              <a:rPr lang="en-CA">
+              <a:rPr lang="en-CA" dirty="0">
                 <a:latin typeface="Arial" charset="0"/>
                 <a:cs typeface="Arial" charset="0"/>
               </a:rPr>
@@ -14516,56 +14510,56 @@
           <a:p>
             <a:pPr lvl="1"/>
             <a:r>
-              <a:rPr lang="en-CA">
+              <a:rPr lang="en-CA" dirty="0">
                 <a:latin typeface="Arial" charset="0"/>
                 <a:cs typeface="Arial" charset="0"/>
               </a:rPr>
               <a:t>E.g., adding a list of </a:t>
             </a:r>
             <a:r>
-              <a:rPr lang="en-CA" i="1">
+              <a:rPr lang="en-CA" i="1" dirty="0">
                 <a:latin typeface="Times New Roman" pitchFamily="18" charset="0"/>
                 <a:cs typeface="Times New Roman" pitchFamily="18" charset="0"/>
               </a:rPr>
               <a:t>n</a:t>
             </a:r>
             <a:r>
-              <a:rPr lang="en-CA">
+              <a:rPr lang="en-CA" dirty="0">
                 <a:latin typeface="Arial" charset="0"/>
                 <a:cs typeface="Arial" charset="0"/>
               </a:rPr>
               <a:t> doubles will be said to be a </a:t>
             </a:r>
             <a:r>
-              <a:rPr lang="en-CA">
+              <a:rPr lang="en-CA" dirty="0">
                 <a:latin typeface="Symbol" pitchFamily="18" charset="2"/>
                 <a:cs typeface="Arial" charset="0"/>
               </a:rPr>
               <a:t>Q</a:t>
             </a:r>
             <a:r>
-              <a:rPr lang="en-CA">
+              <a:rPr lang="en-CA" dirty="0">
                 <a:latin typeface="Times New Roman" pitchFamily="18" charset="0"/>
                 <a:cs typeface="Times New Roman" pitchFamily="18" charset="0"/>
               </a:rPr>
               <a:t>(</a:t>
             </a:r>
             <a:r>
-              <a:rPr lang="en-CA" i="1">
+              <a:rPr lang="en-CA" i="1" dirty="0">
                 <a:latin typeface="Times New Roman" pitchFamily="18" charset="0"/>
                 <a:cs typeface="Times New Roman" pitchFamily="18" charset="0"/>
               </a:rPr>
               <a:t>n</a:t>
             </a:r>
             <a:r>
-              <a:rPr lang="en-CA">
+              <a:rPr lang="en-CA" dirty="0">
                 <a:latin typeface="Times New Roman" pitchFamily="18" charset="0"/>
                 <a:cs typeface="Times New Roman" pitchFamily="18" charset="0"/>
               </a:rPr>
               <a:t>)</a:t>
             </a:r>
             <a:r>
-              <a:rPr lang="en-CA">
+              <a:rPr lang="en-CA" dirty="0">
                 <a:latin typeface="Arial" charset="0"/>
                 <a:cs typeface="Arial" charset="0"/>
               </a:rPr>
@@ -14574,7 +14568,7 @@
           </a:p>
           <a:p>
             <a:pPr lvl="1"/>
-            <a:endParaRPr lang="en-CA">
+            <a:endParaRPr lang="en-CA" dirty="0">
               <a:latin typeface="Arial" charset="0"/>
               <a:cs typeface="Arial" charset="0"/>
             </a:endParaRPr>
@@ -14585,70 +14579,70 @@
               <a:buNone/>
             </a:pPr>
             <a:r>
-              <a:rPr lang="en-CA">
+              <a:rPr lang="en-CA" dirty="0">
                 <a:latin typeface="Arial" charset="0"/>
                 <a:cs typeface="Arial" charset="0"/>
               </a:rPr>
               <a:t>	An algorithm is said to have </a:t>
             </a:r>
             <a:r>
-              <a:rPr lang="en-CA" i="1">
+              <a:rPr lang="en-CA" i="1" dirty="0">
                 <a:latin typeface="Arial" charset="0"/>
                 <a:cs typeface="Arial" charset="0"/>
               </a:rPr>
               <a:t>polynomial time complexity</a:t>
             </a:r>
             <a:r>
-              <a:rPr lang="en-CA">
+              <a:rPr lang="en-CA" dirty="0">
                 <a:latin typeface="Arial" charset="0"/>
                 <a:cs typeface="Arial" charset="0"/>
               </a:rPr>
               <a:t> if its run-time may be described by </a:t>
             </a:r>
             <a:r>
-              <a:rPr lang="en-CA">
+              <a:rPr lang="en-CA" dirty="0">
                 <a:latin typeface="Times New Roman" pitchFamily="18" charset="0"/>
                 <a:cs typeface="Times New Roman" pitchFamily="18" charset="0"/>
               </a:rPr>
               <a:t>O(</a:t>
             </a:r>
             <a:r>
-              <a:rPr lang="en-CA" i="1">
+              <a:rPr lang="en-CA" i="1" dirty="0" err="1">
                 <a:latin typeface="Times New Roman" pitchFamily="18" charset="0"/>
                 <a:cs typeface="Times New Roman" pitchFamily="18" charset="0"/>
               </a:rPr>
               <a:t>n</a:t>
             </a:r>
             <a:r>
-              <a:rPr lang="en-CA" i="1" baseline="30000">
+              <a:rPr lang="en-CA" i="1" baseline="30000" dirty="0" err="1">
                 <a:latin typeface="Times New Roman" pitchFamily="18" charset="0"/>
                 <a:cs typeface="Times New Roman" pitchFamily="18" charset="0"/>
               </a:rPr>
               <a:t>d</a:t>
             </a:r>
             <a:r>
-              <a:rPr lang="en-CA">
+              <a:rPr lang="en-CA" dirty="0">
                 <a:latin typeface="Times New Roman" pitchFamily="18" charset="0"/>
                 <a:cs typeface="Times New Roman" pitchFamily="18" charset="0"/>
               </a:rPr>
               <a:t>)</a:t>
             </a:r>
             <a:r>
-              <a:rPr lang="en-CA">
+              <a:rPr lang="en-CA" dirty="0">
                 <a:latin typeface="Arial" charset="0"/>
                 <a:cs typeface="Arial" charset="0"/>
               </a:rPr>
               <a:t> for some fixed </a:t>
             </a:r>
             <a:r>
-              <a:rPr lang="en-CA" i="1">
+              <a:rPr lang="en-CA" i="1" dirty="0">
                 <a:latin typeface="Times New Roman" pitchFamily="18" charset="0"/>
                 <a:cs typeface="Times New Roman" pitchFamily="18" charset="0"/>
               </a:rPr>
               <a:t>d </a:t>
             </a:r>
             <a:r>
-              <a:rPr lang="en-CA">
+              <a:rPr lang="en-CA" dirty="0">
                 <a:latin typeface="Times New Roman" pitchFamily="18" charset="0"/>
                 <a:cs typeface="Times New Roman" pitchFamily="18" charset="0"/>
               </a:rPr>
@@ -14658,27 +14652,27 @@
           <a:p>
             <a:pPr lvl="1"/>
             <a:r>
-              <a:rPr lang="en-CA">
+              <a:rPr lang="en-CA" dirty="0">
                 <a:latin typeface="Arial" charset="0"/>
                 <a:cs typeface="Arial" charset="0"/>
               </a:rPr>
               <a:t>We will consider such algorithms to be </a:t>
             </a:r>
             <a:r>
-              <a:rPr lang="en-CA" i="1">
+              <a:rPr lang="en-CA" i="1" dirty="0">
                 <a:latin typeface="Arial" charset="0"/>
                 <a:cs typeface="Arial" charset="0"/>
               </a:rPr>
               <a:t>efficient</a:t>
             </a:r>
-            <a:endParaRPr lang="en-CA">
+            <a:endParaRPr lang="en-CA" dirty="0">
               <a:latin typeface="Arial" charset="0"/>
               <a:cs typeface="Arial" charset="0"/>
             </a:endParaRPr>
           </a:p>
           <a:p>
             <a:pPr lvl="1"/>
-            <a:endParaRPr lang="en-CA">
+            <a:endParaRPr lang="en-CA" dirty="0">
               <a:latin typeface="Arial" charset="0"/>
               <a:cs typeface="Arial" charset="0"/>
             </a:endParaRPr>
@@ -14689,14 +14683,14 @@
               <a:buNone/>
             </a:pPr>
             <a:r>
-              <a:rPr lang="en-CA">
+              <a:rPr lang="en-CA" dirty="0">
                 <a:latin typeface="Arial" charset="0"/>
                 <a:cs typeface="Arial" charset="0"/>
               </a:rPr>
               <a:t>	Problems that have no known polynomial-time algorithms are said to be </a:t>
             </a:r>
             <a:r>
-              <a:rPr lang="en-CA" i="1">
+              <a:rPr lang="en-CA" i="1" dirty="0">
                 <a:latin typeface="Arial" charset="0"/>
                 <a:cs typeface="Arial" charset="0"/>
               </a:rPr>
@@ -14706,28 +14700,28 @@
           <a:p>
             <a:pPr lvl="1"/>
             <a:r>
-              <a:rPr lang="en-CA">
+              <a:rPr lang="en-CA" dirty="0">
                 <a:latin typeface="Arial" charset="0"/>
                 <a:cs typeface="Arial" charset="0"/>
               </a:rPr>
               <a:t>Traveling salesman problem:  find the shortest path that visits </a:t>
             </a:r>
             <a:r>
-              <a:rPr lang="en-CA" i="1">
+              <a:rPr lang="en-CA" i="1" dirty="0">
                 <a:latin typeface="Times New Roman" pitchFamily="18" charset="0"/>
                 <a:cs typeface="Times New Roman" pitchFamily="18" charset="0"/>
               </a:rPr>
               <a:t>n</a:t>
             </a:r>
             <a:r>
-              <a:rPr lang="en-CA" i="1">
+              <a:rPr lang="en-CA" i="1" dirty="0">
                 <a:latin typeface="Arial" charset="0"/>
                 <a:cs typeface="Arial" charset="0"/>
               </a:rPr>
               <a:t> </a:t>
             </a:r>
             <a:r>
-              <a:rPr lang="en-CA">
+              <a:rPr lang="en-CA" dirty="0">
                 <a:latin typeface="Arial" charset="0"/>
                 <a:cs typeface="Arial" charset="0"/>
               </a:rPr>
@@ -14737,62 +14731,62 @@
           <a:p>
             <a:pPr lvl="1"/>
             <a:r>
-              <a:rPr lang="en-CA">
+              <a:rPr lang="en-CA" dirty="0">
                 <a:latin typeface="Arial" charset="0"/>
                 <a:cs typeface="Arial" charset="0"/>
               </a:rPr>
               <a:t>Best run time:  </a:t>
             </a:r>
             <a:r>
-              <a:rPr lang="en-CA">
+              <a:rPr lang="en-CA" dirty="0">
                 <a:latin typeface="Symbol" pitchFamily="18" charset="2"/>
                 <a:cs typeface="Times New Roman" pitchFamily="18" charset="0"/>
               </a:rPr>
               <a:t>Q</a:t>
             </a:r>
             <a:r>
-              <a:rPr lang="en-CA">
+              <a:rPr lang="en-CA" dirty="0">
                 <a:latin typeface="Times New Roman" pitchFamily="18" charset="0"/>
                 <a:cs typeface="Times New Roman" pitchFamily="18" charset="0"/>
               </a:rPr>
               <a:t>(</a:t>
             </a:r>
             <a:r>
-              <a:rPr lang="en-CA" i="1">
+              <a:rPr lang="en-CA" i="1" dirty="0">
                 <a:latin typeface="Times New Roman" pitchFamily="18" charset="0"/>
                 <a:cs typeface="Times New Roman" pitchFamily="18" charset="0"/>
               </a:rPr>
               <a:t>n</a:t>
             </a:r>
             <a:r>
-              <a:rPr lang="en-CA" baseline="30000">
+              <a:rPr lang="en-CA" baseline="30000" dirty="0">
                 <a:latin typeface="Times New Roman" pitchFamily="18" charset="0"/>
                 <a:cs typeface="Times New Roman" pitchFamily="18" charset="0"/>
               </a:rPr>
               <a:t>2 </a:t>
             </a:r>
             <a:r>
-              <a:rPr lang="en-CA">
+              <a:rPr lang="en-CA" dirty="0">
                 <a:latin typeface="Times New Roman" pitchFamily="18" charset="0"/>
                 <a:cs typeface="Times New Roman" pitchFamily="18" charset="0"/>
               </a:rPr>
               <a:t>2</a:t>
             </a:r>
             <a:r>
-              <a:rPr lang="en-CA" i="1" baseline="30000">
+              <a:rPr lang="en-CA" i="1" baseline="30000" dirty="0">
                 <a:latin typeface="Times New Roman" pitchFamily="18" charset="0"/>
                 <a:cs typeface="Times New Roman" pitchFamily="18" charset="0"/>
               </a:rPr>
               <a:t>n</a:t>
             </a:r>
             <a:r>
-              <a:rPr lang="en-CA">
+              <a:rPr lang="en-CA" dirty="0">
                 <a:latin typeface="Times New Roman" pitchFamily="18" charset="0"/>
                 <a:cs typeface="Times New Roman" pitchFamily="18" charset="0"/>
               </a:rPr>
               <a:t>)</a:t>
             </a:r>
-            <a:endParaRPr lang="en-CA">
+            <a:endParaRPr lang="en-CA" dirty="0">
               <a:latin typeface="Arial" charset="0"/>
               <a:cs typeface="Arial" charset="0"/>
             </a:endParaRPr>
@@ -15484,43 +15478,6 @@
           </a:p>
         </p:txBody>
       </p:sp>
-      <p:sp>
-        <p:nvSpPr>
-          <p:cNvPr id="5" name="TextBox 5"/>
-          <p:cNvSpPr txBox="1">
-            <a:spLocks noChangeArrowheads="1"/>
-          </p:cNvSpPr>
-          <p:nvPr/>
-        </p:nvSpPr>
-        <p:spPr bwMode="auto">
-          <a:xfrm>
-            <a:off x="1703388" y="692696"/>
-            <a:ext cx="651140" cy="369332"/>
-          </a:xfrm>
-          <a:prstGeom prst="rect">
-            <a:avLst/>
-          </a:prstGeom>
-          <a:noFill/>
-          <a:ln w="9525">
-            <a:noFill/>
-            <a:miter lim="800000"/>
-            <a:headEnd/>
-            <a:tailEnd/>
-          </a:ln>
-        </p:spPr>
-        <p:txBody>
-          <a:bodyPr wrap="none">
-            <a:spAutoFit/>
-          </a:bodyPr>
-          <a:lstStyle/>
-          <a:p>
-            <a:r>
-              <a:rPr lang="en-CA" dirty="0"/>
-              <a:t>2.3.1</a:t>
-            </a:r>
-          </a:p>
-        </p:txBody>
-      </p:sp>
     </p:spTree>
   </p:cSld>
   <p:clrMapOvr>
@@ -15777,43 +15734,6 @@
           </a:p>
         </p:txBody>
       </p:sp>
-      <p:sp>
-        <p:nvSpPr>
-          <p:cNvPr id="5" name="TextBox 5"/>
-          <p:cNvSpPr txBox="1">
-            <a:spLocks noChangeArrowheads="1"/>
-          </p:cNvSpPr>
-          <p:nvPr/>
-        </p:nvSpPr>
-        <p:spPr bwMode="auto">
-          <a:xfrm>
-            <a:off x="1703388" y="692696"/>
-            <a:ext cx="651140" cy="369332"/>
-          </a:xfrm>
-          <a:prstGeom prst="rect">
-            <a:avLst/>
-          </a:prstGeom>
-          <a:noFill/>
-          <a:ln w="9525">
-            <a:noFill/>
-            <a:miter lim="800000"/>
-            <a:headEnd/>
-            <a:tailEnd/>
-          </a:ln>
-        </p:spPr>
-        <p:txBody>
-          <a:bodyPr wrap="none">
-            <a:spAutoFit/>
-          </a:bodyPr>
-          <a:lstStyle/>
-          <a:p>
-            <a:r>
-              <a:rPr lang="en-CA" dirty="0"/>
-              <a:t>2.3.1</a:t>
-            </a:r>
-          </a:p>
-        </p:txBody>
-      </p:sp>
     </p:spTree>
   </p:cSld>
   <p:clrMapOvr>
@@ -15965,43 +15885,6 @@
           </a:p>
         </p:txBody>
       </p:sp>
-      <p:sp>
-        <p:nvSpPr>
-          <p:cNvPr id="5" name="TextBox 5"/>
-          <p:cNvSpPr txBox="1">
-            <a:spLocks noChangeArrowheads="1"/>
-          </p:cNvSpPr>
-          <p:nvPr/>
-        </p:nvSpPr>
-        <p:spPr bwMode="auto">
-          <a:xfrm>
-            <a:off x="1703388" y="692696"/>
-            <a:ext cx="651140" cy="369332"/>
-          </a:xfrm>
-          <a:prstGeom prst="rect">
-            <a:avLst/>
-          </a:prstGeom>
-          <a:noFill/>
-          <a:ln w="9525">
-            <a:noFill/>
-            <a:miter lim="800000"/>
-            <a:headEnd/>
-            <a:tailEnd/>
-          </a:ln>
-        </p:spPr>
-        <p:txBody>
-          <a:bodyPr wrap="none">
-            <a:spAutoFit/>
-          </a:bodyPr>
-          <a:lstStyle/>
-          <a:p>
-            <a:r>
-              <a:rPr lang="en-CA" dirty="0"/>
-              <a:t>2.3.1</a:t>
-            </a:r>
-          </a:p>
-        </p:txBody>
-      </p:sp>
     </p:spTree>
   </p:cSld>
   <p:clrMapOvr>
@@ -16498,11 +16381,13 @@
         </p:nvSpPr>
         <p:spPr/>
         <p:txBody>
-          <a:bodyPr/>
-          <a:lstStyle/>
-          <a:p>
-            <a:r>
-              <a:rPr lang="en-US" sz="3600" dirty="0">
+          <a:bodyPr>
+            <a:normAutofit/>
+          </a:bodyPr>
+          <a:lstStyle/>
+          <a:p>
+            <a:r>
+              <a:rPr lang="en-US" sz="4000" b="1" dirty="0">
                 <a:latin typeface="Arial" charset="0"/>
                 <a:cs typeface="Arial" charset="0"/>
               </a:rPr>

--- a/slides/asymptotic_analysis.pptx
+++ b/slides/asymptotic_analysis.pptx
@@ -5,7 +5,7 @@
     <p:sldMasterId id="2147483648" r:id="rId1"/>
   </p:sldMasterIdLst>
   <p:notesMasterIdLst>
-    <p:notesMasterId r:id="rId38"/>
+    <p:notesMasterId r:id="rId42"/>
   </p:notesMasterIdLst>
   <p:sldIdLst>
     <p:sldId id="613" r:id="rId2"/>
@@ -24,26 +24,30 @@
     <p:sldId id="398" r:id="rId15"/>
     <p:sldId id="399" r:id="rId16"/>
     <p:sldId id="401" r:id="rId17"/>
-    <p:sldId id="439" r:id="rId18"/>
-    <p:sldId id="402" r:id="rId19"/>
-    <p:sldId id="404" r:id="rId20"/>
-    <p:sldId id="405" r:id="rId21"/>
-    <p:sldId id="406" r:id="rId22"/>
-    <p:sldId id="408" r:id="rId23"/>
-    <p:sldId id="409" r:id="rId24"/>
-    <p:sldId id="411" r:id="rId25"/>
-    <p:sldId id="436" r:id="rId26"/>
-    <p:sldId id="437" r:id="rId27"/>
-    <p:sldId id="438" r:id="rId28"/>
-    <p:sldId id="424" r:id="rId29"/>
-    <p:sldId id="425" r:id="rId30"/>
-    <p:sldId id="426" r:id="rId31"/>
-    <p:sldId id="427" r:id="rId32"/>
-    <p:sldId id="428" r:id="rId33"/>
-    <p:sldId id="432" r:id="rId34"/>
-    <p:sldId id="433" r:id="rId35"/>
-    <p:sldId id="434" r:id="rId36"/>
-    <p:sldId id="435" r:id="rId37"/>
+    <p:sldId id="620" r:id="rId18"/>
+    <p:sldId id="621" r:id="rId19"/>
+    <p:sldId id="622" r:id="rId20"/>
+    <p:sldId id="439" r:id="rId21"/>
+    <p:sldId id="402" r:id="rId22"/>
+    <p:sldId id="404" r:id="rId23"/>
+    <p:sldId id="405" r:id="rId24"/>
+    <p:sldId id="406" r:id="rId25"/>
+    <p:sldId id="408" r:id="rId26"/>
+    <p:sldId id="409" r:id="rId27"/>
+    <p:sldId id="411" r:id="rId28"/>
+    <p:sldId id="436" r:id="rId29"/>
+    <p:sldId id="437" r:id="rId30"/>
+    <p:sldId id="438" r:id="rId31"/>
+    <p:sldId id="424" r:id="rId32"/>
+    <p:sldId id="425" r:id="rId33"/>
+    <p:sldId id="426" r:id="rId34"/>
+    <p:sldId id="427" r:id="rId35"/>
+    <p:sldId id="428" r:id="rId36"/>
+    <p:sldId id="432" r:id="rId37"/>
+    <p:sldId id="433" r:id="rId38"/>
+    <p:sldId id="434" r:id="rId39"/>
+    <p:sldId id="435" r:id="rId40"/>
+    <p:sldId id="619" r:id="rId41"/>
   </p:sldIdLst>
   <p:sldSz cx="12192000" cy="6858000"/>
   <p:notesSz cx="6858000" cy="9144000"/>
@@ -235,7 +239,7 @@
           <a:p>
             <a:fld id="{6BA546CD-0611-7545-8F55-072F0299D807}" type="datetimeFigureOut">
               <a:rPr lang="en-US" smtClean="0"/>
-              <a:t>8/29/21</a:t>
+              <a:t>9/14/21</a:t>
             </a:fld>
             <a:endParaRPr lang="en-US"/>
           </a:p>
@@ -1185,6 +1189,11 @@
         </p:txBody>
       </p:sp>
     </p:spTree>
+    <p:extLst>
+      <p:ext uri="{BB962C8B-B14F-4D97-AF65-F5344CB8AC3E}">
+        <p14:creationId xmlns:p14="http://schemas.microsoft.com/office/powerpoint/2010/main" val="1221116621"/>
+      </p:ext>
+    </p:extLst>
   </p:cSld>
   <p:clrMapOvr>
     <a:masterClrMapping/>
@@ -1211,7 +1220,7 @@
       </p:grpSpPr>
       <p:sp>
         <p:nvSpPr>
-          <p:cNvPr id="90114" name="Slide Image Placeholder 1"/>
+          <p:cNvPr id="89090" name="Slide Image Placeholder 1"/>
           <p:cNvSpPr>
             <a:spLocks noGrp="1" noRot="1" noChangeAspect="1" noTextEdit="1"/>
           </p:cNvSpPr>
@@ -1233,7 +1242,7 @@
       </p:sp>
       <p:sp>
         <p:nvSpPr>
-          <p:cNvPr id="90115" name="Notes Placeholder 2"/>
+          <p:cNvPr id="89091" name="Notes Placeholder 2"/>
           <p:cNvSpPr>
             <a:spLocks noGrp="1"/>
           </p:cNvSpPr>
@@ -1274,7 +1283,7 @@
             <a:pPr>
               <a:defRPr/>
             </a:pPr>
-            <a:fld id="{4C055DDF-5711-4F38-B230-A7F9299CD3C3}" type="slidenum">
+            <a:fld id="{501BDC24-CB35-4F0B-AD54-1637C649019D}" type="slidenum">
               <a:rPr lang="en-CA" smtClean="0"/>
               <a:pPr>
                 <a:defRPr/>
@@ -1286,6 +1295,11 @@
         </p:txBody>
       </p:sp>
     </p:spTree>
+    <p:extLst>
+      <p:ext uri="{BB962C8B-B14F-4D97-AF65-F5344CB8AC3E}">
+        <p14:creationId xmlns:p14="http://schemas.microsoft.com/office/powerpoint/2010/main" val="3678542513"/>
+      </p:ext>
+    </p:extLst>
   </p:cSld>
   <p:clrMapOvr>
     <a:masterClrMapping/>
@@ -1312,7 +1326,7 @@
       </p:grpSpPr>
       <p:sp>
         <p:nvSpPr>
-          <p:cNvPr id="92162" name="Slide Image Placeholder 1"/>
+          <p:cNvPr id="89090" name="Slide Image Placeholder 1"/>
           <p:cNvSpPr>
             <a:spLocks noGrp="1" noRot="1" noChangeAspect="1" noTextEdit="1"/>
           </p:cNvSpPr>
@@ -1334,7 +1348,7 @@
       </p:sp>
       <p:sp>
         <p:nvSpPr>
-          <p:cNvPr id="92163" name="Notes Placeholder 2"/>
+          <p:cNvPr id="89091" name="Notes Placeholder 2"/>
           <p:cNvSpPr>
             <a:spLocks noGrp="1"/>
           </p:cNvSpPr>
@@ -1375,7 +1389,7 @@
             <a:pPr>
               <a:defRPr/>
             </a:pPr>
-            <a:fld id="{B3DC4452-C16C-47D3-BAC2-91313F577BF0}" type="slidenum">
+            <a:fld id="{501BDC24-CB35-4F0B-AD54-1637C649019D}" type="slidenum">
               <a:rPr lang="en-CA" smtClean="0"/>
               <a:pPr>
                 <a:defRPr/>
@@ -1387,6 +1401,11 @@
         </p:txBody>
       </p:sp>
     </p:spTree>
+    <p:extLst>
+      <p:ext uri="{BB962C8B-B14F-4D97-AF65-F5344CB8AC3E}">
+        <p14:creationId xmlns:p14="http://schemas.microsoft.com/office/powerpoint/2010/main" val="659575750"/>
+      </p:ext>
+    </p:extLst>
   </p:cSld>
   <p:clrMapOvr>
     <a:masterClrMapping/>
@@ -1413,7 +1432,7 @@
       </p:grpSpPr>
       <p:sp>
         <p:nvSpPr>
-          <p:cNvPr id="93186" name="Slide Image Placeholder 1"/>
+          <p:cNvPr id="89090" name="Slide Image Placeholder 1"/>
           <p:cNvSpPr>
             <a:spLocks noGrp="1" noRot="1" noChangeAspect="1" noTextEdit="1"/>
           </p:cNvSpPr>
@@ -1435,7 +1454,7 @@
       </p:sp>
       <p:sp>
         <p:nvSpPr>
-          <p:cNvPr id="93187" name="Notes Placeholder 2"/>
+          <p:cNvPr id="89091" name="Notes Placeholder 2"/>
           <p:cNvSpPr>
             <a:spLocks noGrp="1"/>
           </p:cNvSpPr>
@@ -1476,7 +1495,7 @@
             <a:pPr>
               <a:defRPr/>
             </a:pPr>
-            <a:fld id="{EC8E3A39-8651-4861-9350-DEEEFBA9FC3A}" type="slidenum">
+            <a:fld id="{501BDC24-CB35-4F0B-AD54-1637C649019D}" type="slidenum">
               <a:rPr lang="en-CA" smtClean="0"/>
               <a:pPr>
                 <a:defRPr/>
@@ -1514,7 +1533,7 @@
       </p:grpSpPr>
       <p:sp>
         <p:nvSpPr>
-          <p:cNvPr id="94210" name="Slide Image Placeholder 1"/>
+          <p:cNvPr id="90114" name="Slide Image Placeholder 1"/>
           <p:cNvSpPr>
             <a:spLocks noGrp="1" noRot="1" noChangeAspect="1" noTextEdit="1"/>
           </p:cNvSpPr>
@@ -1536,7 +1555,7 @@
       </p:sp>
       <p:sp>
         <p:nvSpPr>
-          <p:cNvPr id="94211" name="Notes Placeholder 2"/>
+          <p:cNvPr id="90115" name="Notes Placeholder 2"/>
           <p:cNvSpPr>
             <a:spLocks noGrp="1"/>
           </p:cNvSpPr>
@@ -1577,7 +1596,7 @@
             <a:pPr>
               <a:defRPr/>
             </a:pPr>
-            <a:fld id="{7951DAA5-CCE2-47B2-A2C1-6F59C947A3F0}" type="slidenum">
+            <a:fld id="{4C055DDF-5711-4F38-B230-A7F9299CD3C3}" type="slidenum">
               <a:rPr lang="en-CA" smtClean="0"/>
               <a:pPr>
                 <a:defRPr/>
@@ -1716,7 +1735,7 @@
       </p:grpSpPr>
       <p:sp>
         <p:nvSpPr>
-          <p:cNvPr id="96258" name="Slide Image Placeholder 1"/>
+          <p:cNvPr id="92162" name="Slide Image Placeholder 1"/>
           <p:cNvSpPr>
             <a:spLocks noGrp="1" noRot="1" noChangeAspect="1" noTextEdit="1"/>
           </p:cNvSpPr>
@@ -1738,7 +1757,7 @@
       </p:sp>
       <p:sp>
         <p:nvSpPr>
-          <p:cNvPr id="96259" name="Notes Placeholder 2"/>
+          <p:cNvPr id="92163" name="Notes Placeholder 2"/>
           <p:cNvSpPr>
             <a:spLocks noGrp="1"/>
           </p:cNvSpPr>
@@ -1779,7 +1798,7 @@
             <a:pPr>
               <a:defRPr/>
             </a:pPr>
-            <a:fld id="{021D3140-4CEE-4927-8DFC-C39B176303B0}" type="slidenum">
+            <a:fld id="{B3DC4452-C16C-47D3-BAC2-91313F577BF0}" type="slidenum">
               <a:rPr lang="en-CA" smtClean="0"/>
               <a:pPr>
                 <a:defRPr/>
@@ -1817,7 +1836,7 @@
       </p:grpSpPr>
       <p:sp>
         <p:nvSpPr>
-          <p:cNvPr id="97282" name="Slide Image Placeholder 1"/>
+          <p:cNvPr id="93186" name="Slide Image Placeholder 1"/>
           <p:cNvSpPr>
             <a:spLocks noGrp="1" noRot="1" noChangeAspect="1" noTextEdit="1"/>
           </p:cNvSpPr>
@@ -1839,7 +1858,7 @@
       </p:sp>
       <p:sp>
         <p:nvSpPr>
-          <p:cNvPr id="97283" name="Notes Placeholder 2"/>
+          <p:cNvPr id="93187" name="Notes Placeholder 2"/>
           <p:cNvSpPr>
             <a:spLocks noGrp="1"/>
           </p:cNvSpPr>
@@ -1880,7 +1899,7 @@
             <a:pPr>
               <a:defRPr/>
             </a:pPr>
-            <a:fld id="{E48CC9EC-8A50-4967-A4B0-16683516FF53}" type="slidenum">
+            <a:fld id="{EC8E3A39-8651-4861-9350-DEEEFBA9FC3A}" type="slidenum">
               <a:rPr lang="en-CA" smtClean="0"/>
               <a:pPr>
                 <a:defRPr/>
@@ -1918,7 +1937,7 @@
       </p:grpSpPr>
       <p:sp>
         <p:nvSpPr>
-          <p:cNvPr id="99330" name="Slide Image Placeholder 1"/>
+          <p:cNvPr id="94210" name="Slide Image Placeholder 1"/>
           <p:cNvSpPr>
             <a:spLocks noGrp="1" noRot="1" noChangeAspect="1" noTextEdit="1"/>
           </p:cNvSpPr>
@@ -1940,7 +1959,7 @@
       </p:sp>
       <p:sp>
         <p:nvSpPr>
-          <p:cNvPr id="99331" name="Notes Placeholder 2"/>
+          <p:cNvPr id="94211" name="Notes Placeholder 2"/>
           <p:cNvSpPr>
             <a:spLocks noGrp="1"/>
           </p:cNvSpPr>
@@ -1981,7 +2000,7 @@
             <a:pPr>
               <a:defRPr/>
             </a:pPr>
-            <a:fld id="{BC7186E3-8FF7-440E-B356-932D81183117}" type="slidenum">
+            <a:fld id="{7951DAA5-CCE2-47B2-A2C1-6F59C947A3F0}" type="slidenum">
               <a:rPr lang="en-CA" smtClean="0"/>
               <a:pPr>
                 <a:defRPr/>
@@ -2019,7 +2038,7 @@
       </p:grpSpPr>
       <p:sp>
         <p:nvSpPr>
-          <p:cNvPr id="99330" name="Slide Image Placeholder 1"/>
+          <p:cNvPr id="96258" name="Slide Image Placeholder 1"/>
           <p:cNvSpPr>
             <a:spLocks noGrp="1" noRot="1" noChangeAspect="1" noTextEdit="1"/>
           </p:cNvSpPr>
@@ -2041,7 +2060,7 @@
       </p:sp>
       <p:sp>
         <p:nvSpPr>
-          <p:cNvPr id="99331" name="Notes Placeholder 2"/>
+          <p:cNvPr id="96259" name="Notes Placeholder 2"/>
           <p:cNvSpPr>
             <a:spLocks noGrp="1"/>
           </p:cNvSpPr>
@@ -2082,7 +2101,7 @@
             <a:pPr>
               <a:defRPr/>
             </a:pPr>
-            <a:fld id="{BC7186E3-8FF7-440E-B356-932D81183117}" type="slidenum">
+            <a:fld id="{021D3140-4CEE-4927-8DFC-C39B176303B0}" type="slidenum">
               <a:rPr lang="en-CA" smtClean="0"/>
               <a:pPr>
                 <a:defRPr/>
@@ -2120,7 +2139,7 @@
       </p:grpSpPr>
       <p:sp>
         <p:nvSpPr>
-          <p:cNvPr id="99330" name="Slide Image Placeholder 1"/>
+          <p:cNvPr id="97282" name="Slide Image Placeholder 1"/>
           <p:cNvSpPr>
             <a:spLocks noGrp="1" noRot="1" noChangeAspect="1" noTextEdit="1"/>
           </p:cNvSpPr>
@@ -2142,7 +2161,7 @@
       </p:sp>
       <p:sp>
         <p:nvSpPr>
-          <p:cNvPr id="99331" name="Notes Placeholder 2"/>
+          <p:cNvPr id="97283" name="Notes Placeholder 2"/>
           <p:cNvSpPr>
             <a:spLocks noGrp="1"/>
           </p:cNvSpPr>
@@ -2183,7 +2202,7 @@
             <a:pPr>
               <a:defRPr/>
             </a:pPr>
-            <a:fld id="{BC7186E3-8FF7-440E-B356-932D81183117}" type="slidenum">
+            <a:fld id="{E48CC9EC-8A50-4967-A4B0-16683516FF53}" type="slidenum">
               <a:rPr lang="en-CA" smtClean="0"/>
               <a:pPr>
                 <a:defRPr/>
@@ -2322,7 +2341,7 @@
       </p:grpSpPr>
       <p:sp>
         <p:nvSpPr>
-          <p:cNvPr id="112642" name="Slide Image Placeholder 1"/>
+          <p:cNvPr id="99330" name="Slide Image Placeholder 1"/>
           <p:cNvSpPr>
             <a:spLocks noGrp="1" noRot="1" noChangeAspect="1" noTextEdit="1"/>
           </p:cNvSpPr>
@@ -2344,7 +2363,7 @@
       </p:sp>
       <p:sp>
         <p:nvSpPr>
-          <p:cNvPr id="112643" name="Notes Placeholder 2"/>
+          <p:cNvPr id="99331" name="Notes Placeholder 2"/>
           <p:cNvSpPr>
             <a:spLocks noGrp="1"/>
           </p:cNvSpPr>
@@ -2385,7 +2404,7 @@
             <a:pPr>
               <a:defRPr/>
             </a:pPr>
-            <a:fld id="{15EDAC01-DA36-4076-9F90-E3A35289DA97}" type="slidenum">
+            <a:fld id="{BC7186E3-8FF7-440E-B356-932D81183117}" type="slidenum">
               <a:rPr lang="en-CA" smtClean="0"/>
               <a:pPr>
                 <a:defRPr/>
@@ -2423,7 +2442,7 @@
       </p:grpSpPr>
       <p:sp>
         <p:nvSpPr>
-          <p:cNvPr id="113666" name="Slide Image Placeholder 1"/>
+          <p:cNvPr id="99330" name="Slide Image Placeholder 1"/>
           <p:cNvSpPr>
             <a:spLocks noGrp="1" noRot="1" noChangeAspect="1" noTextEdit="1"/>
           </p:cNvSpPr>
@@ -2445,7 +2464,7 @@
       </p:sp>
       <p:sp>
         <p:nvSpPr>
-          <p:cNvPr id="113667" name="Notes Placeholder 2"/>
+          <p:cNvPr id="99331" name="Notes Placeholder 2"/>
           <p:cNvSpPr>
             <a:spLocks noGrp="1"/>
           </p:cNvSpPr>
@@ -2486,7 +2505,7 @@
             <a:pPr>
               <a:defRPr/>
             </a:pPr>
-            <a:fld id="{95D1605D-9E73-48C6-B145-0430DE70B250}" type="slidenum">
+            <a:fld id="{BC7186E3-8FF7-440E-B356-932D81183117}" type="slidenum">
               <a:rPr lang="en-CA" smtClean="0"/>
               <a:pPr>
                 <a:defRPr/>
@@ -2524,7 +2543,7 @@
       </p:grpSpPr>
       <p:sp>
         <p:nvSpPr>
-          <p:cNvPr id="114690" name="Slide Image Placeholder 1"/>
+          <p:cNvPr id="99330" name="Slide Image Placeholder 1"/>
           <p:cNvSpPr>
             <a:spLocks noGrp="1" noRot="1" noChangeAspect="1" noTextEdit="1"/>
           </p:cNvSpPr>
@@ -2546,7 +2565,7 @@
       </p:sp>
       <p:sp>
         <p:nvSpPr>
-          <p:cNvPr id="114691" name="Notes Placeholder 2"/>
+          <p:cNvPr id="99331" name="Notes Placeholder 2"/>
           <p:cNvSpPr>
             <a:spLocks noGrp="1"/>
           </p:cNvSpPr>
@@ -2587,7 +2606,7 @@
             <a:pPr>
               <a:defRPr/>
             </a:pPr>
-            <a:fld id="{99169D27-A329-41BF-8842-676EB73F498E}" type="slidenum">
+            <a:fld id="{BC7186E3-8FF7-440E-B356-932D81183117}" type="slidenum">
               <a:rPr lang="en-CA" smtClean="0"/>
               <a:pPr>
                 <a:defRPr/>
@@ -2625,7 +2644,7 @@
       </p:grpSpPr>
       <p:sp>
         <p:nvSpPr>
-          <p:cNvPr id="115714" name="Slide Image Placeholder 1"/>
+          <p:cNvPr id="112642" name="Slide Image Placeholder 1"/>
           <p:cNvSpPr>
             <a:spLocks noGrp="1" noRot="1" noChangeAspect="1" noTextEdit="1"/>
           </p:cNvSpPr>
@@ -2647,7 +2666,7 @@
       </p:sp>
       <p:sp>
         <p:nvSpPr>
-          <p:cNvPr id="115715" name="Notes Placeholder 2"/>
+          <p:cNvPr id="112643" name="Notes Placeholder 2"/>
           <p:cNvSpPr>
             <a:spLocks noGrp="1"/>
           </p:cNvSpPr>
@@ -2688,7 +2707,7 @@
             <a:pPr>
               <a:defRPr/>
             </a:pPr>
-            <a:fld id="{A14DD6F6-173E-45D3-A324-05FFF903804B}" type="slidenum">
+            <a:fld id="{15EDAC01-DA36-4076-9F90-E3A35289DA97}" type="slidenum">
               <a:rPr lang="en-CA" smtClean="0"/>
               <a:pPr>
                 <a:defRPr/>
@@ -2827,7 +2846,7 @@
       </p:grpSpPr>
       <p:sp>
         <p:nvSpPr>
-          <p:cNvPr id="116738" name="Slide Image Placeholder 1"/>
+          <p:cNvPr id="113666" name="Slide Image Placeholder 1"/>
           <p:cNvSpPr>
             <a:spLocks noGrp="1" noRot="1" noChangeAspect="1" noTextEdit="1"/>
           </p:cNvSpPr>
@@ -2849,7 +2868,7 @@
       </p:sp>
       <p:sp>
         <p:nvSpPr>
-          <p:cNvPr id="116739" name="Notes Placeholder 2"/>
+          <p:cNvPr id="113667" name="Notes Placeholder 2"/>
           <p:cNvSpPr>
             <a:spLocks noGrp="1"/>
           </p:cNvSpPr>
@@ -2890,7 +2909,7 @@
             <a:pPr>
               <a:defRPr/>
             </a:pPr>
-            <a:fld id="{B60DE84F-A258-48D6-955F-2032494CFF0C}" type="slidenum">
+            <a:fld id="{95D1605D-9E73-48C6-B145-0430DE70B250}" type="slidenum">
               <a:rPr lang="en-CA" smtClean="0"/>
               <a:pPr>
                 <a:defRPr/>
@@ -2928,7 +2947,7 @@
       </p:grpSpPr>
       <p:sp>
         <p:nvSpPr>
-          <p:cNvPr id="120834" name="Slide Image Placeholder 1"/>
+          <p:cNvPr id="114690" name="Slide Image Placeholder 1"/>
           <p:cNvSpPr>
             <a:spLocks noGrp="1" noRot="1" noChangeAspect="1" noTextEdit="1"/>
           </p:cNvSpPr>
@@ -2950,7 +2969,7 @@
       </p:sp>
       <p:sp>
         <p:nvSpPr>
-          <p:cNvPr id="120835" name="Notes Placeholder 2"/>
+          <p:cNvPr id="114691" name="Notes Placeholder 2"/>
           <p:cNvSpPr>
             <a:spLocks noGrp="1"/>
           </p:cNvSpPr>
@@ -2991,7 +3010,7 @@
             <a:pPr>
               <a:defRPr/>
             </a:pPr>
-            <a:fld id="{AC44E34E-8F37-46EE-B6C8-3AAD60642FCD}" type="slidenum">
+            <a:fld id="{99169D27-A329-41BF-8842-676EB73F498E}" type="slidenum">
               <a:rPr lang="en-CA" smtClean="0"/>
               <a:pPr>
                 <a:defRPr/>
@@ -3029,7 +3048,7 @@
       </p:grpSpPr>
       <p:sp>
         <p:nvSpPr>
-          <p:cNvPr id="121858" name="Slide Image Placeholder 1"/>
+          <p:cNvPr id="115714" name="Slide Image Placeholder 1"/>
           <p:cNvSpPr>
             <a:spLocks noGrp="1" noRot="1" noChangeAspect="1" noTextEdit="1"/>
           </p:cNvSpPr>
@@ -3051,7 +3070,7 @@
       </p:sp>
       <p:sp>
         <p:nvSpPr>
-          <p:cNvPr id="121859" name="Notes Placeholder 2"/>
+          <p:cNvPr id="115715" name="Notes Placeholder 2"/>
           <p:cNvSpPr>
             <a:spLocks noGrp="1"/>
           </p:cNvSpPr>
@@ -3092,12 +3111,12 @@
             <a:pPr>
               <a:defRPr/>
             </a:pPr>
-            <a:fld id="{E931DA3C-2231-44C8-B4BA-E8D69011C6D5}" type="slidenum">
+            <a:fld id="{A14DD6F6-173E-45D3-A324-05FFF903804B}" type="slidenum">
               <a:rPr lang="en-CA" smtClean="0"/>
               <a:pPr>
                 <a:defRPr/>
               </a:pPr>
-              <a:t>35</a:t>
+              <a:t>34</a:t>
             </a:fld>
             <a:endParaRPr lang="en-CA"/>
           </a:p>
@@ -3130,7 +3149,7 @@
       </p:grpSpPr>
       <p:sp>
         <p:nvSpPr>
-          <p:cNvPr id="122882" name="Slide Image Placeholder 1"/>
+          <p:cNvPr id="116738" name="Slide Image Placeholder 1"/>
           <p:cNvSpPr>
             <a:spLocks noGrp="1" noRot="1" noChangeAspect="1" noTextEdit="1"/>
           </p:cNvSpPr>
@@ -3152,6 +3171,309 @@
       </p:sp>
       <p:sp>
         <p:nvSpPr>
+          <p:cNvPr id="116739" name="Notes Placeholder 2"/>
+          <p:cNvSpPr>
+            <a:spLocks noGrp="1"/>
+          </p:cNvSpPr>
+          <p:nvPr>
+            <p:ph type="body" idx="1"/>
+          </p:nvPr>
+        </p:nvSpPr>
+        <p:spPr bwMode="auto">
+          <a:noFill/>
+        </p:spPr>
+        <p:txBody>
+          <a:bodyPr wrap="square" numCol="1" anchor="t" anchorCtr="0" compatLnSpc="1">
+            <a:prstTxWarp prst="textNoShape">
+              <a:avLst/>
+            </a:prstTxWarp>
+          </a:bodyPr>
+          <a:lstStyle/>
+          <a:p>
+            <a:endParaRPr lang="en-CA"/>
+          </a:p>
+        </p:txBody>
+      </p:sp>
+      <p:sp>
+        <p:nvSpPr>
+          <p:cNvPr id="4" name="Slide Number Placeholder 3"/>
+          <p:cNvSpPr>
+            <a:spLocks noGrp="1"/>
+          </p:cNvSpPr>
+          <p:nvPr>
+            <p:ph type="sldNum" sz="quarter" idx="5"/>
+          </p:nvPr>
+        </p:nvSpPr>
+        <p:spPr/>
+        <p:txBody>
+          <a:bodyPr/>
+          <a:lstStyle/>
+          <a:p>
+            <a:pPr>
+              <a:defRPr/>
+            </a:pPr>
+            <a:fld id="{B60DE84F-A258-48D6-955F-2032494CFF0C}" type="slidenum">
+              <a:rPr lang="en-CA" smtClean="0"/>
+              <a:pPr>
+                <a:defRPr/>
+              </a:pPr>
+              <a:t>35</a:t>
+            </a:fld>
+            <a:endParaRPr lang="en-CA"/>
+          </a:p>
+        </p:txBody>
+      </p:sp>
+    </p:spTree>
+  </p:cSld>
+  <p:clrMapOvr>
+    <a:masterClrMapping/>
+  </p:clrMapOvr>
+</p:notes>
+</file>
+
+<file path=ppt/notesSlides/notesSlide34.xml><?xml version="1.0" encoding="utf-8"?>
+<p:notes xmlns:a="http://schemas.openxmlformats.org/drawingml/2006/main" xmlns:r="http://schemas.openxmlformats.org/officeDocument/2006/relationships" xmlns:p="http://schemas.openxmlformats.org/presentationml/2006/main">
+  <p:cSld>
+    <p:spTree>
+      <p:nvGrpSpPr>
+        <p:cNvPr id="1" name=""/>
+        <p:cNvGrpSpPr/>
+        <p:nvPr/>
+      </p:nvGrpSpPr>
+      <p:grpSpPr>
+        <a:xfrm>
+          <a:off x="0" y="0"/>
+          <a:ext cx="0" cy="0"/>
+          <a:chOff x="0" y="0"/>
+          <a:chExt cx="0" cy="0"/>
+        </a:xfrm>
+      </p:grpSpPr>
+      <p:sp>
+        <p:nvSpPr>
+          <p:cNvPr id="120834" name="Slide Image Placeholder 1"/>
+          <p:cNvSpPr>
+            <a:spLocks noGrp="1" noRot="1" noChangeAspect="1" noTextEdit="1"/>
+          </p:cNvSpPr>
+          <p:nvPr>
+            <p:ph type="sldImg"/>
+          </p:nvPr>
+        </p:nvSpPr>
+        <p:spPr bwMode="auto">
+          <a:noFill/>
+          <a:ln>
+            <a:solidFill>
+              <a:srgbClr val="000000"/>
+            </a:solidFill>
+            <a:miter lim="800000"/>
+            <a:headEnd/>
+            <a:tailEnd/>
+          </a:ln>
+        </p:spPr>
+      </p:sp>
+      <p:sp>
+        <p:nvSpPr>
+          <p:cNvPr id="120835" name="Notes Placeholder 2"/>
+          <p:cNvSpPr>
+            <a:spLocks noGrp="1"/>
+          </p:cNvSpPr>
+          <p:nvPr>
+            <p:ph type="body" idx="1"/>
+          </p:nvPr>
+        </p:nvSpPr>
+        <p:spPr bwMode="auto">
+          <a:noFill/>
+        </p:spPr>
+        <p:txBody>
+          <a:bodyPr wrap="square" numCol="1" anchor="t" anchorCtr="0" compatLnSpc="1">
+            <a:prstTxWarp prst="textNoShape">
+              <a:avLst/>
+            </a:prstTxWarp>
+          </a:bodyPr>
+          <a:lstStyle/>
+          <a:p>
+            <a:endParaRPr lang="en-CA"/>
+          </a:p>
+        </p:txBody>
+      </p:sp>
+      <p:sp>
+        <p:nvSpPr>
+          <p:cNvPr id="4" name="Slide Number Placeholder 3"/>
+          <p:cNvSpPr>
+            <a:spLocks noGrp="1"/>
+          </p:cNvSpPr>
+          <p:nvPr>
+            <p:ph type="sldNum" sz="quarter" idx="5"/>
+          </p:nvPr>
+        </p:nvSpPr>
+        <p:spPr/>
+        <p:txBody>
+          <a:bodyPr/>
+          <a:lstStyle/>
+          <a:p>
+            <a:pPr>
+              <a:defRPr/>
+            </a:pPr>
+            <a:fld id="{AC44E34E-8F37-46EE-B6C8-3AAD60642FCD}" type="slidenum">
+              <a:rPr lang="en-CA" smtClean="0"/>
+              <a:pPr>
+                <a:defRPr/>
+              </a:pPr>
+              <a:t>36</a:t>
+            </a:fld>
+            <a:endParaRPr lang="en-CA"/>
+          </a:p>
+        </p:txBody>
+      </p:sp>
+    </p:spTree>
+  </p:cSld>
+  <p:clrMapOvr>
+    <a:masterClrMapping/>
+  </p:clrMapOvr>
+</p:notes>
+</file>
+
+<file path=ppt/notesSlides/notesSlide35.xml><?xml version="1.0" encoding="utf-8"?>
+<p:notes xmlns:a="http://schemas.openxmlformats.org/drawingml/2006/main" xmlns:r="http://schemas.openxmlformats.org/officeDocument/2006/relationships" xmlns:p="http://schemas.openxmlformats.org/presentationml/2006/main">
+  <p:cSld>
+    <p:spTree>
+      <p:nvGrpSpPr>
+        <p:cNvPr id="1" name=""/>
+        <p:cNvGrpSpPr/>
+        <p:nvPr/>
+      </p:nvGrpSpPr>
+      <p:grpSpPr>
+        <a:xfrm>
+          <a:off x="0" y="0"/>
+          <a:ext cx="0" cy="0"/>
+          <a:chOff x="0" y="0"/>
+          <a:chExt cx="0" cy="0"/>
+        </a:xfrm>
+      </p:grpSpPr>
+      <p:sp>
+        <p:nvSpPr>
+          <p:cNvPr id="121858" name="Slide Image Placeholder 1"/>
+          <p:cNvSpPr>
+            <a:spLocks noGrp="1" noRot="1" noChangeAspect="1" noTextEdit="1"/>
+          </p:cNvSpPr>
+          <p:nvPr>
+            <p:ph type="sldImg"/>
+          </p:nvPr>
+        </p:nvSpPr>
+        <p:spPr bwMode="auto">
+          <a:noFill/>
+          <a:ln>
+            <a:solidFill>
+              <a:srgbClr val="000000"/>
+            </a:solidFill>
+            <a:miter lim="800000"/>
+            <a:headEnd/>
+            <a:tailEnd/>
+          </a:ln>
+        </p:spPr>
+      </p:sp>
+      <p:sp>
+        <p:nvSpPr>
+          <p:cNvPr id="121859" name="Notes Placeholder 2"/>
+          <p:cNvSpPr>
+            <a:spLocks noGrp="1"/>
+          </p:cNvSpPr>
+          <p:nvPr>
+            <p:ph type="body" idx="1"/>
+          </p:nvPr>
+        </p:nvSpPr>
+        <p:spPr bwMode="auto">
+          <a:noFill/>
+        </p:spPr>
+        <p:txBody>
+          <a:bodyPr wrap="square" numCol="1" anchor="t" anchorCtr="0" compatLnSpc="1">
+            <a:prstTxWarp prst="textNoShape">
+              <a:avLst/>
+            </a:prstTxWarp>
+          </a:bodyPr>
+          <a:lstStyle/>
+          <a:p>
+            <a:endParaRPr lang="en-CA"/>
+          </a:p>
+        </p:txBody>
+      </p:sp>
+      <p:sp>
+        <p:nvSpPr>
+          <p:cNvPr id="4" name="Slide Number Placeholder 3"/>
+          <p:cNvSpPr>
+            <a:spLocks noGrp="1"/>
+          </p:cNvSpPr>
+          <p:nvPr>
+            <p:ph type="sldNum" sz="quarter" idx="5"/>
+          </p:nvPr>
+        </p:nvSpPr>
+        <p:spPr/>
+        <p:txBody>
+          <a:bodyPr/>
+          <a:lstStyle/>
+          <a:p>
+            <a:pPr>
+              <a:defRPr/>
+            </a:pPr>
+            <a:fld id="{E931DA3C-2231-44C8-B4BA-E8D69011C6D5}" type="slidenum">
+              <a:rPr lang="en-CA" smtClean="0"/>
+              <a:pPr>
+                <a:defRPr/>
+              </a:pPr>
+              <a:t>38</a:t>
+            </a:fld>
+            <a:endParaRPr lang="en-CA"/>
+          </a:p>
+        </p:txBody>
+      </p:sp>
+    </p:spTree>
+  </p:cSld>
+  <p:clrMapOvr>
+    <a:masterClrMapping/>
+  </p:clrMapOvr>
+</p:notes>
+</file>
+
+<file path=ppt/notesSlides/notesSlide36.xml><?xml version="1.0" encoding="utf-8"?>
+<p:notes xmlns:a="http://schemas.openxmlformats.org/drawingml/2006/main" xmlns:r="http://schemas.openxmlformats.org/officeDocument/2006/relationships" xmlns:p="http://schemas.openxmlformats.org/presentationml/2006/main">
+  <p:cSld>
+    <p:spTree>
+      <p:nvGrpSpPr>
+        <p:cNvPr id="1" name=""/>
+        <p:cNvGrpSpPr/>
+        <p:nvPr/>
+      </p:nvGrpSpPr>
+      <p:grpSpPr>
+        <a:xfrm>
+          <a:off x="0" y="0"/>
+          <a:ext cx="0" cy="0"/>
+          <a:chOff x="0" y="0"/>
+          <a:chExt cx="0" cy="0"/>
+        </a:xfrm>
+      </p:grpSpPr>
+      <p:sp>
+        <p:nvSpPr>
+          <p:cNvPr id="122882" name="Slide Image Placeholder 1"/>
+          <p:cNvSpPr>
+            <a:spLocks noGrp="1" noRot="1" noChangeAspect="1" noTextEdit="1"/>
+          </p:cNvSpPr>
+          <p:nvPr>
+            <p:ph type="sldImg"/>
+          </p:nvPr>
+        </p:nvSpPr>
+        <p:spPr bwMode="auto">
+          <a:noFill/>
+          <a:ln>
+            <a:solidFill>
+              <a:srgbClr val="000000"/>
+            </a:solidFill>
+            <a:miter lim="800000"/>
+            <a:headEnd/>
+            <a:tailEnd/>
+          </a:ln>
+        </p:spPr>
+      </p:sp>
+      <p:sp>
+        <p:nvSpPr>
           <p:cNvPr id="122883" name="Notes Placeholder 2"/>
           <p:cNvSpPr>
             <a:spLocks noGrp="1"/>
@@ -3198,7 +3520,7 @@
               <a:pPr>
                 <a:defRPr/>
               </a:pPr>
-              <a:t>36</a:t>
+              <a:t>39</a:t>
             </a:fld>
             <a:endParaRPr lang="en-CA"/>
           </a:p>
@@ -3990,7 +4312,7 @@
           <a:p>
             <a:fld id="{9DCA369C-CB3F-4260-86E8-FD3F54C73225}" type="datetimeFigureOut">
               <a:rPr lang="en-US" smtClean="0"/>
-              <a:t>8/29/21</a:t>
+              <a:t>9/14/21</a:t>
             </a:fld>
             <a:endParaRPr lang="en-US"/>
           </a:p>
@@ -4256,7 +4578,7 @@
           <a:p>
             <a:fld id="{9DCA369C-CB3F-4260-86E8-FD3F54C73225}" type="datetimeFigureOut">
               <a:rPr lang="en-US" smtClean="0"/>
-              <a:t>8/29/21</a:t>
+              <a:t>9/14/21</a:t>
             </a:fld>
             <a:endParaRPr lang="en-US"/>
           </a:p>
@@ -4464,7 +4786,7 @@
           <a:p>
             <a:fld id="{9DCA369C-CB3F-4260-86E8-FD3F54C73225}" type="datetimeFigureOut">
               <a:rPr lang="en-US" smtClean="0"/>
-              <a:t>8/29/21</a:t>
+              <a:t>9/14/21</a:t>
             </a:fld>
             <a:endParaRPr lang="en-US"/>
           </a:p>
@@ -4712,7 +5034,7 @@
           <a:p>
             <a:fld id="{9DCA369C-CB3F-4260-86E8-FD3F54C73225}" type="datetimeFigureOut">
               <a:rPr lang="en-US" smtClean="0"/>
-              <a:t>8/29/21</a:t>
+              <a:t>9/14/21</a:t>
             </a:fld>
             <a:endParaRPr lang="en-US"/>
           </a:p>
@@ -5068,7 +5390,7 @@
           <a:p>
             <a:fld id="{9DCA369C-CB3F-4260-86E8-FD3F54C73225}" type="datetimeFigureOut">
               <a:rPr lang="en-US" smtClean="0"/>
-              <a:t>8/29/21</a:t>
+              <a:t>9/14/21</a:t>
             </a:fld>
             <a:endParaRPr lang="en-US"/>
           </a:p>
@@ -5333,7 +5655,7 @@
           <a:p>
             <a:fld id="{9DCA369C-CB3F-4260-86E8-FD3F54C73225}" type="datetimeFigureOut">
               <a:rPr lang="en-US" smtClean="0"/>
-              <a:t>8/29/21</a:t>
+              <a:t>9/14/21</a:t>
             </a:fld>
             <a:endParaRPr lang="en-US"/>
           </a:p>
@@ -5745,7 +6067,7 @@
           <a:p>
             <a:fld id="{9DCA369C-CB3F-4260-86E8-FD3F54C73225}" type="datetimeFigureOut">
               <a:rPr lang="en-US" smtClean="0"/>
-              <a:t>8/29/21</a:t>
+              <a:t>9/14/21</a:t>
             </a:fld>
             <a:endParaRPr lang="en-US"/>
           </a:p>
@@ -5886,7 +6208,7 @@
           <a:p>
             <a:fld id="{9DCA369C-CB3F-4260-86E8-FD3F54C73225}" type="datetimeFigureOut">
               <a:rPr lang="en-US" smtClean="0"/>
-              <a:t>8/29/21</a:t>
+              <a:t>9/14/21</a:t>
             </a:fld>
             <a:endParaRPr lang="en-US"/>
           </a:p>
@@ -5999,7 +6321,7 @@
           <a:p>
             <a:fld id="{9DCA369C-CB3F-4260-86E8-FD3F54C73225}" type="datetimeFigureOut">
               <a:rPr lang="en-US" smtClean="0"/>
-              <a:t>8/29/21</a:t>
+              <a:t>9/14/21</a:t>
             </a:fld>
             <a:endParaRPr lang="en-US"/>
           </a:p>
@@ -6310,7 +6632,7 @@
           <a:p>
             <a:fld id="{9DCA369C-CB3F-4260-86E8-FD3F54C73225}" type="datetimeFigureOut">
               <a:rPr lang="en-US" smtClean="0"/>
-              <a:t>8/29/21</a:t>
+              <a:t>9/14/21</a:t>
             </a:fld>
             <a:endParaRPr lang="en-US"/>
           </a:p>
@@ -6598,7 +6920,7 @@
           <a:p>
             <a:fld id="{9DCA369C-CB3F-4260-86E8-FD3F54C73225}" type="datetimeFigureOut">
               <a:rPr lang="en-US" smtClean="0"/>
-              <a:t>8/29/21</a:t>
+              <a:t>9/14/21</a:t>
             </a:fld>
             <a:endParaRPr lang="en-US"/>
           </a:p>
@@ -6839,7 +7161,7 @@
           <a:p>
             <a:fld id="{9DCA369C-CB3F-4260-86E8-FD3F54C73225}" type="datetimeFigureOut">
               <a:rPr lang="en-US" smtClean="0"/>
-              <a:t>8/29/21</a:t>
+              <a:t>9/14/21</a:t>
             </a:fld>
             <a:endParaRPr lang="en-US"/>
           </a:p>
@@ -7612,43 +7934,6 @@
           </a:p>
         </p:txBody>
       </p:sp>
-      <p:sp>
-        <p:nvSpPr>
-          <p:cNvPr id="8" name="TextBox 7"/>
-          <p:cNvSpPr txBox="1">
-            <a:spLocks noChangeArrowheads="1"/>
-          </p:cNvSpPr>
-          <p:nvPr/>
-        </p:nvSpPr>
-        <p:spPr bwMode="auto">
-          <a:xfrm>
-            <a:off x="1703388" y="692696"/>
-            <a:ext cx="534121" cy="369332"/>
-          </a:xfrm>
-          <a:prstGeom prst="rect">
-            <a:avLst/>
-          </a:prstGeom>
-          <a:noFill/>
-          <a:ln w="9525">
-            <a:noFill/>
-            <a:miter lim="800000"/>
-            <a:headEnd/>
-            <a:tailEnd/>
-          </a:ln>
-        </p:spPr>
-        <p:txBody>
-          <a:bodyPr wrap="none">
-            <a:spAutoFit/>
-          </a:bodyPr>
-          <a:lstStyle/>
-          <a:p>
-            <a:r>
-              <a:rPr lang="en-CA" dirty="0"/>
-              <a:t>.3.3</a:t>
-            </a:r>
-          </a:p>
-        </p:txBody>
-      </p:sp>
       <p:pic>
         <p:nvPicPr>
           <p:cNvPr id="172034" name="Picture 2"/>
@@ -7666,8 +7951,8 @@
         </p:blipFill>
         <p:spPr bwMode="auto">
           <a:xfrm>
-            <a:off x="3013304" y="2780928"/>
-            <a:ext cx="6210300" cy="3790950"/>
+            <a:off x="3352800" y="2988166"/>
+            <a:ext cx="5870804" cy="3583712"/>
           </a:xfrm>
           <a:prstGeom prst="rect">
             <a:avLst/>
@@ -8021,7 +8306,7 @@
           <a:graphicData uri="http://schemas.openxmlformats.org/presentationml/2006/ole">
             <mc:AlternateContent xmlns:mc="http://schemas.openxmlformats.org/markup-compatibility/2006">
               <mc:Choice xmlns:v="urn:schemas-microsoft-com:vml" Requires="v">
-                <p:oleObj spid="_x0000_s2057" name="Equation" r:id="rId4" imgW="2387520" imgH="457200" progId="Equation.3">
+                <p:oleObj spid="_x0000_s2080" name="Equation" r:id="rId4" imgW="2387520" imgH="457200" progId="Equation.3">
                   <p:embed/>
                 </p:oleObj>
               </mc:Choice>
@@ -8178,7 +8463,7 @@
               <a:buNone/>
             </a:pPr>
             <a:r>
-              <a:rPr lang="en-US">
+              <a:rPr lang="en-US" dirty="0">
                 <a:latin typeface="Arial" charset="0"/>
                 <a:cs typeface="Arial" charset="0"/>
               </a:rPr>
@@ -8191,14 +8476,14 @@
               <a:buNone/>
             </a:pPr>
             <a:r>
-              <a:rPr lang="en-US">
+              <a:rPr lang="en-US" dirty="0">
                 <a:latin typeface="Arial" charset="0"/>
                 <a:cs typeface="Arial" charset="0"/>
               </a:rPr>
               <a:t>  </a:t>
             </a:r>
             <a:r>
-              <a:rPr lang="en-US">
+              <a:rPr lang="en-US" dirty="0">
                 <a:solidFill>
                   <a:srgbClr val="FF0000"/>
                 </a:solidFill>
@@ -8208,7 +8493,7 @@
               <a:t>f(</a:t>
             </a:r>
             <a:r>
-              <a:rPr lang="en-US" i="1">
+              <a:rPr lang="en-US" i="1" dirty="0">
                 <a:solidFill>
                   <a:srgbClr val="FF0000"/>
                 </a:solidFill>
@@ -8218,7 +8503,7 @@
               <a:t>n</a:t>
             </a:r>
             <a:r>
-              <a:rPr lang="en-US">
+              <a:rPr lang="en-US" dirty="0">
                 <a:solidFill>
                   <a:srgbClr val="FF0000"/>
                 </a:solidFill>
@@ -8228,7 +8513,7 @@
               <a:t>) = </a:t>
             </a:r>
             <a:r>
-              <a:rPr lang="en-US" i="1">
+              <a:rPr lang="en-US" i="1" dirty="0">
                 <a:solidFill>
                   <a:srgbClr val="FF0000"/>
                 </a:solidFill>
@@ -8238,7 +8523,7 @@
               <a:t>n</a:t>
             </a:r>
             <a:r>
-              <a:rPr lang="en-US" baseline="30000">
+              <a:rPr lang="en-US" baseline="30000" dirty="0">
                 <a:solidFill>
                   <a:srgbClr val="FF0000"/>
                 </a:solidFill>
@@ -8248,14 +8533,14 @@
               <a:t>6</a:t>
             </a:r>
             <a:r>
-              <a:rPr lang="en-US">
+              <a:rPr lang="en-US" dirty="0">
                 <a:latin typeface="Arial" charset="0"/>
                 <a:cs typeface="Arial" charset="0"/>
               </a:rPr>
               <a:t>   and    </a:t>
             </a:r>
             <a:r>
-              <a:rPr lang="en-US">
+              <a:rPr lang="en-US" dirty="0">
                 <a:solidFill>
                   <a:srgbClr val="3333CC"/>
                 </a:solidFill>
@@ -8265,7 +8550,7 @@
               <a:t>g(</a:t>
             </a:r>
             <a:r>
-              <a:rPr lang="en-US" i="1">
+              <a:rPr lang="en-US" i="1" dirty="0">
                 <a:solidFill>
                   <a:srgbClr val="3333CC"/>
                 </a:solidFill>
@@ -8275,7 +8560,7 @@
               <a:t>n</a:t>
             </a:r>
             <a:r>
-              <a:rPr lang="en-US">
+              <a:rPr lang="en-US" dirty="0">
                 <a:solidFill>
                   <a:srgbClr val="3333CC"/>
                 </a:solidFill>
@@ -8285,7 +8570,7 @@
               <a:t>) = </a:t>
             </a:r>
             <a:r>
-              <a:rPr lang="en-US" i="1">
+              <a:rPr lang="en-US" i="1" dirty="0">
                 <a:solidFill>
                   <a:srgbClr val="3333CC"/>
                 </a:solidFill>
@@ -8295,7 +8580,7 @@
               <a:t>n</a:t>
             </a:r>
             <a:r>
-              <a:rPr lang="en-US" baseline="30000">
+              <a:rPr lang="en-US" baseline="30000" dirty="0">
                 <a:solidFill>
                   <a:srgbClr val="3333CC"/>
                 </a:solidFill>
@@ -8305,7 +8590,7 @@
               <a:t>6</a:t>
             </a:r>
             <a:r>
-              <a:rPr lang="en-US">
+              <a:rPr lang="en-US" dirty="0">
                 <a:solidFill>
                   <a:srgbClr val="3333CC"/>
                 </a:solidFill>
@@ -8315,7 +8600,7 @@
               <a:t> – 23</a:t>
             </a:r>
             <a:r>
-              <a:rPr lang="en-US" i="1">
+              <a:rPr lang="en-US" i="1" dirty="0">
                 <a:solidFill>
                   <a:srgbClr val="3333CC"/>
                 </a:solidFill>
@@ -8325,7 +8610,7 @@
               <a:t>n</a:t>
             </a:r>
             <a:r>
-              <a:rPr lang="en-US" baseline="30000">
+              <a:rPr lang="en-US" baseline="30000" dirty="0">
                 <a:solidFill>
                   <a:srgbClr val="3333CC"/>
                 </a:solidFill>
@@ -8335,7 +8620,7 @@
               <a:t>5</a:t>
             </a:r>
             <a:r>
-              <a:rPr lang="en-US">
+              <a:rPr lang="en-US" dirty="0">
                 <a:solidFill>
                   <a:srgbClr val="3333CC"/>
                 </a:solidFill>
@@ -8345,7 +8630,7 @@
               <a:t>+193</a:t>
             </a:r>
             <a:r>
-              <a:rPr lang="en-US" i="1">
+              <a:rPr lang="en-US" i="1" dirty="0">
                 <a:solidFill>
                   <a:srgbClr val="3333CC"/>
                 </a:solidFill>
@@ -8355,7 +8640,7 @@
               <a:t>n</a:t>
             </a:r>
             <a:r>
-              <a:rPr lang="en-US" baseline="30000">
+              <a:rPr lang="en-US" baseline="30000" dirty="0">
                 <a:solidFill>
                   <a:srgbClr val="3333CC"/>
                 </a:solidFill>
@@ -8365,7 +8650,7 @@
               <a:t>4</a:t>
             </a:r>
             <a:r>
-              <a:rPr lang="en-US">
+              <a:rPr lang="en-US" dirty="0">
                 <a:solidFill>
                   <a:srgbClr val="3333CC"/>
                 </a:solidFill>
@@ -8375,7 +8660,7 @@
               <a:t> –729</a:t>
             </a:r>
             <a:r>
-              <a:rPr lang="en-US" i="1">
+              <a:rPr lang="en-US" i="1" dirty="0">
                 <a:solidFill>
                   <a:srgbClr val="3333CC"/>
                 </a:solidFill>
@@ -8385,7 +8670,7 @@
               <a:t>n</a:t>
             </a:r>
             <a:r>
-              <a:rPr lang="en-US" baseline="30000">
+              <a:rPr lang="en-US" baseline="30000" dirty="0">
                 <a:solidFill>
                   <a:srgbClr val="3333CC"/>
                 </a:solidFill>
@@ -8395,7 +8680,7 @@
               <a:t>3</a:t>
             </a:r>
             <a:r>
-              <a:rPr lang="en-US">
+              <a:rPr lang="en-US" dirty="0">
                 <a:solidFill>
                   <a:srgbClr val="3333CC"/>
                 </a:solidFill>
@@ -8405,7 +8690,7 @@
               <a:t>+1206</a:t>
             </a:r>
             <a:r>
-              <a:rPr lang="en-US" i="1">
+              <a:rPr lang="en-US" i="1" dirty="0">
                 <a:solidFill>
                   <a:srgbClr val="3333CC"/>
                 </a:solidFill>
@@ -8415,7 +8700,7 @@
               <a:t>n</a:t>
             </a:r>
             <a:r>
-              <a:rPr lang="en-US" baseline="30000">
+              <a:rPr lang="en-US" baseline="30000" dirty="0">
                 <a:solidFill>
                   <a:srgbClr val="3333CC"/>
                 </a:solidFill>
@@ -8425,7 +8710,7 @@
               <a:t>2</a:t>
             </a:r>
             <a:r>
-              <a:rPr lang="en-US">
+              <a:rPr lang="en-US" dirty="0">
                 <a:solidFill>
                   <a:srgbClr val="3333CC"/>
                 </a:solidFill>
@@ -8435,7 +8720,7 @@
               <a:t> – 648</a:t>
             </a:r>
             <a:r>
-              <a:rPr lang="en-US" i="1">
+              <a:rPr lang="en-US" i="1" dirty="0">
                 <a:solidFill>
                   <a:srgbClr val="3333CC"/>
                 </a:solidFill>
@@ -8444,20 +8729,7 @@
               </a:rPr>
               <a:t>n</a:t>
             </a:r>
-            <a:endParaRPr lang="en-US">
-              <a:solidFill>
-                <a:srgbClr val="3333CC"/>
-              </a:solidFill>
-              <a:latin typeface="Times New Roman" pitchFamily="18" charset="0"/>
-              <a:cs typeface="Arial" charset="0"/>
-            </a:endParaRPr>
-          </a:p>
-          <a:p>
-            <a:pPr>
-              <a:buFont typeface="Arial" charset="0"/>
-              <a:buNone/>
-            </a:pPr>
-            <a:endParaRPr lang="en-US">
+            <a:endParaRPr lang="en-US" dirty="0">
               <a:latin typeface="Arial" charset="0"/>
               <a:cs typeface="Arial" charset="0"/>
             </a:endParaRPr>
@@ -8468,28 +8740,28 @@
               <a:buNone/>
             </a:pPr>
             <a:r>
-              <a:rPr lang="en-US">
+              <a:rPr lang="en-US" dirty="0">
                 <a:latin typeface="Arial" charset="0"/>
                 <a:cs typeface="Arial" charset="0"/>
               </a:rPr>
               <a:t>	Around </a:t>
             </a:r>
             <a:r>
-              <a:rPr lang="en-US" i="1">
+              <a:rPr lang="en-US" i="1" dirty="0">
                 <a:latin typeface="Times New Roman" pitchFamily="18" charset="0"/>
                 <a:cs typeface="Arial" charset="0"/>
               </a:rPr>
               <a:t>n</a:t>
             </a:r>
             <a:r>
-              <a:rPr lang="en-US">
+              <a:rPr lang="en-US" dirty="0">
                 <a:latin typeface="Times New Roman" pitchFamily="18" charset="0"/>
                 <a:cs typeface="Arial" charset="0"/>
               </a:rPr>
               <a:t> = 0</a:t>
             </a:r>
             <a:r>
-              <a:rPr lang="en-US">
+              <a:rPr lang="en-US" dirty="0">
                 <a:latin typeface="Arial" charset="0"/>
                 <a:cs typeface="Arial" charset="0"/>
               </a:rPr>
@@ -8738,7 +9010,7 @@
                 <a:latin typeface="Arial" charset="0"/>
                 <a:cs typeface="Arial" charset="0"/>
               </a:rPr>
-              <a:t> in the first case, </a:t>
+              <a:t> in the first example, </a:t>
             </a:r>
             <a:r>
               <a:rPr lang="en-US" i="1" dirty="0">
@@ -8759,7 +9031,7 @@
                 <a:latin typeface="Arial" charset="0"/>
                 <a:cs typeface="Arial" charset="0"/>
               </a:rPr>
-              <a:t> in the second</a:t>
+              <a:t> in the second example</a:t>
             </a:r>
           </a:p>
           <a:p>
@@ -8811,134 +9083,6 @@
   <p:clrMapOvr>
     <a:masterClrMapping/>
   </p:clrMapOvr>
-  <p:timing>
-    <p:tnLst>
-      <p:par>
-        <p:cTn id="1" dur="indefinite" restart="never" nodeType="tmRoot">
-          <p:childTnLst>
-            <p:seq concurrent="1" nextAc="seek">
-              <p:cTn id="2" dur="indefinite" nodeType="mainSeq">
-                <p:childTnLst>
-                  <p:par>
-                    <p:cTn id="3" fill="hold">
-                      <p:stCondLst>
-                        <p:cond delay="indefinite"/>
-                      </p:stCondLst>
-                      <p:childTnLst>
-                        <p:par>
-                          <p:cTn id="4" fill="hold">
-                            <p:stCondLst>
-                              <p:cond delay="0"/>
-                            </p:stCondLst>
-                            <p:childTnLst>
-                              <p:par>
-                                <p:cTn id="5" presetID="1" presetClass="entr" presetSubtype="0" fill="hold" nodeType="clickEffect">
-                                  <p:stCondLst>
-                                    <p:cond delay="0"/>
-                                  </p:stCondLst>
-                                  <p:childTnLst>
-                                    <p:set>
-                                      <p:cBhvr>
-                                        <p:cTn id="6" dur="1" fill="hold">
-                                          <p:stCondLst>
-                                            <p:cond delay="0"/>
-                                          </p:stCondLst>
-                                        </p:cTn>
-                                        <p:tgtEl>
-                                          <p:spTgt spid="32771">
-                                            <p:txEl>
-                                              <p:pRg st="3" end="3"/>
-                                            </p:txEl>
-                                          </p:spTgt>
-                                        </p:tgtEl>
-                                        <p:attrNameLst>
-                                          <p:attrName>style.visibility</p:attrName>
-                                        </p:attrNameLst>
-                                      </p:cBhvr>
-                                      <p:to>
-                                        <p:strVal val="visible"/>
-                                      </p:to>
-                                    </p:set>
-                                  </p:childTnLst>
-                                </p:cTn>
-                              </p:par>
-                            </p:childTnLst>
-                          </p:cTn>
-                        </p:par>
-                      </p:childTnLst>
-                    </p:cTn>
-                  </p:par>
-                  <p:par>
-                    <p:cTn id="7" fill="hold">
-                      <p:stCondLst>
-                        <p:cond delay="indefinite"/>
-                      </p:stCondLst>
-                      <p:childTnLst>
-                        <p:par>
-                          <p:cTn id="8" fill="hold">
-                            <p:stCondLst>
-                              <p:cond delay="0"/>
-                            </p:stCondLst>
-                            <p:childTnLst>
-                              <p:par>
-                                <p:cTn id="9" presetID="1" presetClass="entr" presetSubtype="0" fill="hold" nodeType="clickEffect">
-                                  <p:stCondLst>
-                                    <p:cond delay="0"/>
-                                  </p:stCondLst>
-                                  <p:childTnLst>
-                                    <p:set>
-                                      <p:cBhvr>
-                                        <p:cTn id="10" dur="1" fill="hold">
-                                          <p:stCondLst>
-                                            <p:cond delay="0"/>
-                                          </p:stCondLst>
-                                        </p:cTn>
-                                        <p:tgtEl>
-                                          <p:spTgt spid="32771">
-                                            <p:txEl>
-                                              <p:pRg st="4" end="4"/>
-                                            </p:txEl>
-                                          </p:spTgt>
-                                        </p:tgtEl>
-                                        <p:attrNameLst>
-                                          <p:attrName>style.visibility</p:attrName>
-                                        </p:attrNameLst>
-                                      </p:cBhvr>
-                                      <p:to>
-                                        <p:strVal val="visible"/>
-                                      </p:to>
-                                    </p:set>
-                                  </p:childTnLst>
-                                </p:cTn>
-                              </p:par>
-                            </p:childTnLst>
-                          </p:cTn>
-                        </p:par>
-                      </p:childTnLst>
-                    </p:cTn>
-                  </p:par>
-                </p:childTnLst>
-              </p:cTn>
-              <p:prevCondLst>
-                <p:cond evt="onPrev" delay="0">
-                  <p:tgtEl>
-                    <p:sldTgt/>
-                  </p:tgtEl>
-                </p:cond>
-              </p:prevCondLst>
-              <p:nextCondLst>
-                <p:cond evt="onNext" delay="0">
-                  <p:tgtEl>
-                    <p:sldTgt/>
-                  </p:tgtEl>
-                </p:cond>
-              </p:nextCondLst>
-            </p:seq>
-          </p:childTnLst>
-        </p:cTn>
-      </p:par>
-    </p:tnLst>
-  </p:timing>
 </p:sld>
 </file>
 
@@ -9000,51 +9144,130 @@
           <a:lstStyle/>
           <a:p>
             <a:pPr>
-              <a:buFont typeface="Arial" charset="0"/>
-              <a:buNone/>
+              <a:defRPr/>
             </a:pPr>
             <a:r>
-              <a:rPr lang="en-US" dirty="0">
-                <a:latin typeface="Arial" charset="0"/>
-                <a:cs typeface="Arial" charset="0"/>
-              </a:rPr>
-              <a:t>	</a:t>
-            </a:r>
-            <a:r>
-              <a:rPr lang="en-CA" dirty="0">
-                <a:latin typeface="Arial" charset="0"/>
-                <a:cs typeface="Arial" charset="0"/>
-              </a:rPr>
-              <a:t>We will now look at two examples:</a:t>
-            </a:r>
-          </a:p>
-          <a:p>
-            <a:pPr lvl="1"/>
-            <a:r>
-              <a:rPr lang="en-CA" dirty="0">
-                <a:latin typeface="Arial" charset="0"/>
-                <a:cs typeface="Arial" charset="0"/>
-              </a:rPr>
-              <a:t>A comparison of selection sort and bubble sort</a:t>
-            </a:r>
-          </a:p>
-          <a:p>
-            <a:pPr lvl="1"/>
-            <a:r>
-              <a:rPr lang="en-CA" dirty="0">
-                <a:latin typeface="Arial" charset="0"/>
-                <a:cs typeface="Arial" charset="0"/>
-              </a:rPr>
-              <a:t>A comparison of insertion sort and </a:t>
-            </a:r>
-            <a:r>
-              <a:rPr lang="en-CA" dirty="0" err="1">
-                <a:latin typeface="Arial" charset="0"/>
-                <a:cs typeface="Arial" charset="0"/>
-              </a:rPr>
-              <a:t>quicksort</a:t>
-            </a:r>
-            <a:endParaRPr lang="en-US" dirty="0"/>
+              <a:rPr lang="en-US" altLang="zh-TW" dirty="0"/>
+              <a:t>Find a power of a number</a:t>
+            </a:r>
+          </a:p>
+          <a:p>
+            <a:pPr lvl="1">
+              <a:defRPr/>
+            </a:pPr>
+            <a:r>
+              <a:rPr lang="en-US" altLang="zh-TW" dirty="0"/>
+              <a:t>Input: a, b (1 &lt; a, b &lt; 2147483647)</a:t>
+            </a:r>
+          </a:p>
+          <a:p>
+            <a:pPr lvl="1">
+              <a:defRPr/>
+            </a:pPr>
+            <a:r>
+              <a:rPr lang="en-US" altLang="zh-TW" dirty="0"/>
+              <a:t>Output:	x = a</a:t>
+            </a:r>
+            <a:r>
+              <a:rPr lang="en-US" altLang="zh-TW" baseline="30000" dirty="0"/>
+              <a:t>b</a:t>
+            </a:r>
+          </a:p>
+          <a:p>
+            <a:pPr lvl="2">
+              <a:defRPr/>
+            </a:pPr>
+            <a:r>
+              <a:rPr lang="en-US" altLang="zh-TW" dirty="0"/>
+              <a:t>a=3, b=4, x=3</a:t>
+            </a:r>
+            <a:r>
+              <a:rPr lang="en-US" altLang="zh-TW" baseline="30000" dirty="0"/>
+              <a:t>4</a:t>
+            </a:r>
+            <a:r>
+              <a:rPr lang="en-US" altLang="zh-TW" dirty="0"/>
+              <a:t>=81</a:t>
+            </a:r>
+          </a:p>
+          <a:p>
+            <a:pPr lvl="2">
+              <a:defRPr/>
+            </a:pPr>
+            <a:r>
+              <a:rPr lang="en-US" altLang="zh-TW" dirty="0"/>
+              <a:t>a=2, b=5, x=2</a:t>
+            </a:r>
+            <a:r>
+              <a:rPr lang="en-US" altLang="zh-TW" baseline="30000" dirty="0"/>
+              <a:t>5</a:t>
+            </a:r>
+            <a:r>
+              <a:rPr lang="en-US" altLang="zh-TW" dirty="0"/>
+              <a:t>=32</a:t>
+            </a:r>
+          </a:p>
+          <a:p>
+            <a:pPr lvl="1">
+              <a:defRPr/>
+            </a:pPr>
+            <a:r>
+              <a:rPr lang="en-US" altLang="zh-TW" dirty="0"/>
+              <a:t>Assume you can only do multiplication one at a time</a:t>
+            </a:r>
+          </a:p>
+          <a:p>
+            <a:pPr>
+              <a:defRPr/>
+            </a:pPr>
+            <a:r>
+              <a:rPr lang="en-US" altLang="zh-TW" dirty="0"/>
+              <a:t>Naïve method</a:t>
+            </a:r>
+          </a:p>
+          <a:p>
+            <a:pPr lvl="1">
+              <a:defRPr/>
+            </a:pPr>
+            <a:r>
+              <a:rPr lang="en-US" altLang="zh-TW" dirty="0">
+                <a:solidFill>
+                  <a:srgbClr val="FF0000"/>
+                </a:solidFill>
+              </a:rPr>
+              <a:t>2</a:t>
+            </a:r>
+            <a:r>
+              <a:rPr lang="en-US" altLang="zh-TW" baseline="30000" dirty="0">
+                <a:solidFill>
+                  <a:srgbClr val="FF0000"/>
+                </a:solidFill>
+              </a:rPr>
+              <a:t>16</a:t>
+            </a:r>
+            <a:r>
+              <a:rPr lang="en-US" altLang="zh-TW" dirty="0">
+                <a:solidFill>
+                  <a:srgbClr val="FF0000"/>
+                </a:solidFill>
+              </a:rPr>
+              <a:t> = 2*2*2*2*2*2*…*2	total 15 calculations</a:t>
+            </a:r>
+          </a:p>
+          <a:p>
+            <a:pPr>
+              <a:defRPr/>
+            </a:pPr>
+            <a:r>
+              <a:rPr lang="en-US" altLang="zh-TW" dirty="0"/>
+              <a:t>Can we do better? </a:t>
+            </a:r>
+          </a:p>
+          <a:p>
+            <a:pPr>
+              <a:defRPr/>
+            </a:pPr>
+            <a:endParaRPr lang="en-US" altLang="zh-TW" dirty="0"/>
           </a:p>
         </p:txBody>
       </p:sp>
@@ -9089,7 +9312,716 @@
           <a:lstStyle/>
           <a:p>
             <a:r>
-              <a:rPr lang="en-US">
+              <a:rPr lang="en-US" dirty="0">
+                <a:latin typeface="Arial" charset="0"/>
+                <a:cs typeface="Arial" charset="0"/>
+              </a:rPr>
+              <a:t>Examples</a:t>
+            </a:r>
+          </a:p>
+        </p:txBody>
+      </p:sp>
+      <p:sp>
+        <p:nvSpPr>
+          <p:cNvPr id="34819" name="Rectangle 3"/>
+          <p:cNvSpPr>
+            <a:spLocks noGrp="1" noChangeArrowheads="1"/>
+          </p:cNvSpPr>
+          <p:nvPr>
+            <p:ph type="body" idx="1"/>
+          </p:nvPr>
+        </p:nvSpPr>
+        <p:spPr/>
+        <p:txBody>
+          <a:bodyPr/>
+          <a:lstStyle/>
+          <a:p>
+            <a:pPr>
+              <a:defRPr/>
+            </a:pPr>
+            <a:r>
+              <a:rPr lang="en-US" altLang="zh-TW" dirty="0"/>
+              <a:t>Naïve method</a:t>
+            </a:r>
+          </a:p>
+          <a:p>
+            <a:pPr lvl="1">
+              <a:defRPr/>
+            </a:pPr>
+            <a:r>
+              <a:rPr lang="en-US" altLang="zh-TW" dirty="0">
+                <a:solidFill>
+                  <a:srgbClr val="FF0000"/>
+                </a:solidFill>
+              </a:rPr>
+              <a:t>2</a:t>
+            </a:r>
+            <a:r>
+              <a:rPr lang="en-US" altLang="zh-TW" baseline="30000" dirty="0">
+                <a:solidFill>
+                  <a:srgbClr val="FF0000"/>
+                </a:solidFill>
+              </a:rPr>
+              <a:t>16</a:t>
+            </a:r>
+            <a:r>
+              <a:rPr lang="en-US" altLang="zh-TW" dirty="0">
+                <a:solidFill>
+                  <a:srgbClr val="FF0000"/>
+                </a:solidFill>
+              </a:rPr>
+              <a:t> = 2*2*2*2*2*2*…*2	total 15 calculations</a:t>
+            </a:r>
+          </a:p>
+          <a:p>
+            <a:pPr>
+              <a:defRPr/>
+            </a:pPr>
+            <a:r>
+              <a:rPr lang="en-US" altLang="zh-TW" dirty="0"/>
+              <a:t>A better way as follows:</a:t>
+            </a:r>
+          </a:p>
+          <a:p>
+            <a:pPr marL="514350" lvl="1" indent="0">
+              <a:lnSpc>
+                <a:spcPct val="150000"/>
+              </a:lnSpc>
+              <a:buNone/>
+              <a:defRPr/>
+            </a:pPr>
+            <a:r>
+              <a:rPr lang="en-US" altLang="zh-TW" sz="2800" dirty="0"/>
+              <a:t>2</a:t>
+            </a:r>
+            <a:r>
+              <a:rPr lang="en-US" altLang="zh-TW" sz="2800" baseline="30000" dirty="0"/>
+              <a:t>16</a:t>
+            </a:r>
+            <a:r>
+              <a:rPr lang="en-US" altLang="zh-TW" sz="2800" dirty="0"/>
+              <a:t> 	= 2</a:t>
+            </a:r>
+            <a:r>
+              <a:rPr lang="en-US" altLang="zh-TW" sz="2800" baseline="30000" dirty="0"/>
+              <a:t>8</a:t>
+            </a:r>
+            <a:r>
+              <a:rPr lang="en-US" altLang="zh-TW" sz="2800" dirty="0"/>
+              <a:t> * 2</a:t>
+            </a:r>
+            <a:r>
+              <a:rPr lang="en-US" altLang="zh-TW" sz="2800" baseline="30000" dirty="0"/>
+              <a:t>8</a:t>
+            </a:r>
+          </a:p>
+          <a:p>
+            <a:pPr marL="514350" lvl="1" indent="0">
+              <a:buNone/>
+              <a:defRPr/>
+            </a:pPr>
+            <a:endParaRPr lang="en-US" altLang="zh-TW" sz="2800" baseline="30000" dirty="0"/>
+          </a:p>
+          <a:p>
+            <a:pPr marL="514350" lvl="1" indent="0">
+              <a:buNone/>
+              <a:defRPr/>
+            </a:pPr>
+            <a:r>
+              <a:rPr lang="en-US" altLang="zh-TW" sz="2800" dirty="0"/>
+              <a:t>2</a:t>
+            </a:r>
+            <a:r>
+              <a:rPr lang="en-US" altLang="zh-TW" sz="2800" baseline="30000" dirty="0"/>
+              <a:t>8</a:t>
+            </a:r>
+            <a:r>
+              <a:rPr lang="en-US" altLang="zh-TW" sz="2800" dirty="0"/>
+              <a:t>		= 2</a:t>
+            </a:r>
+            <a:r>
+              <a:rPr lang="en-US" altLang="zh-TW" sz="2800" baseline="30000" dirty="0"/>
+              <a:t>4</a:t>
+            </a:r>
+            <a:r>
+              <a:rPr lang="en-US" altLang="zh-TW" sz="2800" dirty="0"/>
+              <a:t> * 2</a:t>
+            </a:r>
+            <a:r>
+              <a:rPr lang="en-US" altLang="zh-TW" sz="2800" baseline="30000" dirty="0"/>
+              <a:t>4</a:t>
+            </a:r>
+          </a:p>
+          <a:p>
+            <a:pPr marL="514350" lvl="1" indent="0">
+              <a:buNone/>
+              <a:defRPr/>
+            </a:pPr>
+            <a:endParaRPr lang="en-US" altLang="zh-TW" sz="2800" baseline="30000" dirty="0"/>
+          </a:p>
+          <a:p>
+            <a:pPr marL="514350" lvl="1" indent="0">
+              <a:buNone/>
+              <a:defRPr/>
+            </a:pPr>
+            <a:r>
+              <a:rPr lang="en-US" altLang="zh-TW" sz="2800" dirty="0"/>
+              <a:t>2</a:t>
+            </a:r>
+            <a:r>
+              <a:rPr lang="en-US" altLang="zh-TW" sz="2800" baseline="30000" dirty="0"/>
+              <a:t>4</a:t>
+            </a:r>
+            <a:r>
+              <a:rPr lang="en-US" altLang="zh-TW" sz="2800" dirty="0"/>
+              <a:t>		= 2</a:t>
+            </a:r>
+            <a:r>
+              <a:rPr lang="en-US" altLang="zh-TW" sz="2800" baseline="30000" dirty="0"/>
+              <a:t>2</a:t>
+            </a:r>
+            <a:r>
+              <a:rPr lang="en-US" altLang="zh-TW" sz="2800" dirty="0"/>
+              <a:t> * 2</a:t>
+            </a:r>
+            <a:r>
+              <a:rPr lang="en-US" altLang="zh-TW" sz="2800" baseline="30000" dirty="0"/>
+              <a:t>2</a:t>
+            </a:r>
+          </a:p>
+          <a:p>
+            <a:pPr marL="514350" lvl="1" indent="0">
+              <a:buNone/>
+              <a:defRPr/>
+            </a:pPr>
+            <a:endParaRPr lang="en-US" altLang="zh-TW" sz="2800" baseline="30000" dirty="0"/>
+          </a:p>
+          <a:p>
+            <a:pPr marL="514350" lvl="1" indent="0">
+              <a:buNone/>
+              <a:defRPr/>
+            </a:pPr>
+            <a:r>
+              <a:rPr lang="en-US" altLang="zh-TW" sz="2800" dirty="0"/>
+              <a:t>2</a:t>
+            </a:r>
+            <a:r>
+              <a:rPr lang="en-US" altLang="zh-TW" sz="2800" baseline="30000" dirty="0"/>
+              <a:t>2</a:t>
+            </a:r>
+            <a:r>
+              <a:rPr lang="en-US" altLang="zh-TW" sz="2800" dirty="0"/>
+              <a:t>		= 2 * 2</a:t>
+            </a:r>
+            <a:endParaRPr lang="en-US" altLang="zh-TW" sz="2800" baseline="30000" dirty="0"/>
+          </a:p>
+          <a:p>
+            <a:pPr marL="0" indent="0">
+              <a:buNone/>
+              <a:defRPr/>
+            </a:pPr>
+            <a:endParaRPr lang="en-US" altLang="zh-TW" baseline="30000" dirty="0"/>
+          </a:p>
+        </p:txBody>
+      </p:sp>
+    </p:spTree>
+    <p:extLst>
+      <p:ext uri="{BB962C8B-B14F-4D97-AF65-F5344CB8AC3E}">
+        <p14:creationId xmlns:p14="http://schemas.microsoft.com/office/powerpoint/2010/main" val="2480263444"/>
+      </p:ext>
+    </p:extLst>
+  </p:cSld>
+  <p:clrMapOvr>
+    <a:masterClrMapping/>
+  </p:clrMapOvr>
+</p:sld>
+</file>
+
+<file path=ppt/slides/slide18.xml><?xml version="1.0" encoding="utf-8"?>
+<p:sld xmlns:a="http://schemas.openxmlformats.org/drawingml/2006/main" xmlns:r="http://schemas.openxmlformats.org/officeDocument/2006/relationships" xmlns:p="http://schemas.openxmlformats.org/presentationml/2006/main">
+  <p:cSld>
+    <p:spTree>
+      <p:nvGrpSpPr>
+        <p:cNvPr id="1" name=""/>
+        <p:cNvGrpSpPr/>
+        <p:nvPr/>
+      </p:nvGrpSpPr>
+      <p:grpSpPr>
+        <a:xfrm>
+          <a:off x="0" y="0"/>
+          <a:ext cx="0" cy="0"/>
+          <a:chOff x="0" y="0"/>
+          <a:chExt cx="0" cy="0"/>
+        </a:xfrm>
+      </p:grpSpPr>
+      <p:sp>
+        <p:nvSpPr>
+          <p:cNvPr id="34818" name="Rectangle 2"/>
+          <p:cNvSpPr>
+            <a:spLocks noGrp="1" noChangeArrowheads="1"/>
+          </p:cNvSpPr>
+          <p:nvPr>
+            <p:ph type="title"/>
+          </p:nvPr>
+        </p:nvSpPr>
+        <p:spPr/>
+        <p:txBody>
+          <a:bodyPr/>
+          <a:lstStyle/>
+          <a:p>
+            <a:r>
+              <a:rPr lang="en-US" dirty="0">
+                <a:latin typeface="Arial" charset="0"/>
+                <a:cs typeface="Arial" charset="0"/>
+              </a:rPr>
+              <a:t>Examples</a:t>
+            </a:r>
+          </a:p>
+        </p:txBody>
+      </p:sp>
+      <p:sp>
+        <p:nvSpPr>
+          <p:cNvPr id="34819" name="Rectangle 3"/>
+          <p:cNvSpPr>
+            <a:spLocks noGrp="1" noChangeArrowheads="1"/>
+          </p:cNvSpPr>
+          <p:nvPr>
+            <p:ph type="body" idx="1"/>
+          </p:nvPr>
+        </p:nvSpPr>
+        <p:spPr/>
+        <p:txBody>
+          <a:bodyPr/>
+          <a:lstStyle/>
+          <a:p>
+            <a:r>
+              <a:rPr lang="en-US" dirty="0"/>
+              <a:t>Naïve method</a:t>
+            </a:r>
+          </a:p>
+          <a:p>
+            <a:pPr lvl="1"/>
+            <a:r>
+              <a:rPr lang="en-US" dirty="0"/>
+              <a:t># calculations: linear to b</a:t>
+            </a:r>
+          </a:p>
+          <a:p>
+            <a:endParaRPr lang="en-US" dirty="0"/>
+          </a:p>
+          <a:p>
+            <a:r>
+              <a:rPr lang="en-US" dirty="0"/>
+              <a:t>Divide and Conquer</a:t>
+            </a:r>
+          </a:p>
+          <a:p>
+            <a:pPr lvl="1"/>
+            <a:r>
+              <a:rPr lang="en-US" dirty="0"/>
+              <a:t># calculations: log</a:t>
+            </a:r>
+            <a:r>
+              <a:rPr lang="en-US" baseline="-25000" dirty="0"/>
+              <a:t>2</a:t>
+            </a:r>
+            <a:r>
+              <a:rPr lang="en-US" dirty="0"/>
+              <a:t>(b)</a:t>
+            </a:r>
+          </a:p>
+          <a:p>
+            <a:pPr lvl="1"/>
+            <a:endParaRPr lang="en-US" dirty="0"/>
+          </a:p>
+          <a:p>
+            <a:r>
+              <a:rPr lang="en-US" dirty="0"/>
+              <a:t>Let’s say n = 2147483648</a:t>
+            </a:r>
+          </a:p>
+          <a:p>
+            <a:pPr lvl="1"/>
+            <a:r>
+              <a:rPr lang="en-US" dirty="0"/>
+              <a:t>Naïve method takes </a:t>
+            </a:r>
+            <a:r>
+              <a:rPr lang="en-US" b="1" dirty="0">
+                <a:solidFill>
+                  <a:srgbClr val="FF0000"/>
+                </a:solidFill>
+              </a:rPr>
+              <a:t>2147483647</a:t>
+            </a:r>
+            <a:r>
+              <a:rPr lang="en-US" dirty="0"/>
+              <a:t> calculations (~10-30s)</a:t>
+            </a:r>
+          </a:p>
+          <a:p>
+            <a:pPr lvl="1"/>
+            <a:r>
+              <a:rPr lang="en-US" dirty="0"/>
+              <a:t>Divide and Conquer takes only </a:t>
+            </a:r>
+            <a:r>
+              <a:rPr lang="en-US" b="1" dirty="0">
+                <a:solidFill>
+                  <a:srgbClr val="FF0000"/>
+                </a:solidFill>
+              </a:rPr>
+              <a:t>31</a:t>
+            </a:r>
+            <a:r>
+              <a:rPr lang="en-US" dirty="0"/>
+              <a:t> calculations (~1us)</a:t>
+            </a:r>
+          </a:p>
+          <a:p>
+            <a:pPr lvl="2"/>
+            <a:r>
+              <a:rPr lang="en-US" dirty="0"/>
+              <a:t>10000000x faster!</a:t>
+            </a:r>
+          </a:p>
+          <a:p>
+            <a:pPr lvl="1"/>
+            <a:r>
+              <a:rPr lang="en-US" dirty="0"/>
+              <a:t>Indeed, this is a Goo___ interview question</a:t>
+            </a:r>
+          </a:p>
+        </p:txBody>
+      </p:sp>
+    </p:spTree>
+    <p:extLst>
+      <p:ext uri="{BB962C8B-B14F-4D97-AF65-F5344CB8AC3E}">
+        <p14:creationId xmlns:p14="http://schemas.microsoft.com/office/powerpoint/2010/main" val="60093069"/>
+      </p:ext>
+    </p:extLst>
+  </p:cSld>
+  <p:clrMapOvr>
+    <a:masterClrMapping/>
+  </p:clrMapOvr>
+</p:sld>
+</file>
+
+<file path=ppt/slides/slide19.xml><?xml version="1.0" encoding="utf-8"?>
+<p:sld xmlns:a="http://schemas.openxmlformats.org/drawingml/2006/main" xmlns:r="http://schemas.openxmlformats.org/officeDocument/2006/relationships" xmlns:p="http://schemas.openxmlformats.org/presentationml/2006/main">
+  <p:cSld>
+    <p:spTree>
+      <p:nvGrpSpPr>
+        <p:cNvPr id="1" name=""/>
+        <p:cNvGrpSpPr/>
+        <p:nvPr/>
+      </p:nvGrpSpPr>
+      <p:grpSpPr>
+        <a:xfrm>
+          <a:off x="0" y="0"/>
+          <a:ext cx="0" cy="0"/>
+          <a:chOff x="0" y="0"/>
+          <a:chExt cx="0" cy="0"/>
+        </a:xfrm>
+      </p:grpSpPr>
+      <p:sp>
+        <p:nvSpPr>
+          <p:cNvPr id="34818" name="Rectangle 2"/>
+          <p:cNvSpPr>
+            <a:spLocks noGrp="1" noChangeArrowheads="1"/>
+          </p:cNvSpPr>
+          <p:nvPr>
+            <p:ph type="title"/>
+          </p:nvPr>
+        </p:nvSpPr>
+        <p:spPr/>
+        <p:txBody>
+          <a:bodyPr/>
+          <a:lstStyle/>
+          <a:p>
+            <a:r>
+              <a:rPr lang="en-US" dirty="0">
+                <a:latin typeface="Arial" charset="0"/>
+                <a:cs typeface="Arial" charset="0"/>
+              </a:rPr>
+              <a:t>Sorting Example</a:t>
+            </a:r>
+          </a:p>
+        </p:txBody>
+      </p:sp>
+      <p:sp>
+        <p:nvSpPr>
+          <p:cNvPr id="34819" name="Rectangle 3"/>
+          <p:cNvSpPr>
+            <a:spLocks noGrp="1" noChangeArrowheads="1"/>
+          </p:cNvSpPr>
+          <p:nvPr>
+            <p:ph type="body" idx="1"/>
+          </p:nvPr>
+        </p:nvSpPr>
+        <p:spPr/>
+        <p:txBody>
+          <a:bodyPr/>
+          <a:lstStyle/>
+          <a:p>
+            <a:pPr>
+              <a:defRPr/>
+            </a:pPr>
+            <a:r>
+              <a:rPr lang="en-US" altLang="zh-TW" dirty="0"/>
+              <a:t>Let’s look at two famous sorting algorithms</a:t>
+            </a:r>
+          </a:p>
+          <a:p>
+            <a:pPr lvl="1">
+              <a:defRPr/>
+            </a:pPr>
+            <a:r>
+              <a:rPr lang="en-US" altLang="zh-TW" dirty="0"/>
+              <a:t>Bubble sort</a:t>
+            </a:r>
+          </a:p>
+          <a:p>
+            <a:pPr lvl="1">
+              <a:defRPr/>
+            </a:pPr>
+            <a:r>
+              <a:rPr lang="en-US" altLang="zh-TW" dirty="0"/>
+              <a:t>Selection sort</a:t>
+            </a:r>
+          </a:p>
+          <a:p>
+            <a:pPr>
+              <a:defRPr/>
+            </a:pPr>
+            <a:endParaRPr lang="en-US" altLang="zh-TW" dirty="0"/>
+          </a:p>
+        </p:txBody>
+      </p:sp>
+    </p:spTree>
+    <p:extLst>
+      <p:ext uri="{BB962C8B-B14F-4D97-AF65-F5344CB8AC3E}">
+        <p14:creationId xmlns:p14="http://schemas.microsoft.com/office/powerpoint/2010/main" val="593728996"/>
+      </p:ext>
+    </p:extLst>
+  </p:cSld>
+  <p:clrMapOvr>
+    <a:masterClrMapping/>
+  </p:clrMapOvr>
+</p:sld>
+</file>
+
+<file path=ppt/slides/slide2.xml><?xml version="1.0" encoding="utf-8"?>
+<p:sld xmlns:a="http://schemas.openxmlformats.org/drawingml/2006/main" xmlns:r="http://schemas.openxmlformats.org/officeDocument/2006/relationships" xmlns:p="http://schemas.openxmlformats.org/presentationml/2006/main">
+  <p:cSld>
+    <p:spTree>
+      <p:nvGrpSpPr>
+        <p:cNvPr id="1" name=""/>
+        <p:cNvGrpSpPr/>
+        <p:nvPr/>
+      </p:nvGrpSpPr>
+      <p:grpSpPr>
+        <a:xfrm>
+          <a:off x="0" y="0"/>
+          <a:ext cx="0" cy="0"/>
+          <a:chOff x="0" y="0"/>
+          <a:chExt cx="0" cy="0"/>
+        </a:xfrm>
+      </p:grpSpPr>
+      <p:sp>
+        <p:nvSpPr>
+          <p:cNvPr id="2" name="Title 1">
+            <a:extLst>
+              <a:ext uri="{FF2B5EF4-FFF2-40B4-BE49-F238E27FC236}">
+                <a16:creationId xmlns:a16="http://schemas.microsoft.com/office/drawing/2014/main" id="{046760C6-2D4E-5E4F-BD18-62D440BBCCC1}"/>
+              </a:ext>
+            </a:extLst>
+          </p:cNvPr>
+          <p:cNvSpPr>
+            <a:spLocks noGrp="1"/>
+          </p:cNvSpPr>
+          <p:nvPr>
+            <p:ph type="title"/>
+          </p:nvPr>
+        </p:nvSpPr>
+        <p:spPr/>
+        <p:txBody>
+          <a:bodyPr/>
+          <a:lstStyle/>
+          <a:p>
+            <a:r>
+              <a:rPr lang="en-US" dirty="0"/>
+              <a:t>Outline</a:t>
+            </a:r>
+          </a:p>
+        </p:txBody>
+      </p:sp>
+      <p:sp>
+        <p:nvSpPr>
+          <p:cNvPr id="3" name="Content Placeholder 2">
+            <a:extLst>
+              <a:ext uri="{FF2B5EF4-FFF2-40B4-BE49-F238E27FC236}">
+                <a16:creationId xmlns:a16="http://schemas.microsoft.com/office/drawing/2014/main" id="{6A30E5D5-C282-7344-A62F-8F129A0537F6}"/>
+              </a:ext>
+            </a:extLst>
+          </p:cNvPr>
+          <p:cNvSpPr>
+            <a:spLocks noGrp="1"/>
+          </p:cNvSpPr>
+          <p:nvPr>
+            <p:ph idx="1"/>
+          </p:nvPr>
+        </p:nvSpPr>
+        <p:spPr/>
+        <p:txBody>
+          <a:bodyPr/>
+          <a:lstStyle/>
+          <a:p>
+            <a:r>
+              <a:rPr lang="en-US" dirty="0">
+                <a:latin typeface="Arial" charset="0"/>
+                <a:cs typeface="Arial" charset="0"/>
+              </a:rPr>
+              <a:t>In this topic, we will look at:</a:t>
+            </a:r>
+          </a:p>
+          <a:p>
+            <a:pPr lvl="1"/>
+            <a:r>
+              <a:rPr lang="en-US" dirty="0">
+                <a:latin typeface="Arial" charset="0"/>
+                <a:cs typeface="Arial" charset="0"/>
+              </a:rPr>
+              <a:t>Justification for analysis</a:t>
+            </a:r>
+          </a:p>
+          <a:p>
+            <a:pPr lvl="1"/>
+            <a:r>
+              <a:rPr lang="en-US" dirty="0">
+                <a:latin typeface="Arial" charset="0"/>
+                <a:cs typeface="Arial" charset="0"/>
+              </a:rPr>
+              <a:t>Quadratic and polynomial growth</a:t>
+            </a:r>
+          </a:p>
+          <a:p>
+            <a:pPr lvl="1"/>
+            <a:r>
+              <a:rPr lang="en-US" dirty="0">
+                <a:latin typeface="Arial" charset="0"/>
+                <a:cs typeface="Arial" charset="0"/>
+              </a:rPr>
+              <a:t>Counting machine instructions</a:t>
+            </a:r>
+          </a:p>
+          <a:p>
+            <a:pPr lvl="1"/>
+            <a:r>
+              <a:rPr lang="en-US" dirty="0">
+                <a:latin typeface="Arial" charset="0"/>
+                <a:cs typeface="Arial" charset="0"/>
+              </a:rPr>
+              <a:t>Big-</a:t>
+            </a:r>
+            <a:r>
+              <a:rPr lang="en-CA" dirty="0">
+                <a:latin typeface="Symbol" pitchFamily="18" charset="2"/>
+                <a:cs typeface="Times New Roman" pitchFamily="18" charset="0"/>
+              </a:rPr>
+              <a:t>Q</a:t>
+            </a:r>
+            <a:r>
+              <a:rPr lang="en-US" dirty="0">
+                <a:latin typeface="Arial" charset="0"/>
+                <a:cs typeface="Arial" charset="0"/>
+              </a:rPr>
+              <a:t> as the equivalent relation</a:t>
+            </a:r>
+          </a:p>
+        </p:txBody>
+      </p:sp>
+      <p:sp>
+        <p:nvSpPr>
+          <p:cNvPr id="4" name="Slide Number Placeholder 1">
+            <a:extLst>
+              <a:ext uri="{FF2B5EF4-FFF2-40B4-BE49-F238E27FC236}">
+                <a16:creationId xmlns:a16="http://schemas.microsoft.com/office/drawing/2014/main" id="{F4B13E40-FA7D-DF47-A4A3-F62980584A9B}"/>
+              </a:ext>
+            </a:extLst>
+          </p:cNvPr>
+          <p:cNvSpPr>
+            <a:spLocks noGrp="1"/>
+          </p:cNvSpPr>
+          <p:nvPr>
+            <p:ph type="sldNum" sz="quarter" idx="12"/>
+          </p:nvPr>
+        </p:nvSpPr>
+        <p:spPr>
+          <a:xfrm>
+            <a:off x="8610600" y="6356350"/>
+            <a:ext cx="2743200" cy="365125"/>
+          </a:xfrm>
+        </p:spPr>
+        <p:txBody>
+          <a:bodyPr/>
+          <a:lstStyle/>
+          <a:p>
+            <a:fld id="{4E77BC79-9480-1042-96E1-82B94DA0811E}" type="slidenum">
+              <a:rPr lang="en-US" smtClean="0"/>
+              <a:t>2</a:t>
+            </a:fld>
+            <a:endParaRPr lang="en-US"/>
+          </a:p>
+        </p:txBody>
+      </p:sp>
+    </p:spTree>
+    <p:extLst>
+      <p:ext uri="{BB962C8B-B14F-4D97-AF65-F5344CB8AC3E}">
+        <p14:creationId xmlns:p14="http://schemas.microsoft.com/office/powerpoint/2010/main" val="1521401568"/>
+      </p:ext>
+    </p:extLst>
+  </p:cSld>
+  <p:clrMapOvr>
+    <a:masterClrMapping/>
+  </p:clrMapOvr>
+</p:sld>
+</file>
+
+<file path=ppt/slides/slide20.xml><?xml version="1.0" encoding="utf-8"?>
+<p:sld xmlns:a="http://schemas.openxmlformats.org/drawingml/2006/main" xmlns:r="http://schemas.openxmlformats.org/officeDocument/2006/relationships" xmlns:p="http://schemas.openxmlformats.org/presentationml/2006/main">
+  <p:cSld>
+    <p:spTree>
+      <p:nvGrpSpPr>
+        <p:cNvPr id="1" name=""/>
+        <p:cNvGrpSpPr/>
+        <p:nvPr/>
+      </p:nvGrpSpPr>
+      <p:grpSpPr>
+        <a:xfrm>
+          <a:off x="0" y="0"/>
+          <a:ext cx="0" cy="0"/>
+          <a:chOff x="0" y="0"/>
+          <a:chExt cx="0" cy="0"/>
+        </a:xfrm>
+      </p:grpSpPr>
+      <p:sp>
+        <p:nvSpPr>
+          <p:cNvPr id="34818" name="Rectangle 2"/>
+          <p:cNvSpPr>
+            <a:spLocks noGrp="1" noChangeArrowheads="1"/>
+          </p:cNvSpPr>
+          <p:nvPr>
+            <p:ph type="title"/>
+          </p:nvPr>
+        </p:nvSpPr>
+        <p:spPr/>
+        <p:txBody>
+          <a:bodyPr/>
+          <a:lstStyle/>
+          <a:p>
+            <a:r>
+              <a:rPr lang="en-US" dirty="0">
                 <a:latin typeface="Arial" charset="0"/>
                 <a:cs typeface="Arial" charset="0"/>
               </a:rPr>
@@ -9279,7 +10211,7 @@
                 <a:latin typeface="Times New Roman" pitchFamily="18" charset="0"/>
                 <a:cs typeface="Arial" charset="0"/>
               </a:rPr>
-              <a:t> + 5	</a:t>
+              <a:t> + 5		</a:t>
             </a:r>
             <a:r>
               <a:rPr lang="en-US" dirty="0">
@@ -9853,7 +10785,7 @@
 </p:sld>
 </file>
 
-<file path=ppt/slides/slide18.xml><?xml version="1.0" encoding="utf-8"?>
+<file path=ppt/slides/slide21.xml><?xml version="1.0" encoding="utf-8"?>
 <p:sld xmlns:a="http://schemas.openxmlformats.org/drawingml/2006/main" xmlns:r="http://schemas.openxmlformats.org/officeDocument/2006/relationships" xmlns:p="http://schemas.openxmlformats.org/presentationml/2006/main">
   <p:cSld>
     <p:spTree>
@@ -10058,7 +10990,7 @@
 </p:sld>
 </file>
 
-<file path=ppt/slides/slide19.xml><?xml version="1.0" encoding="utf-8"?>
+<file path=ppt/slides/slide22.xml><?xml version="1.0" encoding="utf-8"?>
 <p:sld xmlns:a="http://schemas.openxmlformats.org/drawingml/2006/main" xmlns:r="http://schemas.openxmlformats.org/officeDocument/2006/relationships" xmlns:p="http://schemas.openxmlformats.org/presentationml/2006/main">
   <p:cSld>
     <p:spTree>
@@ -10425,7 +11357,7 @@
 </p:sld>
 </file>
 
-<file path=ppt/slides/slide2.xml><?xml version="1.0" encoding="utf-8"?>
+<file path=ppt/slides/slide23.xml><?xml version="1.0" encoding="utf-8"?>
 <p:sld xmlns:a="http://schemas.openxmlformats.org/drawingml/2006/main" xmlns:r="http://schemas.openxmlformats.org/officeDocument/2006/relationships" xmlns:p="http://schemas.openxmlformats.org/presentationml/2006/main">
   <p:cSld>
     <p:spTree>
@@ -10444,183 +11376,6 @@
       </p:grpSpPr>
       <p:sp>
         <p:nvSpPr>
-          <p:cNvPr id="2" name="Title 1">
-            <a:extLst>
-              <a:ext uri="{FF2B5EF4-FFF2-40B4-BE49-F238E27FC236}">
-                <a16:creationId xmlns:a16="http://schemas.microsoft.com/office/drawing/2014/main" id="{046760C6-2D4E-5E4F-BD18-62D440BBCCC1}"/>
-              </a:ext>
-            </a:extLst>
-          </p:cNvPr>
-          <p:cNvSpPr>
-            <a:spLocks noGrp="1"/>
-          </p:cNvSpPr>
-          <p:nvPr>
-            <p:ph type="title"/>
-          </p:nvPr>
-        </p:nvSpPr>
-        <p:spPr/>
-        <p:txBody>
-          <a:bodyPr/>
-          <a:lstStyle/>
-          <a:p>
-            <a:r>
-              <a:rPr lang="en-US" dirty="0"/>
-              <a:t>Outline</a:t>
-            </a:r>
-          </a:p>
-        </p:txBody>
-      </p:sp>
-      <p:sp>
-        <p:nvSpPr>
-          <p:cNvPr id="3" name="Content Placeholder 2">
-            <a:extLst>
-              <a:ext uri="{FF2B5EF4-FFF2-40B4-BE49-F238E27FC236}">
-                <a16:creationId xmlns:a16="http://schemas.microsoft.com/office/drawing/2014/main" id="{6A30E5D5-C282-7344-A62F-8F129A0537F6}"/>
-              </a:ext>
-            </a:extLst>
-          </p:cNvPr>
-          <p:cNvSpPr>
-            <a:spLocks noGrp="1"/>
-          </p:cNvSpPr>
-          <p:nvPr>
-            <p:ph idx="1"/>
-          </p:nvPr>
-        </p:nvSpPr>
-        <p:spPr/>
-        <p:txBody>
-          <a:bodyPr/>
-          <a:lstStyle/>
-          <a:p>
-            <a:r>
-              <a:rPr lang="en-US" dirty="0">
-                <a:latin typeface="Arial" charset="0"/>
-                <a:cs typeface="Arial" charset="0"/>
-              </a:rPr>
-              <a:t>In this topic, we will look at:</a:t>
-            </a:r>
-          </a:p>
-          <a:p>
-            <a:pPr lvl="1"/>
-            <a:r>
-              <a:rPr lang="en-US" dirty="0">
-                <a:latin typeface="Arial" charset="0"/>
-                <a:cs typeface="Arial" charset="0"/>
-              </a:rPr>
-              <a:t>Justification for analysis</a:t>
-            </a:r>
-          </a:p>
-          <a:p>
-            <a:pPr lvl="1"/>
-            <a:r>
-              <a:rPr lang="en-US" dirty="0">
-                <a:latin typeface="Arial" charset="0"/>
-                <a:cs typeface="Arial" charset="0"/>
-              </a:rPr>
-              <a:t>Quadratic and polynomial growth</a:t>
-            </a:r>
-          </a:p>
-          <a:p>
-            <a:pPr lvl="1"/>
-            <a:r>
-              <a:rPr lang="en-US" dirty="0">
-                <a:latin typeface="Arial" charset="0"/>
-                <a:cs typeface="Arial" charset="0"/>
-              </a:rPr>
-              <a:t>Counting machine instructions</a:t>
-            </a:r>
-          </a:p>
-          <a:p>
-            <a:pPr lvl="1"/>
-            <a:r>
-              <a:rPr lang="en-US" dirty="0">
-                <a:latin typeface="Arial" charset="0"/>
-                <a:cs typeface="Arial" charset="0"/>
-              </a:rPr>
-              <a:t>Big-</a:t>
-            </a:r>
-            <a:r>
-              <a:rPr lang="en-US" b="1" dirty="0">
-                <a:latin typeface="Symbol" pitchFamily="18" charset="2"/>
-                <a:cs typeface="Arial" charset="0"/>
-              </a:rPr>
-              <a:t>Q</a:t>
-            </a:r>
-            <a:r>
-              <a:rPr lang="en-US" dirty="0">
-                <a:latin typeface="Arial" charset="0"/>
-                <a:cs typeface="Arial" charset="0"/>
-              </a:rPr>
-              <a:t> as an equivalence relation</a:t>
-            </a:r>
-          </a:p>
-        </p:txBody>
-      </p:sp>
-      <p:sp>
-        <p:nvSpPr>
-          <p:cNvPr id="4" name="Slide Number Placeholder 1">
-            <a:extLst>
-              <a:ext uri="{FF2B5EF4-FFF2-40B4-BE49-F238E27FC236}">
-                <a16:creationId xmlns:a16="http://schemas.microsoft.com/office/drawing/2014/main" id="{F4B13E40-FA7D-DF47-A4A3-F62980584A9B}"/>
-              </a:ext>
-            </a:extLst>
-          </p:cNvPr>
-          <p:cNvSpPr>
-            <a:spLocks noGrp="1"/>
-          </p:cNvSpPr>
-          <p:nvPr>
-            <p:ph type="sldNum" sz="quarter" idx="12"/>
-          </p:nvPr>
-        </p:nvSpPr>
-        <p:spPr>
-          <a:xfrm>
-            <a:off x="8610600" y="6356350"/>
-            <a:ext cx="2743200" cy="365125"/>
-          </a:xfrm>
-        </p:spPr>
-        <p:txBody>
-          <a:bodyPr/>
-          <a:lstStyle/>
-          <a:p>
-            <a:fld id="{4E77BC79-9480-1042-96E1-82B94DA0811E}" type="slidenum">
-              <a:rPr lang="en-US" smtClean="0"/>
-              <a:t>2</a:t>
-            </a:fld>
-            <a:endParaRPr lang="en-US"/>
-          </a:p>
-        </p:txBody>
-      </p:sp>
-    </p:spTree>
-    <p:extLst>
-      <p:ext uri="{BB962C8B-B14F-4D97-AF65-F5344CB8AC3E}">
-        <p14:creationId xmlns:p14="http://schemas.microsoft.com/office/powerpoint/2010/main" val="1521401568"/>
-      </p:ext>
-    </p:extLst>
-  </p:cSld>
-  <p:clrMapOvr>
-    <a:masterClrMapping/>
-  </p:clrMapOvr>
-</p:sld>
-</file>
-
-<file path=ppt/slides/slide20.xml><?xml version="1.0" encoding="utf-8"?>
-<p:sld xmlns:a="http://schemas.openxmlformats.org/drawingml/2006/main" xmlns:r="http://schemas.openxmlformats.org/officeDocument/2006/relationships" xmlns:p="http://schemas.openxmlformats.org/presentationml/2006/main">
-  <p:cSld>
-    <p:spTree>
-      <p:nvGrpSpPr>
-        <p:cNvPr id="1" name=""/>
-        <p:cNvGrpSpPr/>
-        <p:nvPr/>
-      </p:nvGrpSpPr>
-      <p:grpSpPr>
-        <a:xfrm>
-          <a:off x="0" y="0"/>
-          <a:ext cx="0" cy="0"/>
-          <a:chOff x="0" y="0"/>
-          <a:chExt cx="0" cy="0"/>
-        </a:xfrm>
-      </p:grpSpPr>
-      <p:sp>
-        <p:nvSpPr>
           <p:cNvPr id="38914" name="Rectangle 2"/>
           <p:cNvSpPr>
             <a:spLocks noGrp="1" noChangeArrowheads="1"/>
@@ -10704,7 +11459,7 @@
 </p:sld>
 </file>
 
-<file path=ppt/slides/slide21.xml><?xml version="1.0" encoding="utf-8"?>
+<file path=ppt/slides/slide24.xml><?xml version="1.0" encoding="utf-8"?>
 <p:sld xmlns:a="http://schemas.openxmlformats.org/drawingml/2006/main" xmlns:r="http://schemas.openxmlformats.org/officeDocument/2006/relationships" xmlns:p="http://schemas.openxmlformats.org/presentationml/2006/main">
   <p:cSld>
     <p:spTree>
@@ -10880,7 +11635,7 @@
 </p:sld>
 </file>
 
-<file path=ppt/slides/slide22.xml><?xml version="1.0" encoding="utf-8"?>
+<file path=ppt/slides/slide25.xml><?xml version="1.0" encoding="utf-8"?>
 <p:sld xmlns:a="http://schemas.openxmlformats.org/drawingml/2006/main" xmlns:r="http://schemas.openxmlformats.org/officeDocument/2006/relationships" xmlns:p="http://schemas.openxmlformats.org/presentationml/2006/main">
   <p:cSld>
     <p:spTree>
@@ -11044,7 +11799,7 @@
 </p:sld>
 </file>
 
-<file path=ppt/slides/slide23.xml><?xml version="1.0" encoding="utf-8"?>
+<file path=ppt/slides/slide26.xml><?xml version="1.0" encoding="utf-8"?>
 <p:sld xmlns:a="http://schemas.openxmlformats.org/drawingml/2006/main" xmlns:r="http://schemas.openxmlformats.org/officeDocument/2006/relationships" xmlns:p="http://schemas.openxmlformats.org/presentationml/2006/main">
   <p:cSld>
     <p:spTree>
@@ -11179,7 +11934,7 @@
 </p:sld>
 </file>
 
-<file path=ppt/slides/slide24.xml><?xml version="1.0" encoding="utf-8"?>
+<file path=ppt/slides/slide27.xml><?xml version="1.0" encoding="utf-8"?>
 <p:sld xmlns:a="http://schemas.openxmlformats.org/drawingml/2006/main" xmlns:r="http://schemas.openxmlformats.org/officeDocument/2006/relationships" xmlns:p="http://schemas.openxmlformats.org/presentationml/2006/main">
   <p:cSld>
     <p:spTree>
@@ -11243,7 +11998,7 @@
               <a:buNone/>
             </a:pPr>
             <a:r>
-              <a:rPr lang="en-US">
+              <a:rPr lang="en-US" dirty="0">
                 <a:latin typeface="Arial" charset="0"/>
                 <a:cs typeface="Arial" charset="0"/>
               </a:rPr>
@@ -11253,14 +12008,14 @@
           <a:p>
             <a:pPr lvl="1"/>
             <a:r>
-              <a:rPr lang="en-US">
+              <a:rPr lang="en-US" dirty="0">
                 <a:latin typeface="Arial" charset="0"/>
                 <a:cs typeface="Arial" charset="0"/>
               </a:rPr>
               <a:t>If </a:t>
             </a:r>
             <a:r>
-              <a:rPr lang="en-US" i="1">
+              <a:rPr lang="en-US" i="1" dirty="0">
                 <a:solidFill>
                   <a:srgbClr val="FF0000"/>
                 </a:solidFill>
@@ -11270,7 +12025,7 @@
               <a:t>f</a:t>
             </a:r>
             <a:r>
-              <a:rPr lang="en-US">
+              <a:rPr lang="en-US" dirty="0">
                 <a:solidFill>
                   <a:srgbClr val="FF0000"/>
                 </a:solidFill>
@@ -11280,7 +12035,7 @@
               <a:t>(</a:t>
             </a:r>
             <a:r>
-              <a:rPr lang="en-US" i="1">
+              <a:rPr lang="en-US" i="1" dirty="0">
                 <a:solidFill>
                   <a:srgbClr val="FF0000"/>
                 </a:solidFill>
@@ -11290,7 +12045,7 @@
               <a:t>n</a:t>
             </a:r>
             <a:r>
-              <a:rPr lang="en-US">
+              <a:rPr lang="en-US" dirty="0">
                 <a:solidFill>
                   <a:srgbClr val="FF0000"/>
                 </a:solidFill>
@@ -11300,56 +12055,56 @@
               <a:t>)</a:t>
             </a:r>
             <a:r>
-              <a:rPr lang="en-US">
+              <a:rPr lang="en-US" dirty="0">
                 <a:latin typeface="Times New Roman" pitchFamily="18" charset="0"/>
                 <a:cs typeface="Arial" charset="0"/>
               </a:rPr>
               <a:t> = </a:t>
             </a:r>
             <a:r>
-              <a:rPr lang="en-US" i="1">
+              <a:rPr lang="en-US" i="1" dirty="0" err="1">
                 <a:latin typeface="Times New Roman" pitchFamily="18" charset="0"/>
                 <a:cs typeface="Arial" charset="0"/>
               </a:rPr>
               <a:t>a</a:t>
             </a:r>
             <a:r>
-              <a:rPr lang="en-US" i="1" baseline="-25000">
+              <a:rPr lang="en-US" i="1" baseline="-25000" dirty="0" err="1">
                 <a:latin typeface="Times New Roman" pitchFamily="18" charset="0"/>
                 <a:cs typeface="Arial" charset="0"/>
               </a:rPr>
               <a:t>k</a:t>
             </a:r>
             <a:r>
-              <a:rPr lang="en-US" i="1">
+              <a:rPr lang="en-US" i="1" dirty="0" err="1">
                 <a:latin typeface="Times New Roman" pitchFamily="18" charset="0"/>
                 <a:cs typeface="Arial" charset="0"/>
               </a:rPr>
               <a:t>n</a:t>
             </a:r>
             <a:r>
-              <a:rPr lang="en-US" i="1" baseline="30000">
+              <a:rPr lang="en-US" i="1" baseline="30000" dirty="0" err="1">
                 <a:latin typeface="Times New Roman" pitchFamily="18" charset="0"/>
                 <a:cs typeface="Arial" charset="0"/>
               </a:rPr>
               <a:t>k</a:t>
             </a:r>
             <a:r>
-              <a:rPr lang="en-US">
+              <a:rPr lang="en-US" dirty="0">
                 <a:latin typeface="Times New Roman" pitchFamily="18" charset="0"/>
                 <a:cs typeface="Arial" charset="0"/>
               </a:rPr>
               <a:t> + </a:t>
             </a:r>
             <a:r>
-              <a:rPr lang="en-US">
+              <a:rPr lang="en-US" dirty="0">
                 <a:latin typeface="Arial" charset="0"/>
                 <a:cs typeface="Arial" charset="0"/>
               </a:rPr>
               <a:t>··· and </a:t>
             </a:r>
             <a:r>
-              <a:rPr lang="en-US" i="1">
+              <a:rPr lang="en-US" i="1" dirty="0">
                 <a:solidFill>
                   <a:srgbClr val="0070C0"/>
                 </a:solidFill>
@@ -11359,7 +12114,7 @@
               <a:t>g</a:t>
             </a:r>
             <a:r>
-              <a:rPr lang="en-US">
+              <a:rPr lang="en-US" dirty="0">
                 <a:solidFill>
                   <a:srgbClr val="0070C0"/>
                 </a:solidFill>
@@ -11369,7 +12124,7 @@
               <a:t>(</a:t>
             </a:r>
             <a:r>
-              <a:rPr lang="en-US" i="1">
+              <a:rPr lang="en-US" i="1" dirty="0">
                 <a:solidFill>
                   <a:srgbClr val="0070C0"/>
                 </a:solidFill>
@@ -11379,7 +12134,7 @@
               <a:t>n</a:t>
             </a:r>
             <a:r>
-              <a:rPr lang="en-US">
+              <a:rPr lang="en-US" dirty="0">
                 <a:solidFill>
                   <a:srgbClr val="0070C0"/>
                 </a:solidFill>
@@ -11389,76 +12144,63 @@
               <a:t>)</a:t>
             </a:r>
             <a:r>
-              <a:rPr lang="en-US">
+              <a:rPr lang="en-US" dirty="0">
                 <a:latin typeface="Times New Roman" pitchFamily="18" charset="0"/>
                 <a:cs typeface="Arial" charset="0"/>
               </a:rPr>
               <a:t> = </a:t>
             </a:r>
             <a:r>
-              <a:rPr lang="en-US" i="1">
+              <a:rPr lang="en-US" i="1" dirty="0" err="1">
                 <a:latin typeface="Times New Roman" pitchFamily="18" charset="0"/>
                 <a:cs typeface="Arial" charset="0"/>
               </a:rPr>
               <a:t>b</a:t>
             </a:r>
             <a:r>
-              <a:rPr lang="en-US" i="1" baseline="-25000">
+              <a:rPr lang="en-US" i="1" baseline="-25000" dirty="0" err="1">
                 <a:latin typeface="Times New Roman" pitchFamily="18" charset="0"/>
                 <a:cs typeface="Arial" charset="0"/>
               </a:rPr>
               <a:t>k</a:t>
             </a:r>
             <a:r>
-              <a:rPr lang="en-US" i="1">
+              <a:rPr lang="en-US" i="1" dirty="0" err="1">
                 <a:latin typeface="Times New Roman" pitchFamily="18" charset="0"/>
                 <a:cs typeface="Arial" charset="0"/>
               </a:rPr>
               <a:t>n</a:t>
             </a:r>
             <a:r>
-              <a:rPr lang="en-US" i="1" baseline="30000">
+              <a:rPr lang="en-US" i="1" baseline="30000" dirty="0" err="1">
                 <a:latin typeface="Times New Roman" pitchFamily="18" charset="0"/>
                 <a:cs typeface="Arial" charset="0"/>
               </a:rPr>
               <a:t>k</a:t>
             </a:r>
             <a:r>
-              <a:rPr lang="en-US">
+              <a:rPr lang="en-US" dirty="0">
                 <a:latin typeface="Times New Roman" pitchFamily="18" charset="0"/>
                 <a:cs typeface="Arial" charset="0"/>
               </a:rPr>
               <a:t> + </a:t>
             </a:r>
             <a:r>
-              <a:rPr lang="en-US">
-                <a:latin typeface="Arial" charset="0"/>
-                <a:cs typeface="Arial" charset="0"/>
-              </a:rPr>
-              <a:t>···, </a:t>
-            </a:r>
-            <a:br>
-              <a:rPr lang="en-US">
-                <a:latin typeface="Arial" charset="0"/>
-                <a:cs typeface="Arial" charset="0"/>
-              </a:rPr>
-            </a:br>
-            <a:r>
-              <a:rPr lang="en-US">
-                <a:latin typeface="Arial" charset="0"/>
-                <a:cs typeface="Arial" charset="0"/>
-              </a:rPr>
-              <a:t>for large enough </a:t>
-            </a:r>
-            <a:r>
-              <a:rPr lang="en-US" i="1">
+              <a:rPr lang="en-US" dirty="0">
+                <a:latin typeface="Arial" charset="0"/>
+                <a:cs typeface="Arial" charset="0"/>
+              </a:rPr>
+              <a:t>···, for large enough </a:t>
+            </a:r>
+            <a:r>
+              <a:rPr lang="en-US" i="1" dirty="0">
                 <a:latin typeface="Times New Roman" pitchFamily="18" charset="0"/>
                 <a:cs typeface="Arial" charset="0"/>
               </a:rPr>
               <a:t>n</a:t>
             </a:r>
             <a:r>
-              <a:rPr lang="en-US">
+              <a:rPr lang="en-US" dirty="0">
                 <a:latin typeface="Arial" charset="0"/>
                 <a:cs typeface="Arial" charset="0"/>
               </a:rPr>
@@ -11471,56 +12213,56 @@
               <a:buNone/>
             </a:pPr>
             <a:r>
-              <a:rPr lang="en-US">
+              <a:rPr lang="en-US" dirty="0">
                 <a:latin typeface="Arial" charset="0"/>
                 <a:cs typeface="Arial" charset="0"/>
               </a:rPr>
               <a:t>		</a:t>
             </a:r>
             <a:r>
-              <a:rPr lang="en-US">
+              <a:rPr lang="en-US" dirty="0">
                 <a:latin typeface="Times New Roman" pitchFamily="18" charset="0"/>
                 <a:cs typeface="Arial" charset="0"/>
               </a:rPr>
               <a:t>f(</a:t>
             </a:r>
             <a:r>
-              <a:rPr lang="en-US" i="1">
+              <a:rPr lang="en-US" i="1" dirty="0">
                 <a:latin typeface="Times New Roman" pitchFamily="18" charset="0"/>
                 <a:cs typeface="Arial" charset="0"/>
               </a:rPr>
               <a:t>n</a:t>
             </a:r>
             <a:r>
-              <a:rPr lang="en-US">
+              <a:rPr lang="en-US" dirty="0">
                 <a:latin typeface="Times New Roman" pitchFamily="18" charset="0"/>
                 <a:cs typeface="Arial" charset="0"/>
               </a:rPr>
               <a:t>) &lt; </a:t>
             </a:r>
             <a:r>
-              <a:rPr lang="en-US" i="1">
+              <a:rPr lang="en-US" i="1" dirty="0">
                 <a:latin typeface="Times New Roman" pitchFamily="18" charset="0"/>
                 <a:cs typeface="Arial" charset="0"/>
               </a:rPr>
               <a:t>M</a:t>
             </a:r>
             <a:r>
-              <a:rPr lang="en-US">
+              <a:rPr lang="en-US" dirty="0">
                 <a:latin typeface="Times New Roman" pitchFamily="18" charset="0"/>
                 <a:cs typeface="Arial" charset="0"/>
               </a:rPr>
               <a:t>g(</a:t>
             </a:r>
             <a:r>
-              <a:rPr lang="en-US" i="1">
+              <a:rPr lang="en-US" i="1" dirty="0">
                 <a:latin typeface="Times New Roman" pitchFamily="18" charset="0"/>
                 <a:cs typeface="Arial" charset="0"/>
               </a:rPr>
               <a:t>n</a:t>
             </a:r>
             <a:r>
-              <a:rPr lang="en-US">
+              <a:rPr lang="en-US" dirty="0">
                 <a:latin typeface="Times New Roman" pitchFamily="18" charset="0"/>
                 <a:cs typeface="Arial" charset="0"/>
               </a:rPr>
@@ -11533,7 +12275,7 @@
               <a:buNone/>
             </a:pPr>
             <a:r>
-              <a:rPr lang="en-US">
+              <a:rPr lang="en-US" dirty="0">
                 <a:latin typeface="Arial" charset="0"/>
                 <a:cs typeface="Arial" charset="0"/>
               </a:rPr>
@@ -11546,56 +12288,56 @@
               <a:buNone/>
             </a:pPr>
             <a:r>
-              <a:rPr lang="en-US">
+              <a:rPr lang="en-US" dirty="0">
                 <a:latin typeface="Arial" charset="0"/>
                 <a:cs typeface="Arial" charset="0"/>
               </a:rPr>
               <a:t>	</a:t>
             </a:r>
             <a:r>
-              <a:rPr lang="en-US" i="1">
+              <a:rPr lang="en-US" i="1" dirty="0">
                 <a:latin typeface="Times New Roman" pitchFamily="18" charset="0"/>
                 <a:cs typeface="Arial" charset="0"/>
               </a:rPr>
               <a:t>M</a:t>
             </a:r>
             <a:r>
-              <a:rPr lang="en-US">
+              <a:rPr lang="en-US" dirty="0">
                 <a:latin typeface="Times New Roman" pitchFamily="18" charset="0"/>
                 <a:cs typeface="Arial" charset="0"/>
               </a:rPr>
               <a:t> = </a:t>
             </a:r>
             <a:r>
-              <a:rPr lang="en-US" i="1">
+              <a:rPr lang="en-US" i="1" dirty="0" err="1">
                 <a:latin typeface="Times New Roman" pitchFamily="18" charset="0"/>
                 <a:cs typeface="Arial" charset="0"/>
               </a:rPr>
               <a:t>a</a:t>
             </a:r>
             <a:r>
-              <a:rPr lang="en-US" i="1" baseline="-25000">
+              <a:rPr lang="en-US" i="1" baseline="-25000" dirty="0" err="1">
                 <a:latin typeface="Times New Roman" pitchFamily="18" charset="0"/>
                 <a:cs typeface="Arial" charset="0"/>
               </a:rPr>
               <a:t>k</a:t>
             </a:r>
             <a:r>
-              <a:rPr lang="en-US" i="1">
+              <a:rPr lang="en-US" i="1" dirty="0">
                 <a:latin typeface="Times New Roman" pitchFamily="18" charset="0"/>
                 <a:cs typeface="Arial" charset="0"/>
               </a:rPr>
               <a:t>/b</a:t>
             </a:r>
             <a:r>
-              <a:rPr lang="en-US" i="1" baseline="-25000">
+              <a:rPr lang="en-US" i="1" baseline="-25000" dirty="0">
                 <a:latin typeface="Times New Roman" pitchFamily="18" charset="0"/>
                 <a:cs typeface="Arial" charset="0"/>
               </a:rPr>
               <a:t>k</a:t>
             </a:r>
             <a:r>
-              <a:rPr lang="en-US">
+              <a:rPr lang="en-US" dirty="0">
                 <a:latin typeface="Times New Roman" pitchFamily="18" charset="0"/>
                 <a:cs typeface="Arial" charset="0"/>
               </a:rPr>
@@ -11608,21 +12350,21 @@
               <a:buNone/>
             </a:pPr>
             <a:r>
-              <a:rPr lang="en-US">
+              <a:rPr lang="en-US" dirty="0">
                 <a:latin typeface="Arial" charset="0"/>
                 <a:cs typeface="Arial" charset="0"/>
               </a:rPr>
               <a:t>	In this case, we only need a computer which is </a:t>
             </a:r>
             <a:r>
-              <a:rPr lang="en-US" i="1">
+              <a:rPr lang="en-US" i="1" dirty="0">
                 <a:latin typeface="Times New Roman" pitchFamily="18" charset="0"/>
                 <a:cs typeface="Arial" charset="0"/>
               </a:rPr>
               <a:t>M</a:t>
             </a:r>
             <a:r>
-              <a:rPr lang="en-US">
+              <a:rPr lang="en-US" dirty="0">
                 <a:latin typeface="Arial" charset="0"/>
                 <a:cs typeface="Arial" charset="0"/>
               </a:rPr>
@@ -11634,7 +12376,7 @@
               <a:buFont typeface="Arial" charset="0"/>
               <a:buNone/>
             </a:pPr>
-            <a:endParaRPr lang="en-US">
+            <a:endParaRPr lang="en-US" dirty="0">
               <a:latin typeface="Arial" charset="0"/>
               <a:cs typeface="Arial" charset="0"/>
             </a:endParaRPr>
@@ -11645,7 +12387,7 @@
               <a:buNone/>
             </a:pPr>
             <a:r>
-              <a:rPr lang="en-US">
+              <a:rPr lang="en-US" dirty="0">
                 <a:latin typeface="Arial" charset="0"/>
                 <a:cs typeface="Arial" charset="0"/>
               </a:rPr>
@@ -11655,7 +12397,7 @@
           <a:p>
             <a:pPr lvl="1"/>
             <a:r>
-              <a:rPr lang="en-US">
+              <a:rPr lang="en-US" dirty="0">
                 <a:latin typeface="Arial" charset="0"/>
                 <a:cs typeface="Arial" charset="0"/>
               </a:rPr>
@@ -11665,13 +12407,13 @@
           <a:p>
             <a:pPr lvl="1"/>
             <a:r>
-              <a:rPr lang="en-US">
+              <a:rPr lang="en-US" dirty="0">
                 <a:latin typeface="Arial" charset="0"/>
                 <a:cs typeface="Arial" charset="0"/>
               </a:rPr>
               <a:t>Can we just run a linear search on a slower computer?</a:t>
             </a:r>
-            <a:endParaRPr lang="en-US">
+            <a:endParaRPr lang="en-US" dirty="0">
               <a:latin typeface="Times New Roman" pitchFamily="18" charset="0"/>
               <a:cs typeface="Arial" charset="0"/>
             </a:endParaRPr>
@@ -11686,7 +12428,7 @@
 </p:sld>
 </file>
 
-<file path=ppt/slides/slide25.xml><?xml version="1.0" encoding="utf-8"?>
+<file path=ppt/slides/slide28.xml><?xml version="1.0" encoding="utf-8"?>
 <p:sld xmlns:a="http://schemas.openxmlformats.org/drawingml/2006/main" xmlns:r="http://schemas.openxmlformats.org/officeDocument/2006/relationships" xmlns:p="http://schemas.openxmlformats.org/presentationml/2006/main">
   <p:cSld>
     <p:spTree>
@@ -11828,7 +12570,7 @@
 </p:sld>
 </file>
 
-<file path=ppt/slides/slide26.xml><?xml version="1.0" encoding="utf-8"?>
+<file path=ppt/slides/slide29.xml><?xml version="1.0" encoding="utf-8"?>
 <p:sld xmlns:a="http://schemas.openxmlformats.org/drawingml/2006/main" xmlns:r="http://schemas.openxmlformats.org/officeDocument/2006/relationships" xmlns:p="http://schemas.openxmlformats.org/presentationml/2006/main">
   <p:cSld>
     <p:spTree>
@@ -12039,7 +12781,166 @@
 </p:sld>
 </file>
 
-<file path=ppt/slides/slide27.xml><?xml version="1.0" encoding="utf-8"?>
+<file path=ppt/slides/slide3.xml><?xml version="1.0" encoding="utf-8"?>
+<p:sld xmlns:a="http://schemas.openxmlformats.org/drawingml/2006/main" xmlns:r="http://schemas.openxmlformats.org/officeDocument/2006/relationships" xmlns:p="http://schemas.openxmlformats.org/presentationml/2006/main">
+  <p:cSld>
+    <p:spTree>
+      <p:nvGrpSpPr>
+        <p:cNvPr id="1" name=""/>
+        <p:cNvGrpSpPr/>
+        <p:nvPr/>
+      </p:nvGrpSpPr>
+      <p:grpSpPr>
+        <a:xfrm>
+          <a:off x="0" y="0"/>
+          <a:ext cx="0" cy="0"/>
+          <a:chOff x="0" y="0"/>
+          <a:chExt cx="0" cy="0"/>
+        </a:xfrm>
+      </p:grpSpPr>
+      <p:sp>
+        <p:nvSpPr>
+          <p:cNvPr id="2" name="Title 1">
+            <a:extLst>
+              <a:ext uri="{FF2B5EF4-FFF2-40B4-BE49-F238E27FC236}">
+                <a16:creationId xmlns:a16="http://schemas.microsoft.com/office/drawing/2014/main" id="{7C3A121E-ECA1-344F-9B03-727EF6375F9F}"/>
+              </a:ext>
+            </a:extLst>
+          </p:cNvPr>
+          <p:cNvSpPr>
+            <a:spLocks noGrp="1"/>
+          </p:cNvSpPr>
+          <p:nvPr>
+            <p:ph type="title"/>
+          </p:nvPr>
+        </p:nvSpPr>
+        <p:spPr/>
+        <p:txBody>
+          <a:bodyPr/>
+          <a:lstStyle/>
+          <a:p>
+            <a:r>
+              <a:rPr lang="en-US" dirty="0"/>
+              <a:t>Motivation</a:t>
+            </a:r>
+          </a:p>
+        </p:txBody>
+      </p:sp>
+      <p:sp>
+        <p:nvSpPr>
+          <p:cNvPr id="3" name="Content Placeholder 2">
+            <a:extLst>
+              <a:ext uri="{FF2B5EF4-FFF2-40B4-BE49-F238E27FC236}">
+                <a16:creationId xmlns:a16="http://schemas.microsoft.com/office/drawing/2014/main" id="{ED29A729-6FB4-9A40-87A0-69FE72F405A0}"/>
+              </a:ext>
+            </a:extLst>
+          </p:cNvPr>
+          <p:cNvSpPr>
+            <a:spLocks noGrp="1"/>
+          </p:cNvSpPr>
+          <p:nvPr>
+            <p:ph idx="1"/>
+          </p:nvPr>
+        </p:nvSpPr>
+        <p:spPr/>
+        <p:txBody>
+          <a:bodyPr/>
+          <a:lstStyle/>
+          <a:p>
+            <a:r>
+              <a:rPr lang="en-US" dirty="0">
+                <a:latin typeface="Arial" charset="0"/>
+                <a:cs typeface="Arial" charset="0"/>
+              </a:rPr>
+              <a:t>Suppose we have two algorithms, how can we tell which is better?</a:t>
+            </a:r>
+          </a:p>
+          <a:p>
+            <a:endParaRPr lang="en-US" dirty="0">
+              <a:latin typeface="Arial" charset="0"/>
+              <a:cs typeface="Arial" charset="0"/>
+            </a:endParaRPr>
+          </a:p>
+          <a:p>
+            <a:r>
+              <a:rPr lang="en-US" dirty="0">
+                <a:latin typeface="Arial" charset="0"/>
+                <a:cs typeface="Arial" charset="0"/>
+              </a:rPr>
+              <a:t>We could implement both algorithms, run them both</a:t>
+            </a:r>
+          </a:p>
+          <a:p>
+            <a:pPr lvl="1"/>
+            <a:r>
+              <a:rPr lang="en-US" dirty="0">
+                <a:latin typeface="Arial" charset="0"/>
+                <a:cs typeface="Arial" charset="0"/>
+              </a:rPr>
+              <a:t>Expensive and error prone</a:t>
+            </a:r>
+          </a:p>
+          <a:p>
+            <a:endParaRPr lang="en-US" dirty="0">
+              <a:latin typeface="Arial" charset="0"/>
+              <a:cs typeface="Arial" charset="0"/>
+            </a:endParaRPr>
+          </a:p>
+          <a:p>
+            <a:r>
+              <a:rPr lang="en-US" dirty="0">
+                <a:latin typeface="Arial" charset="0"/>
+                <a:cs typeface="Arial" charset="0"/>
+              </a:rPr>
+              <a:t>Preferably, we should analyze them mathematically</a:t>
+            </a:r>
+          </a:p>
+          <a:p>
+            <a:pPr lvl="1"/>
+            <a:r>
+              <a:rPr lang="en-US" i="1" dirty="0">
+                <a:latin typeface="Arial" charset="0"/>
+                <a:cs typeface="Arial" charset="0"/>
+              </a:rPr>
+              <a:t>Asymptotic analysis</a:t>
+            </a:r>
+          </a:p>
+          <a:p>
+            <a:pPr lvl="1"/>
+            <a:r>
+              <a:rPr lang="en-US" i="1" dirty="0">
+                <a:latin typeface="Arial" charset="0"/>
+                <a:cs typeface="Arial" charset="0"/>
+              </a:rPr>
+              <a:t>Algorithm analysis</a:t>
+            </a:r>
+            <a:endParaRPr lang="en-US" dirty="0">
+              <a:latin typeface="Arial" charset="0"/>
+              <a:cs typeface="Arial" charset="0"/>
+            </a:endParaRPr>
+          </a:p>
+          <a:p>
+            <a:endParaRPr lang="en-US" dirty="0">
+              <a:latin typeface="Arial" charset="0"/>
+              <a:cs typeface="Arial" charset="0"/>
+            </a:endParaRPr>
+          </a:p>
+        </p:txBody>
+      </p:sp>
+    </p:spTree>
+    <p:extLst>
+      <p:ext uri="{BB962C8B-B14F-4D97-AF65-F5344CB8AC3E}">
+        <p14:creationId xmlns:p14="http://schemas.microsoft.com/office/powerpoint/2010/main" val="2639865231"/>
+      </p:ext>
+    </p:extLst>
+  </p:cSld>
+  <p:clrMapOvr>
+    <a:masterClrMapping/>
+  </p:clrMapOvr>
+</p:sld>
+</file>
+
+<file path=ppt/slides/slide30.xml><?xml version="1.0" encoding="utf-8"?>
 <p:sld xmlns:a="http://schemas.openxmlformats.org/drawingml/2006/main" xmlns:r="http://schemas.openxmlformats.org/officeDocument/2006/relationships" xmlns:p="http://schemas.openxmlformats.org/presentationml/2006/main">
   <p:cSld>
     <p:spTree>
@@ -12204,1373 +13105,6 @@
 </p:sld>
 </file>
 
-<file path=ppt/slides/slide28.xml><?xml version="1.0" encoding="utf-8"?>
-<p:sld xmlns:a="http://schemas.openxmlformats.org/drawingml/2006/main" xmlns:r="http://schemas.openxmlformats.org/officeDocument/2006/relationships" xmlns:p="http://schemas.openxmlformats.org/presentationml/2006/main">
-  <p:cSld>
-    <p:spTree>
-      <p:nvGrpSpPr>
-        <p:cNvPr id="1" name=""/>
-        <p:cNvGrpSpPr/>
-        <p:nvPr/>
-      </p:nvGrpSpPr>
-      <p:grpSpPr>
-        <a:xfrm>
-          <a:off x="0" y="0"/>
-          <a:ext cx="0" cy="0"/>
-          <a:chOff x="0" y="0"/>
-          <a:chExt cx="0" cy="0"/>
-        </a:xfrm>
-      </p:grpSpPr>
-      <p:sp>
-        <p:nvSpPr>
-          <p:cNvPr id="53250" name="Rectangle 2"/>
-          <p:cNvSpPr>
-            <a:spLocks noGrp="1" noChangeArrowheads="1"/>
-          </p:cNvSpPr>
-          <p:nvPr>
-            <p:ph type="title"/>
-          </p:nvPr>
-        </p:nvSpPr>
-        <p:spPr/>
-        <p:txBody>
-          <a:bodyPr/>
-          <a:lstStyle/>
-          <a:p>
-            <a:r>
-              <a:rPr lang="en-US">
-                <a:latin typeface="Arial" charset="0"/>
-                <a:cs typeface="Arial" charset="0"/>
-              </a:rPr>
-              <a:t>Big-</a:t>
-            </a:r>
-            <a:r>
-              <a:rPr lang="en-US" b="1">
-                <a:latin typeface="Symbol" pitchFamily="18" charset="2"/>
-                <a:cs typeface="Arial" charset="0"/>
-              </a:rPr>
-              <a:t>Q</a:t>
-            </a:r>
-            <a:r>
-              <a:rPr lang="en-US">
-                <a:latin typeface="Arial" charset="0"/>
-                <a:cs typeface="Arial" charset="0"/>
-              </a:rPr>
-              <a:t> as an Equivalence Relation</a:t>
-            </a:r>
-          </a:p>
-        </p:txBody>
-      </p:sp>
-      <p:sp>
-        <p:nvSpPr>
-          <p:cNvPr id="53251" name="Rectangle 3"/>
-          <p:cNvSpPr>
-            <a:spLocks noGrp="1" noChangeArrowheads="1"/>
-          </p:cNvSpPr>
-          <p:nvPr>
-            <p:ph type="body" idx="1"/>
-          </p:nvPr>
-        </p:nvSpPr>
-        <p:spPr/>
-        <p:txBody>
-          <a:bodyPr/>
-          <a:lstStyle/>
-          <a:p>
-            <a:pPr>
-              <a:buFont typeface="Arial" charset="0"/>
-              <a:buNone/>
-            </a:pPr>
-            <a:r>
-              <a:rPr lang="en-US">
-                <a:latin typeface="Arial" charset="0"/>
-                <a:cs typeface="Arial" charset="0"/>
-              </a:rPr>
-              <a:t>	For example, all of</a:t>
-            </a:r>
-          </a:p>
-          <a:p>
-            <a:pPr algn="ctr">
-              <a:buFontTx/>
-              <a:buNone/>
-            </a:pPr>
-            <a:r>
-              <a:rPr lang="en-US" i="1">
-                <a:latin typeface="Times New Roman" pitchFamily="18" charset="0"/>
-                <a:cs typeface="Arial" charset="0"/>
-              </a:rPr>
-              <a:t>n</a:t>
-            </a:r>
-            <a:r>
-              <a:rPr lang="en-US" baseline="30000">
-                <a:latin typeface="Times New Roman" pitchFamily="18" charset="0"/>
-                <a:cs typeface="Arial" charset="0"/>
-              </a:rPr>
-              <a:t>2</a:t>
-            </a:r>
-            <a:r>
-              <a:rPr lang="en-US">
-                <a:latin typeface="Times New Roman" pitchFamily="18" charset="0"/>
-                <a:cs typeface="Arial" charset="0"/>
-              </a:rPr>
-              <a:t>            100000 </a:t>
-            </a:r>
-            <a:r>
-              <a:rPr lang="en-US" i="1">
-                <a:latin typeface="Times New Roman" pitchFamily="18" charset="0"/>
-                <a:cs typeface="Arial" charset="0"/>
-              </a:rPr>
-              <a:t>n</a:t>
-            </a:r>
-            <a:r>
-              <a:rPr lang="en-US" baseline="30000">
-                <a:latin typeface="Times New Roman" pitchFamily="18" charset="0"/>
-                <a:cs typeface="Arial" charset="0"/>
-              </a:rPr>
-              <a:t>2</a:t>
-            </a:r>
-            <a:r>
-              <a:rPr lang="en-US">
-                <a:latin typeface="Times New Roman" pitchFamily="18" charset="0"/>
-                <a:cs typeface="Arial" charset="0"/>
-              </a:rPr>
-              <a:t> – 4 </a:t>
-            </a:r>
-            <a:r>
-              <a:rPr lang="en-US" i="1">
-                <a:latin typeface="Times New Roman" pitchFamily="18" charset="0"/>
-                <a:cs typeface="Arial" charset="0"/>
-              </a:rPr>
-              <a:t>n</a:t>
-            </a:r>
-            <a:r>
-              <a:rPr lang="en-US">
-                <a:latin typeface="Times New Roman" pitchFamily="18" charset="0"/>
-                <a:cs typeface="Arial" charset="0"/>
-              </a:rPr>
-              <a:t> + 19             </a:t>
-            </a:r>
-            <a:r>
-              <a:rPr lang="en-US" i="1">
-                <a:latin typeface="Times New Roman" pitchFamily="18" charset="0"/>
-                <a:cs typeface="Arial" charset="0"/>
-              </a:rPr>
-              <a:t>n</a:t>
-            </a:r>
-            <a:r>
-              <a:rPr lang="en-US" baseline="30000">
-                <a:latin typeface="Times New Roman" pitchFamily="18" charset="0"/>
-                <a:cs typeface="Arial" charset="0"/>
-              </a:rPr>
-              <a:t>2</a:t>
-            </a:r>
-            <a:r>
-              <a:rPr lang="en-US">
-                <a:latin typeface="Times New Roman" pitchFamily="18" charset="0"/>
-                <a:cs typeface="Arial" charset="0"/>
-              </a:rPr>
-              <a:t> + 1000000</a:t>
-            </a:r>
-          </a:p>
-          <a:p>
-            <a:pPr algn="ctr">
-              <a:buFontTx/>
-              <a:buNone/>
-            </a:pPr>
-            <a:r>
-              <a:rPr lang="en-US">
-                <a:latin typeface="Times New Roman" pitchFamily="18" charset="0"/>
-                <a:cs typeface="Arial" charset="0"/>
-              </a:rPr>
-              <a:t> 323 </a:t>
-            </a:r>
-            <a:r>
-              <a:rPr lang="en-US" i="1">
-                <a:latin typeface="Times New Roman" pitchFamily="18" charset="0"/>
-                <a:cs typeface="Arial" charset="0"/>
-              </a:rPr>
-              <a:t>n</a:t>
-            </a:r>
-            <a:r>
-              <a:rPr lang="en-US" baseline="30000">
-                <a:latin typeface="Times New Roman" pitchFamily="18" charset="0"/>
-                <a:cs typeface="Arial" charset="0"/>
-              </a:rPr>
-              <a:t>2</a:t>
-            </a:r>
-            <a:r>
-              <a:rPr lang="en-US">
-                <a:latin typeface="Times New Roman" pitchFamily="18" charset="0"/>
-                <a:cs typeface="Arial" charset="0"/>
-              </a:rPr>
-              <a:t> – 4 </a:t>
-            </a:r>
-            <a:r>
-              <a:rPr lang="en-US" i="1">
-                <a:latin typeface="Times New Roman" pitchFamily="18" charset="0"/>
-                <a:cs typeface="Arial" charset="0"/>
-              </a:rPr>
-              <a:t>n </a:t>
-            </a:r>
-            <a:r>
-              <a:rPr lang="en-US">
-                <a:latin typeface="Times New Roman" pitchFamily="18" charset="0"/>
-                <a:cs typeface="Arial" charset="0"/>
-              </a:rPr>
-              <a:t>ln(</a:t>
-            </a:r>
-            <a:r>
-              <a:rPr lang="en-US" i="1">
-                <a:latin typeface="Times New Roman" pitchFamily="18" charset="0"/>
-                <a:cs typeface="Arial" charset="0"/>
-              </a:rPr>
-              <a:t>n</a:t>
-            </a:r>
-            <a:r>
-              <a:rPr lang="en-US">
-                <a:latin typeface="Times New Roman" pitchFamily="18" charset="0"/>
-                <a:cs typeface="Arial" charset="0"/>
-              </a:rPr>
-              <a:t>) + 43 </a:t>
-            </a:r>
-            <a:r>
-              <a:rPr lang="en-US" i="1">
-                <a:latin typeface="Times New Roman" pitchFamily="18" charset="0"/>
-                <a:cs typeface="Arial" charset="0"/>
-              </a:rPr>
-              <a:t>n</a:t>
-            </a:r>
-            <a:r>
-              <a:rPr lang="en-US">
-                <a:latin typeface="Times New Roman" pitchFamily="18" charset="0"/>
-                <a:cs typeface="Arial" charset="0"/>
-              </a:rPr>
-              <a:t> + 10                     42</a:t>
-            </a:r>
-            <a:r>
-              <a:rPr lang="en-US" i="1">
-                <a:latin typeface="Times New Roman" pitchFamily="18" charset="0"/>
-                <a:cs typeface="Arial" charset="0"/>
-              </a:rPr>
-              <a:t>n</a:t>
-            </a:r>
-            <a:r>
-              <a:rPr lang="en-US" baseline="30000">
-                <a:latin typeface="Times New Roman" pitchFamily="18" charset="0"/>
-                <a:cs typeface="Arial" charset="0"/>
-              </a:rPr>
-              <a:t>2</a:t>
-            </a:r>
-            <a:r>
-              <a:rPr lang="en-US">
-                <a:latin typeface="Times New Roman" pitchFamily="18" charset="0"/>
-                <a:cs typeface="Arial" charset="0"/>
-              </a:rPr>
-              <a:t> + 32</a:t>
-            </a:r>
-          </a:p>
-          <a:p>
-            <a:pPr algn="ctr">
-              <a:buFontTx/>
-              <a:buNone/>
-            </a:pPr>
-            <a:r>
-              <a:rPr lang="en-US" i="1">
-                <a:latin typeface="Times New Roman" pitchFamily="18" charset="0"/>
-                <a:cs typeface="Arial" charset="0"/>
-              </a:rPr>
-              <a:t>n</a:t>
-            </a:r>
-            <a:r>
-              <a:rPr lang="en-US" baseline="30000">
-                <a:latin typeface="Times New Roman" pitchFamily="18" charset="0"/>
-                <a:cs typeface="Arial" charset="0"/>
-              </a:rPr>
-              <a:t>2</a:t>
-            </a:r>
-            <a:r>
-              <a:rPr lang="en-US">
-                <a:latin typeface="Times New Roman" pitchFamily="18" charset="0"/>
-                <a:cs typeface="Arial" charset="0"/>
-              </a:rPr>
-              <a:t> + 61 </a:t>
-            </a:r>
-            <a:r>
-              <a:rPr lang="en-US" i="1">
-                <a:latin typeface="Times New Roman" pitchFamily="18" charset="0"/>
-                <a:cs typeface="Arial" charset="0"/>
-              </a:rPr>
-              <a:t>n </a:t>
-            </a:r>
-            <a:r>
-              <a:rPr lang="en-US">
-                <a:latin typeface="Times New Roman" pitchFamily="18" charset="0"/>
-                <a:cs typeface="Arial" charset="0"/>
-              </a:rPr>
-              <a:t>ln</a:t>
-            </a:r>
-            <a:r>
-              <a:rPr lang="en-US" baseline="30000">
-                <a:latin typeface="Times New Roman" pitchFamily="18" charset="0"/>
-                <a:cs typeface="Arial" charset="0"/>
-              </a:rPr>
-              <a:t>2</a:t>
-            </a:r>
-            <a:r>
-              <a:rPr lang="en-US">
-                <a:latin typeface="Times New Roman" pitchFamily="18" charset="0"/>
-                <a:cs typeface="Arial" charset="0"/>
-              </a:rPr>
-              <a:t>(</a:t>
-            </a:r>
-            <a:r>
-              <a:rPr lang="en-US" i="1">
-                <a:latin typeface="Times New Roman" pitchFamily="18" charset="0"/>
-                <a:cs typeface="Arial" charset="0"/>
-              </a:rPr>
-              <a:t>n</a:t>
-            </a:r>
-            <a:r>
-              <a:rPr lang="en-US">
-                <a:latin typeface="Times New Roman" pitchFamily="18" charset="0"/>
-                <a:cs typeface="Arial" charset="0"/>
-              </a:rPr>
-              <a:t>) + 7</a:t>
-            </a:r>
-            <a:r>
-              <a:rPr lang="en-US" i="1">
-                <a:latin typeface="Times New Roman" pitchFamily="18" charset="0"/>
-                <a:cs typeface="Arial" charset="0"/>
-              </a:rPr>
-              <a:t>n</a:t>
-            </a:r>
-            <a:r>
-              <a:rPr lang="en-US">
-                <a:latin typeface="Times New Roman" pitchFamily="18" charset="0"/>
-                <a:cs typeface="Arial" charset="0"/>
-              </a:rPr>
-              <a:t> + 14 ln</a:t>
-            </a:r>
-            <a:r>
-              <a:rPr lang="en-US" baseline="30000">
-                <a:latin typeface="Times New Roman" pitchFamily="18" charset="0"/>
-                <a:cs typeface="Arial" charset="0"/>
-              </a:rPr>
-              <a:t>3</a:t>
-            </a:r>
-            <a:r>
-              <a:rPr lang="en-US">
-                <a:latin typeface="Times New Roman" pitchFamily="18" charset="0"/>
-                <a:cs typeface="Arial" charset="0"/>
-              </a:rPr>
-              <a:t>(</a:t>
-            </a:r>
-            <a:r>
-              <a:rPr lang="en-US" i="1">
-                <a:latin typeface="Times New Roman" pitchFamily="18" charset="0"/>
-                <a:cs typeface="Arial" charset="0"/>
-              </a:rPr>
-              <a:t>n</a:t>
-            </a:r>
-            <a:r>
-              <a:rPr lang="en-US">
-                <a:latin typeface="Times New Roman" pitchFamily="18" charset="0"/>
-                <a:cs typeface="Arial" charset="0"/>
-              </a:rPr>
-              <a:t>) + ln(</a:t>
-            </a:r>
-            <a:r>
-              <a:rPr lang="en-US" i="1">
-                <a:latin typeface="Times New Roman" pitchFamily="18" charset="0"/>
-                <a:cs typeface="Arial" charset="0"/>
-              </a:rPr>
-              <a:t>n</a:t>
-            </a:r>
-            <a:r>
-              <a:rPr lang="en-US">
-                <a:latin typeface="Times New Roman" pitchFamily="18" charset="0"/>
-                <a:cs typeface="Arial" charset="0"/>
-              </a:rPr>
-              <a:t>)</a:t>
-            </a:r>
-          </a:p>
-          <a:p>
-            <a:pPr>
-              <a:buFontTx/>
-              <a:buNone/>
-            </a:pPr>
-            <a:r>
-              <a:rPr lang="en-US">
-                <a:latin typeface="Arial" charset="0"/>
-                <a:cs typeface="Arial" charset="0"/>
-              </a:rPr>
-              <a:t>	are big-</a:t>
-            </a:r>
-            <a:r>
-              <a:rPr lang="en-US" b="1">
-                <a:latin typeface="Symbol" pitchFamily="18" charset="2"/>
-                <a:cs typeface="Arial" charset="0"/>
-              </a:rPr>
-              <a:t>Q</a:t>
-            </a:r>
-            <a:r>
-              <a:rPr lang="en-US">
-                <a:latin typeface="Arial" charset="0"/>
-                <a:cs typeface="Arial" charset="0"/>
-              </a:rPr>
-              <a:t> of each other</a:t>
-            </a:r>
-          </a:p>
-          <a:p>
-            <a:pPr>
-              <a:buFont typeface="Arial" charset="0"/>
-              <a:buNone/>
-            </a:pPr>
-            <a:endParaRPr lang="en-US" i="1">
-              <a:latin typeface="Arial" charset="0"/>
-              <a:cs typeface="Arial" charset="0"/>
-            </a:endParaRPr>
-          </a:p>
-          <a:p>
-            <a:pPr>
-              <a:buFont typeface="Arial" charset="0"/>
-              <a:buNone/>
-            </a:pPr>
-            <a:r>
-              <a:rPr lang="en-US" i="1">
-                <a:latin typeface="Arial" charset="0"/>
-                <a:cs typeface="Arial" charset="0"/>
-              </a:rPr>
-              <a:t>	E.g</a:t>
-            </a:r>
-            <a:r>
-              <a:rPr lang="en-US">
-                <a:latin typeface="Arial" charset="0"/>
-                <a:cs typeface="Arial" charset="0"/>
-              </a:rPr>
-              <a:t>., </a:t>
-            </a:r>
-            <a:r>
-              <a:rPr lang="en-US">
-                <a:latin typeface="Times New Roman" pitchFamily="18" charset="0"/>
-                <a:cs typeface="Arial" charset="0"/>
-              </a:rPr>
-              <a:t>42</a:t>
-            </a:r>
-            <a:r>
-              <a:rPr lang="en-US" i="1">
-                <a:latin typeface="Times New Roman" pitchFamily="18" charset="0"/>
-                <a:cs typeface="Arial" charset="0"/>
-              </a:rPr>
-              <a:t>n</a:t>
-            </a:r>
-            <a:r>
-              <a:rPr lang="en-US" baseline="30000">
-                <a:latin typeface="Times New Roman" pitchFamily="18" charset="0"/>
-                <a:cs typeface="Arial" charset="0"/>
-              </a:rPr>
-              <a:t>2</a:t>
-            </a:r>
-            <a:r>
-              <a:rPr lang="en-US">
-                <a:latin typeface="Times New Roman" pitchFamily="18" charset="0"/>
-                <a:cs typeface="Arial" charset="0"/>
-              </a:rPr>
-              <a:t> + 32 = </a:t>
-            </a:r>
-            <a:r>
-              <a:rPr lang="en-US" b="1">
-                <a:latin typeface="Symbol" pitchFamily="18" charset="2"/>
-                <a:cs typeface="Arial" charset="0"/>
-              </a:rPr>
-              <a:t>Q</a:t>
-            </a:r>
-            <a:r>
-              <a:rPr lang="en-US">
-                <a:latin typeface="Times New Roman" pitchFamily="18" charset="0"/>
-                <a:cs typeface="Arial" charset="0"/>
-              </a:rPr>
-              <a:t>( 323 </a:t>
-            </a:r>
-            <a:r>
-              <a:rPr lang="en-US" i="1">
-                <a:latin typeface="Times New Roman" pitchFamily="18" charset="0"/>
-                <a:cs typeface="Arial" charset="0"/>
-              </a:rPr>
-              <a:t>n</a:t>
-            </a:r>
-            <a:r>
-              <a:rPr lang="en-US" baseline="30000">
-                <a:latin typeface="Times New Roman" pitchFamily="18" charset="0"/>
-                <a:cs typeface="Arial" charset="0"/>
-              </a:rPr>
-              <a:t>2</a:t>
-            </a:r>
-            <a:r>
-              <a:rPr lang="en-US">
-                <a:latin typeface="Times New Roman" pitchFamily="18" charset="0"/>
-                <a:cs typeface="Arial" charset="0"/>
-              </a:rPr>
-              <a:t> – 4 </a:t>
-            </a:r>
-            <a:r>
-              <a:rPr lang="en-US" i="1">
-                <a:latin typeface="Times New Roman" pitchFamily="18" charset="0"/>
-                <a:cs typeface="Arial" charset="0"/>
-              </a:rPr>
-              <a:t>n </a:t>
-            </a:r>
-            <a:r>
-              <a:rPr lang="en-US">
-                <a:latin typeface="Times New Roman" pitchFamily="18" charset="0"/>
-                <a:cs typeface="Arial" charset="0"/>
-              </a:rPr>
-              <a:t>ln(</a:t>
-            </a:r>
-            <a:r>
-              <a:rPr lang="en-US" i="1">
-                <a:latin typeface="Times New Roman" pitchFamily="18" charset="0"/>
-                <a:cs typeface="Arial" charset="0"/>
-              </a:rPr>
-              <a:t>n</a:t>
-            </a:r>
-            <a:r>
-              <a:rPr lang="en-US">
-                <a:latin typeface="Times New Roman" pitchFamily="18" charset="0"/>
-                <a:cs typeface="Arial" charset="0"/>
-              </a:rPr>
-              <a:t>) + 43 </a:t>
-            </a:r>
-            <a:r>
-              <a:rPr lang="en-US" i="1">
-                <a:latin typeface="Times New Roman" pitchFamily="18" charset="0"/>
-                <a:cs typeface="Arial" charset="0"/>
-              </a:rPr>
-              <a:t>n</a:t>
-            </a:r>
-            <a:r>
-              <a:rPr lang="en-US">
-                <a:latin typeface="Times New Roman" pitchFamily="18" charset="0"/>
-                <a:cs typeface="Arial" charset="0"/>
-              </a:rPr>
-              <a:t> + 10 )</a:t>
-            </a:r>
-          </a:p>
-        </p:txBody>
-      </p:sp>
-    </p:spTree>
-  </p:cSld>
-  <p:clrMapOvr>
-    <a:masterClrMapping/>
-  </p:clrMapOvr>
-</p:sld>
-</file>
-
-<file path=ppt/slides/slide29.xml><?xml version="1.0" encoding="utf-8"?>
-<p:sld xmlns:a="http://schemas.openxmlformats.org/drawingml/2006/main" xmlns:r="http://schemas.openxmlformats.org/officeDocument/2006/relationships" xmlns:p="http://schemas.openxmlformats.org/presentationml/2006/main">
-  <p:cSld>
-    <p:spTree>
-      <p:nvGrpSpPr>
-        <p:cNvPr id="1" name=""/>
-        <p:cNvGrpSpPr/>
-        <p:nvPr/>
-      </p:nvGrpSpPr>
-      <p:grpSpPr>
-        <a:xfrm>
-          <a:off x="0" y="0"/>
-          <a:ext cx="0" cy="0"/>
-          <a:chOff x="0" y="0"/>
-          <a:chExt cx="0" cy="0"/>
-        </a:xfrm>
-      </p:grpSpPr>
-      <p:sp>
-        <p:nvSpPr>
-          <p:cNvPr id="54274" name="Rectangle 2"/>
-          <p:cNvSpPr>
-            <a:spLocks noGrp="1" noChangeArrowheads="1"/>
-          </p:cNvSpPr>
-          <p:nvPr>
-            <p:ph type="title"/>
-          </p:nvPr>
-        </p:nvSpPr>
-        <p:spPr/>
-        <p:txBody>
-          <a:bodyPr/>
-          <a:lstStyle/>
-          <a:p>
-            <a:r>
-              <a:rPr lang="en-US">
-                <a:latin typeface="Arial" charset="0"/>
-                <a:cs typeface="Arial" charset="0"/>
-              </a:rPr>
-              <a:t>Big-</a:t>
-            </a:r>
-            <a:r>
-              <a:rPr lang="en-US" b="1">
-                <a:latin typeface="Symbol" pitchFamily="18" charset="2"/>
-                <a:cs typeface="Arial" charset="0"/>
-              </a:rPr>
-              <a:t>Q</a:t>
-            </a:r>
-            <a:r>
-              <a:rPr lang="en-US">
-                <a:latin typeface="Arial" charset="0"/>
-                <a:cs typeface="Arial" charset="0"/>
-              </a:rPr>
-              <a:t> as an Equivalence Relation</a:t>
-            </a:r>
-          </a:p>
-        </p:txBody>
-      </p:sp>
-      <p:sp>
-        <p:nvSpPr>
-          <p:cNvPr id="54275" name="Rectangle 3"/>
-          <p:cNvSpPr>
-            <a:spLocks noGrp="1" noChangeArrowheads="1"/>
-          </p:cNvSpPr>
-          <p:nvPr>
-            <p:ph type="body" idx="1"/>
-          </p:nvPr>
-        </p:nvSpPr>
-        <p:spPr/>
-        <p:txBody>
-          <a:bodyPr/>
-          <a:lstStyle/>
-          <a:p>
-            <a:pPr>
-              <a:buFont typeface="Arial" charset="0"/>
-              <a:buNone/>
-            </a:pPr>
-            <a:r>
-              <a:rPr lang="en-US">
-                <a:latin typeface="Arial" charset="0"/>
-                <a:cs typeface="Arial" charset="0"/>
-              </a:rPr>
-              <a:t>	Recall that with the equivalence class of all 19-year olds, we only had to pick one such student?</a:t>
-            </a:r>
-          </a:p>
-          <a:p>
-            <a:pPr>
-              <a:buFont typeface="Arial" charset="0"/>
-              <a:buNone/>
-            </a:pPr>
-            <a:endParaRPr lang="en-US">
-              <a:latin typeface="Arial" charset="0"/>
-              <a:cs typeface="Arial" charset="0"/>
-            </a:endParaRPr>
-          </a:p>
-          <a:p>
-            <a:pPr>
-              <a:buFont typeface="Arial" charset="0"/>
-              <a:buNone/>
-            </a:pPr>
-            <a:r>
-              <a:rPr lang="en-US">
-                <a:latin typeface="Arial" charset="0"/>
-                <a:cs typeface="Arial" charset="0"/>
-              </a:rPr>
-              <a:t>	Similarly, we will select just one element to represent the entire class of these functions:  </a:t>
-            </a:r>
-            <a:r>
-              <a:rPr lang="en-US" i="1">
-                <a:latin typeface="Times New Roman" pitchFamily="18" charset="0"/>
-                <a:cs typeface="Arial" charset="0"/>
-              </a:rPr>
-              <a:t>n</a:t>
-            </a:r>
-            <a:r>
-              <a:rPr lang="en-US" baseline="30000">
-                <a:latin typeface="Times New Roman" pitchFamily="18" charset="0"/>
-                <a:cs typeface="Arial" charset="0"/>
-              </a:rPr>
-              <a:t>2</a:t>
-            </a:r>
-          </a:p>
-          <a:p>
-            <a:pPr lvl="1"/>
-            <a:r>
-              <a:rPr lang="en-US">
-                <a:latin typeface="Arial" charset="0"/>
-                <a:cs typeface="Arial" charset="0"/>
-              </a:rPr>
-              <a:t>We could chose any function, but this is the simplest</a:t>
-            </a:r>
-            <a:endParaRPr lang="en-US">
-              <a:latin typeface="Times New Roman" pitchFamily="18" charset="0"/>
-              <a:cs typeface="Arial" charset="0"/>
-            </a:endParaRPr>
-          </a:p>
-        </p:txBody>
-      </p:sp>
-    </p:spTree>
-  </p:cSld>
-  <p:clrMapOvr>
-    <a:masterClrMapping/>
-  </p:clrMapOvr>
-</p:sld>
-</file>
-
-<file path=ppt/slides/slide3.xml><?xml version="1.0" encoding="utf-8"?>
-<p:sld xmlns:a="http://schemas.openxmlformats.org/drawingml/2006/main" xmlns:r="http://schemas.openxmlformats.org/officeDocument/2006/relationships" xmlns:p="http://schemas.openxmlformats.org/presentationml/2006/main">
-  <p:cSld>
-    <p:spTree>
-      <p:nvGrpSpPr>
-        <p:cNvPr id="1" name=""/>
-        <p:cNvGrpSpPr/>
-        <p:nvPr/>
-      </p:nvGrpSpPr>
-      <p:grpSpPr>
-        <a:xfrm>
-          <a:off x="0" y="0"/>
-          <a:ext cx="0" cy="0"/>
-          <a:chOff x="0" y="0"/>
-          <a:chExt cx="0" cy="0"/>
-        </a:xfrm>
-      </p:grpSpPr>
-      <p:sp>
-        <p:nvSpPr>
-          <p:cNvPr id="2" name="Title 1">
-            <a:extLst>
-              <a:ext uri="{FF2B5EF4-FFF2-40B4-BE49-F238E27FC236}">
-                <a16:creationId xmlns:a16="http://schemas.microsoft.com/office/drawing/2014/main" id="{7C3A121E-ECA1-344F-9B03-727EF6375F9F}"/>
-              </a:ext>
-            </a:extLst>
-          </p:cNvPr>
-          <p:cNvSpPr>
-            <a:spLocks noGrp="1"/>
-          </p:cNvSpPr>
-          <p:nvPr>
-            <p:ph type="title"/>
-          </p:nvPr>
-        </p:nvSpPr>
-        <p:spPr/>
-        <p:txBody>
-          <a:bodyPr/>
-          <a:lstStyle/>
-          <a:p>
-            <a:r>
-              <a:rPr lang="en-US" dirty="0"/>
-              <a:t>Motivation</a:t>
-            </a:r>
-          </a:p>
-        </p:txBody>
-      </p:sp>
-      <p:sp>
-        <p:nvSpPr>
-          <p:cNvPr id="3" name="Content Placeholder 2">
-            <a:extLst>
-              <a:ext uri="{FF2B5EF4-FFF2-40B4-BE49-F238E27FC236}">
-                <a16:creationId xmlns:a16="http://schemas.microsoft.com/office/drawing/2014/main" id="{ED29A729-6FB4-9A40-87A0-69FE72F405A0}"/>
-              </a:ext>
-            </a:extLst>
-          </p:cNvPr>
-          <p:cNvSpPr>
-            <a:spLocks noGrp="1"/>
-          </p:cNvSpPr>
-          <p:nvPr>
-            <p:ph idx="1"/>
-          </p:nvPr>
-        </p:nvSpPr>
-        <p:spPr/>
-        <p:txBody>
-          <a:bodyPr/>
-          <a:lstStyle/>
-          <a:p>
-            <a:r>
-              <a:rPr lang="en-US" dirty="0">
-                <a:latin typeface="Arial" charset="0"/>
-                <a:cs typeface="Arial" charset="0"/>
-              </a:rPr>
-              <a:t>Suppose we have two algorithms, how can we tell which is better?</a:t>
-            </a:r>
-          </a:p>
-          <a:p>
-            <a:endParaRPr lang="en-US" dirty="0">
-              <a:latin typeface="Arial" charset="0"/>
-              <a:cs typeface="Arial" charset="0"/>
-            </a:endParaRPr>
-          </a:p>
-          <a:p>
-            <a:r>
-              <a:rPr lang="en-US" dirty="0">
-                <a:latin typeface="Arial" charset="0"/>
-                <a:cs typeface="Arial" charset="0"/>
-              </a:rPr>
-              <a:t>We could implement both algorithms, run them both</a:t>
-            </a:r>
-          </a:p>
-          <a:p>
-            <a:pPr lvl="1"/>
-            <a:r>
-              <a:rPr lang="en-US" dirty="0">
-                <a:latin typeface="Arial" charset="0"/>
-                <a:cs typeface="Arial" charset="0"/>
-              </a:rPr>
-              <a:t>Expensive and error prone</a:t>
-            </a:r>
-          </a:p>
-          <a:p>
-            <a:endParaRPr lang="en-US" dirty="0">
-              <a:latin typeface="Arial" charset="0"/>
-              <a:cs typeface="Arial" charset="0"/>
-            </a:endParaRPr>
-          </a:p>
-          <a:p>
-            <a:r>
-              <a:rPr lang="en-US" dirty="0">
-                <a:latin typeface="Arial" charset="0"/>
-                <a:cs typeface="Arial" charset="0"/>
-              </a:rPr>
-              <a:t>Preferably, we should analyze them mathematically</a:t>
-            </a:r>
-          </a:p>
-          <a:p>
-            <a:pPr lvl="1"/>
-            <a:r>
-              <a:rPr lang="en-US" i="1" dirty="0">
-                <a:latin typeface="Arial" charset="0"/>
-                <a:cs typeface="Arial" charset="0"/>
-              </a:rPr>
-              <a:t>Algorithm analysis</a:t>
-            </a:r>
-            <a:endParaRPr lang="en-US" dirty="0">
-              <a:latin typeface="Arial" charset="0"/>
-              <a:cs typeface="Arial" charset="0"/>
-            </a:endParaRPr>
-          </a:p>
-          <a:p>
-            <a:endParaRPr lang="en-US" dirty="0">
-              <a:latin typeface="Arial" charset="0"/>
-              <a:cs typeface="Arial" charset="0"/>
-            </a:endParaRPr>
-          </a:p>
-        </p:txBody>
-      </p:sp>
-    </p:spTree>
-    <p:extLst>
-      <p:ext uri="{BB962C8B-B14F-4D97-AF65-F5344CB8AC3E}">
-        <p14:creationId xmlns:p14="http://schemas.microsoft.com/office/powerpoint/2010/main" val="2639865231"/>
-      </p:ext>
-    </p:extLst>
-  </p:cSld>
-  <p:clrMapOvr>
-    <a:masterClrMapping/>
-  </p:clrMapOvr>
-</p:sld>
-</file>
-
-<file path=ppt/slides/slide30.xml><?xml version="1.0" encoding="utf-8"?>
-<p:sld xmlns:a="http://schemas.openxmlformats.org/drawingml/2006/main" xmlns:r="http://schemas.openxmlformats.org/officeDocument/2006/relationships" xmlns:p="http://schemas.openxmlformats.org/presentationml/2006/main">
-  <p:cSld>
-    <p:spTree>
-      <p:nvGrpSpPr>
-        <p:cNvPr id="1" name=""/>
-        <p:cNvGrpSpPr/>
-        <p:nvPr/>
-      </p:nvGrpSpPr>
-      <p:grpSpPr>
-        <a:xfrm>
-          <a:off x="0" y="0"/>
-          <a:ext cx="0" cy="0"/>
-          <a:chOff x="0" y="0"/>
-          <a:chExt cx="0" cy="0"/>
-        </a:xfrm>
-      </p:grpSpPr>
-      <p:sp>
-        <p:nvSpPr>
-          <p:cNvPr id="55298" name="Rectangle 2"/>
-          <p:cNvSpPr>
-            <a:spLocks noGrp="1" noChangeArrowheads="1"/>
-          </p:cNvSpPr>
-          <p:nvPr>
-            <p:ph type="title"/>
-          </p:nvPr>
-        </p:nvSpPr>
-        <p:spPr/>
-        <p:txBody>
-          <a:bodyPr/>
-          <a:lstStyle/>
-          <a:p>
-            <a:r>
-              <a:rPr lang="en-US">
-                <a:latin typeface="Arial" charset="0"/>
-                <a:cs typeface="Arial" charset="0"/>
-              </a:rPr>
-              <a:t>Big-</a:t>
-            </a:r>
-            <a:r>
-              <a:rPr lang="en-US" b="1">
-                <a:latin typeface="Symbol" pitchFamily="18" charset="2"/>
-                <a:cs typeface="Arial" charset="0"/>
-              </a:rPr>
-              <a:t>Q</a:t>
-            </a:r>
-            <a:r>
-              <a:rPr lang="en-US">
-                <a:latin typeface="Arial" charset="0"/>
-                <a:cs typeface="Arial" charset="0"/>
-              </a:rPr>
-              <a:t> as an Equivalence Relation</a:t>
-            </a:r>
-          </a:p>
-        </p:txBody>
-      </p:sp>
-      <p:sp>
-        <p:nvSpPr>
-          <p:cNvPr id="55299" name="Rectangle 3"/>
-          <p:cNvSpPr>
-            <a:spLocks noGrp="1" noChangeArrowheads="1"/>
-          </p:cNvSpPr>
-          <p:nvPr>
-            <p:ph type="body" idx="1"/>
-          </p:nvPr>
-        </p:nvSpPr>
-        <p:spPr/>
-        <p:txBody>
-          <a:bodyPr/>
-          <a:lstStyle/>
-          <a:p>
-            <a:pPr>
-              <a:buFont typeface="Arial" charset="0"/>
-              <a:buNone/>
-            </a:pPr>
-            <a:r>
-              <a:rPr lang="en-US">
-                <a:latin typeface="Arial" charset="0"/>
-                <a:cs typeface="Arial" charset="0"/>
-              </a:rPr>
-              <a:t>	The most common classes are given names:</a:t>
-            </a:r>
-          </a:p>
-          <a:p>
-            <a:pPr>
-              <a:buFontTx/>
-              <a:buNone/>
-            </a:pPr>
-            <a:r>
-              <a:rPr lang="en-US">
-                <a:latin typeface="Arial" charset="0"/>
-                <a:cs typeface="Arial" charset="0"/>
-              </a:rPr>
-              <a:t>		 </a:t>
-            </a:r>
-            <a:r>
-              <a:rPr lang="en-US" b="1">
-                <a:latin typeface="Symbol" pitchFamily="18" charset="2"/>
-                <a:cs typeface="Arial" charset="0"/>
-              </a:rPr>
-              <a:t>Q</a:t>
-            </a:r>
-            <a:r>
-              <a:rPr lang="en-US">
-                <a:latin typeface="Times New Roman" pitchFamily="18" charset="0"/>
-                <a:cs typeface="Arial" charset="0"/>
-              </a:rPr>
-              <a:t>(1)			</a:t>
-            </a:r>
-            <a:r>
-              <a:rPr lang="en-US">
-                <a:latin typeface="Arial" charset="0"/>
-                <a:cs typeface="Arial" charset="0"/>
-              </a:rPr>
-              <a:t>constant</a:t>
-            </a:r>
-          </a:p>
-          <a:p>
-            <a:pPr>
-              <a:buFontTx/>
-              <a:buNone/>
-            </a:pPr>
-            <a:r>
-              <a:rPr lang="en-US">
-                <a:latin typeface="Arial" charset="0"/>
-                <a:cs typeface="Arial" charset="0"/>
-              </a:rPr>
-              <a:t>		 </a:t>
-            </a:r>
-            <a:r>
-              <a:rPr lang="en-US" b="1">
-                <a:latin typeface="Symbol" pitchFamily="18" charset="2"/>
-                <a:cs typeface="Arial" charset="0"/>
-              </a:rPr>
-              <a:t>Q</a:t>
-            </a:r>
-            <a:r>
-              <a:rPr lang="en-US">
-                <a:latin typeface="Times New Roman" pitchFamily="18" charset="0"/>
-                <a:cs typeface="Arial" charset="0"/>
-              </a:rPr>
-              <a:t>(ln(</a:t>
-            </a:r>
-            <a:r>
-              <a:rPr lang="en-US" i="1">
-                <a:latin typeface="Times New Roman" pitchFamily="18" charset="0"/>
-                <a:cs typeface="Arial" charset="0"/>
-              </a:rPr>
-              <a:t>n</a:t>
-            </a:r>
-            <a:r>
-              <a:rPr lang="en-US">
-                <a:latin typeface="Times New Roman" pitchFamily="18" charset="0"/>
-                <a:cs typeface="Arial" charset="0"/>
-              </a:rPr>
-              <a:t>))		</a:t>
-            </a:r>
-            <a:r>
-              <a:rPr lang="en-US">
-                <a:latin typeface="Arial" charset="0"/>
-                <a:cs typeface="Arial" charset="0"/>
-              </a:rPr>
-              <a:t>logarithmic</a:t>
-            </a:r>
-          </a:p>
-          <a:p>
-            <a:pPr>
-              <a:buFontTx/>
-              <a:buNone/>
-            </a:pPr>
-            <a:r>
-              <a:rPr lang="en-US">
-                <a:latin typeface="Arial" charset="0"/>
-                <a:cs typeface="Arial" charset="0"/>
-              </a:rPr>
-              <a:t>		 </a:t>
-            </a:r>
-            <a:r>
-              <a:rPr lang="en-US" b="1">
-                <a:latin typeface="Symbol" pitchFamily="18" charset="2"/>
-                <a:cs typeface="Arial" charset="0"/>
-              </a:rPr>
-              <a:t>Q</a:t>
-            </a:r>
-            <a:r>
-              <a:rPr lang="en-US">
-                <a:latin typeface="Times New Roman" pitchFamily="18" charset="0"/>
-                <a:cs typeface="Arial" charset="0"/>
-              </a:rPr>
-              <a:t>(</a:t>
-            </a:r>
-            <a:r>
-              <a:rPr lang="en-US" i="1">
-                <a:latin typeface="Times New Roman" pitchFamily="18" charset="0"/>
-                <a:cs typeface="Arial" charset="0"/>
-              </a:rPr>
-              <a:t>n</a:t>
-            </a:r>
-            <a:r>
-              <a:rPr lang="en-US">
-                <a:latin typeface="Times New Roman" pitchFamily="18" charset="0"/>
-                <a:cs typeface="Arial" charset="0"/>
-              </a:rPr>
-              <a:t>)			</a:t>
-            </a:r>
-            <a:r>
-              <a:rPr lang="en-US">
-                <a:latin typeface="Arial" charset="0"/>
-                <a:cs typeface="Arial" charset="0"/>
-              </a:rPr>
-              <a:t>linear</a:t>
-            </a:r>
-          </a:p>
-          <a:p>
-            <a:pPr>
-              <a:buFontTx/>
-              <a:buNone/>
-            </a:pPr>
-            <a:r>
-              <a:rPr lang="en-US">
-                <a:latin typeface="Arial" charset="0"/>
-                <a:cs typeface="Arial" charset="0"/>
-              </a:rPr>
-              <a:t>		 </a:t>
-            </a:r>
-            <a:r>
-              <a:rPr lang="en-US" b="1">
-                <a:latin typeface="Symbol" pitchFamily="18" charset="2"/>
-                <a:cs typeface="Arial" charset="0"/>
-              </a:rPr>
-              <a:t>Q</a:t>
-            </a:r>
-            <a:r>
-              <a:rPr lang="en-US">
-                <a:latin typeface="Times New Roman" pitchFamily="18" charset="0"/>
-                <a:cs typeface="Arial" charset="0"/>
-              </a:rPr>
-              <a:t>(</a:t>
-            </a:r>
-            <a:r>
-              <a:rPr lang="en-US" i="1">
-                <a:latin typeface="Times New Roman" pitchFamily="18" charset="0"/>
-                <a:cs typeface="Arial" charset="0"/>
-              </a:rPr>
-              <a:t>n </a:t>
-            </a:r>
-            <a:r>
-              <a:rPr lang="en-US">
-                <a:latin typeface="Times New Roman" pitchFamily="18" charset="0"/>
-                <a:cs typeface="Arial" charset="0"/>
-              </a:rPr>
-              <a:t>ln(</a:t>
-            </a:r>
-            <a:r>
-              <a:rPr lang="en-US" i="1">
-                <a:latin typeface="Times New Roman" pitchFamily="18" charset="0"/>
-                <a:cs typeface="Arial" charset="0"/>
-              </a:rPr>
-              <a:t>n</a:t>
-            </a:r>
-            <a:r>
-              <a:rPr lang="en-US">
-                <a:latin typeface="Times New Roman" pitchFamily="18" charset="0"/>
-                <a:cs typeface="Arial" charset="0"/>
-              </a:rPr>
-              <a:t>))		</a:t>
-            </a:r>
-            <a:r>
-              <a:rPr lang="en-US">
-                <a:latin typeface="Arial" charset="0"/>
-                <a:cs typeface="Arial" charset="0"/>
-              </a:rPr>
-              <a:t>“</a:t>
-            </a:r>
-            <a:r>
-              <a:rPr lang="en-US" i="1">
-                <a:latin typeface="Times New Roman" pitchFamily="18" charset="0"/>
-                <a:cs typeface="Arial" charset="0"/>
-              </a:rPr>
-              <a:t>n</a:t>
-            </a:r>
-            <a:r>
-              <a:rPr lang="en-US">
-                <a:latin typeface="Arial" charset="0"/>
-                <a:cs typeface="Arial" charset="0"/>
-              </a:rPr>
-              <a:t> log </a:t>
-            </a:r>
-            <a:r>
-              <a:rPr lang="en-US" i="1">
-                <a:latin typeface="Times New Roman" pitchFamily="18" charset="0"/>
-                <a:cs typeface="Arial" charset="0"/>
-              </a:rPr>
-              <a:t>n</a:t>
-            </a:r>
-            <a:r>
-              <a:rPr lang="en-US" i="1">
-                <a:latin typeface="Arial" charset="0"/>
-                <a:cs typeface="Arial" charset="0"/>
-              </a:rPr>
-              <a:t>”</a:t>
-            </a:r>
-            <a:endParaRPr lang="en-US">
-              <a:latin typeface="Arial" charset="0"/>
-              <a:cs typeface="Arial" charset="0"/>
-            </a:endParaRPr>
-          </a:p>
-          <a:p>
-            <a:pPr>
-              <a:buFontTx/>
-              <a:buNone/>
-            </a:pPr>
-            <a:r>
-              <a:rPr lang="en-US">
-                <a:latin typeface="Arial" charset="0"/>
-                <a:cs typeface="Arial" charset="0"/>
-              </a:rPr>
-              <a:t>		 </a:t>
-            </a:r>
-            <a:r>
-              <a:rPr lang="en-US" b="1">
-                <a:latin typeface="Symbol" pitchFamily="18" charset="2"/>
-                <a:cs typeface="Arial" charset="0"/>
-              </a:rPr>
-              <a:t>Q</a:t>
-            </a:r>
-            <a:r>
-              <a:rPr lang="en-US">
-                <a:latin typeface="Times New Roman" pitchFamily="18" charset="0"/>
-                <a:cs typeface="Arial" charset="0"/>
-              </a:rPr>
-              <a:t>(</a:t>
-            </a:r>
-            <a:r>
-              <a:rPr lang="en-US" i="1">
-                <a:latin typeface="Times New Roman" pitchFamily="18" charset="0"/>
-                <a:cs typeface="Arial" charset="0"/>
-              </a:rPr>
-              <a:t>n</a:t>
-            </a:r>
-            <a:r>
-              <a:rPr lang="en-US" baseline="30000">
-                <a:latin typeface="Times New Roman" pitchFamily="18" charset="0"/>
-                <a:cs typeface="Arial" charset="0"/>
-              </a:rPr>
-              <a:t>2</a:t>
-            </a:r>
-            <a:r>
-              <a:rPr lang="en-US">
-                <a:latin typeface="Times New Roman" pitchFamily="18" charset="0"/>
-                <a:cs typeface="Arial" charset="0"/>
-              </a:rPr>
-              <a:t>)			</a:t>
-            </a:r>
-            <a:r>
-              <a:rPr lang="en-US">
-                <a:latin typeface="Arial" charset="0"/>
-                <a:cs typeface="Arial" charset="0"/>
-              </a:rPr>
-              <a:t>quadratic</a:t>
-            </a:r>
-          </a:p>
-          <a:p>
-            <a:pPr>
-              <a:buFontTx/>
-              <a:buNone/>
-            </a:pPr>
-            <a:r>
-              <a:rPr lang="en-US">
-                <a:latin typeface="Arial" charset="0"/>
-                <a:cs typeface="Arial" charset="0"/>
-              </a:rPr>
-              <a:t>		 </a:t>
-            </a:r>
-            <a:r>
-              <a:rPr lang="en-US" b="1">
-                <a:latin typeface="Symbol" pitchFamily="18" charset="2"/>
-                <a:cs typeface="Arial" charset="0"/>
-              </a:rPr>
-              <a:t>Q</a:t>
-            </a:r>
-            <a:r>
-              <a:rPr lang="en-US">
-                <a:latin typeface="Times New Roman" pitchFamily="18" charset="0"/>
-                <a:cs typeface="Arial" charset="0"/>
-              </a:rPr>
-              <a:t>(</a:t>
-            </a:r>
-            <a:r>
-              <a:rPr lang="en-US" i="1">
-                <a:latin typeface="Times New Roman" pitchFamily="18" charset="0"/>
-                <a:cs typeface="Arial" charset="0"/>
-              </a:rPr>
-              <a:t>n</a:t>
-            </a:r>
-            <a:r>
-              <a:rPr lang="en-US" baseline="30000">
-                <a:latin typeface="Times New Roman" pitchFamily="18" charset="0"/>
-                <a:cs typeface="Arial" charset="0"/>
-              </a:rPr>
-              <a:t>3</a:t>
-            </a:r>
-            <a:r>
-              <a:rPr lang="en-US">
-                <a:latin typeface="Times New Roman" pitchFamily="18" charset="0"/>
-                <a:cs typeface="Arial" charset="0"/>
-              </a:rPr>
-              <a:t>)			</a:t>
-            </a:r>
-            <a:r>
-              <a:rPr lang="en-US">
-                <a:latin typeface="Arial" charset="0"/>
-                <a:cs typeface="Arial" charset="0"/>
-              </a:rPr>
-              <a:t>cubic</a:t>
-            </a:r>
-          </a:p>
-          <a:p>
-            <a:pPr>
-              <a:buFontTx/>
-              <a:buNone/>
-            </a:pPr>
-            <a:r>
-              <a:rPr lang="en-US">
-                <a:latin typeface="Arial" charset="0"/>
-                <a:cs typeface="Arial" charset="0"/>
-              </a:rPr>
-              <a:t>		 </a:t>
-            </a:r>
-            <a:r>
-              <a:rPr lang="en-US">
-                <a:latin typeface="Times New Roman" pitchFamily="18" charset="0"/>
-                <a:cs typeface="Arial" charset="0"/>
-              </a:rPr>
-              <a:t>2</a:t>
-            </a:r>
-            <a:r>
-              <a:rPr lang="en-US" i="1" baseline="30000">
-                <a:latin typeface="Times New Roman" pitchFamily="18" charset="0"/>
-                <a:cs typeface="Arial" charset="0"/>
-              </a:rPr>
-              <a:t>n</a:t>
-            </a:r>
-            <a:r>
-              <a:rPr lang="en-US" i="1">
-                <a:latin typeface="Times New Roman" pitchFamily="18" charset="0"/>
-                <a:cs typeface="Arial" charset="0"/>
-              </a:rPr>
-              <a:t>, e</a:t>
-            </a:r>
-            <a:r>
-              <a:rPr lang="en-US" i="1" baseline="30000">
-                <a:latin typeface="Times New Roman" pitchFamily="18" charset="0"/>
-                <a:cs typeface="Arial" charset="0"/>
-              </a:rPr>
-              <a:t>n</a:t>
-            </a:r>
-            <a:r>
-              <a:rPr lang="en-US" i="1">
-                <a:latin typeface="Times New Roman" pitchFamily="18" charset="0"/>
-                <a:cs typeface="Arial" charset="0"/>
-              </a:rPr>
-              <a:t>, </a:t>
-            </a:r>
-            <a:r>
-              <a:rPr lang="en-US">
-                <a:latin typeface="Times New Roman" pitchFamily="18" charset="0"/>
-                <a:cs typeface="Arial" charset="0"/>
-              </a:rPr>
-              <a:t>4</a:t>
-            </a:r>
-            <a:r>
-              <a:rPr lang="en-US" i="1" baseline="30000">
-                <a:latin typeface="Times New Roman" pitchFamily="18" charset="0"/>
-                <a:cs typeface="Arial" charset="0"/>
-              </a:rPr>
-              <a:t>n</a:t>
-            </a:r>
-            <a:r>
-              <a:rPr lang="en-US" i="1">
-                <a:latin typeface="Times New Roman" pitchFamily="18" charset="0"/>
-                <a:cs typeface="Arial" charset="0"/>
-              </a:rPr>
-              <a:t>, ...</a:t>
-            </a:r>
-            <a:r>
-              <a:rPr lang="en-US">
-                <a:latin typeface="Times New Roman" pitchFamily="18" charset="0"/>
-                <a:cs typeface="Arial" charset="0"/>
-              </a:rPr>
-              <a:t>		</a:t>
-            </a:r>
-            <a:r>
-              <a:rPr lang="en-US">
-                <a:latin typeface="Arial" charset="0"/>
-                <a:cs typeface="Arial" charset="0"/>
-              </a:rPr>
-              <a:t>exponential</a:t>
-            </a:r>
-            <a:endParaRPr lang="en-US" baseline="30000">
-              <a:latin typeface="Arial" charset="0"/>
-              <a:cs typeface="Arial" charset="0"/>
-            </a:endParaRPr>
-          </a:p>
-        </p:txBody>
-      </p:sp>
-    </p:spTree>
-  </p:cSld>
-  <p:clrMapOvr>
-    <a:masterClrMapping/>
-  </p:clrMapOvr>
-</p:sld>
-</file>
-
 <file path=ppt/slides/slide31.xml><?xml version="1.0" encoding="utf-8"?>
 <p:sld xmlns:a="http://schemas.openxmlformats.org/drawingml/2006/main" xmlns:r="http://schemas.openxmlformats.org/officeDocument/2006/relationships" xmlns:p="http://schemas.openxmlformats.org/presentationml/2006/main">
   <p:cSld>
@@ -13590,6 +13124,1224 @@
       </p:grpSpPr>
       <p:sp>
         <p:nvSpPr>
+          <p:cNvPr id="53250" name="Rectangle 2"/>
+          <p:cNvSpPr>
+            <a:spLocks noGrp="1" noChangeArrowheads="1"/>
+          </p:cNvSpPr>
+          <p:nvPr>
+            <p:ph type="title"/>
+          </p:nvPr>
+        </p:nvSpPr>
+        <p:spPr/>
+        <p:txBody>
+          <a:bodyPr/>
+          <a:lstStyle/>
+          <a:p>
+            <a:r>
+              <a:rPr lang="en-US">
+                <a:latin typeface="Arial" charset="0"/>
+                <a:cs typeface="Arial" charset="0"/>
+              </a:rPr>
+              <a:t>Big-</a:t>
+            </a:r>
+            <a:r>
+              <a:rPr lang="en-US" b="1">
+                <a:latin typeface="Symbol" pitchFamily="18" charset="2"/>
+                <a:cs typeface="Arial" charset="0"/>
+              </a:rPr>
+              <a:t>Q</a:t>
+            </a:r>
+            <a:r>
+              <a:rPr lang="en-US">
+                <a:latin typeface="Arial" charset="0"/>
+                <a:cs typeface="Arial" charset="0"/>
+              </a:rPr>
+              <a:t> as an Equivalence Relation</a:t>
+            </a:r>
+          </a:p>
+        </p:txBody>
+      </p:sp>
+      <p:sp>
+        <p:nvSpPr>
+          <p:cNvPr id="53251" name="Rectangle 3"/>
+          <p:cNvSpPr>
+            <a:spLocks noGrp="1" noChangeArrowheads="1"/>
+          </p:cNvSpPr>
+          <p:nvPr>
+            <p:ph type="body" idx="1"/>
+          </p:nvPr>
+        </p:nvSpPr>
+        <p:spPr/>
+        <p:txBody>
+          <a:bodyPr/>
+          <a:lstStyle/>
+          <a:p>
+            <a:pPr>
+              <a:buFont typeface="Arial" charset="0"/>
+              <a:buNone/>
+            </a:pPr>
+            <a:r>
+              <a:rPr lang="en-US">
+                <a:latin typeface="Arial" charset="0"/>
+                <a:cs typeface="Arial" charset="0"/>
+              </a:rPr>
+              <a:t>	For example, all of</a:t>
+            </a:r>
+          </a:p>
+          <a:p>
+            <a:pPr algn="ctr">
+              <a:buFontTx/>
+              <a:buNone/>
+            </a:pPr>
+            <a:r>
+              <a:rPr lang="en-US" i="1">
+                <a:latin typeface="Times New Roman" pitchFamily="18" charset="0"/>
+                <a:cs typeface="Arial" charset="0"/>
+              </a:rPr>
+              <a:t>n</a:t>
+            </a:r>
+            <a:r>
+              <a:rPr lang="en-US" baseline="30000">
+                <a:latin typeface="Times New Roman" pitchFamily="18" charset="0"/>
+                <a:cs typeface="Arial" charset="0"/>
+              </a:rPr>
+              <a:t>2</a:t>
+            </a:r>
+            <a:r>
+              <a:rPr lang="en-US">
+                <a:latin typeface="Times New Roman" pitchFamily="18" charset="0"/>
+                <a:cs typeface="Arial" charset="0"/>
+              </a:rPr>
+              <a:t>            100000 </a:t>
+            </a:r>
+            <a:r>
+              <a:rPr lang="en-US" i="1">
+                <a:latin typeface="Times New Roman" pitchFamily="18" charset="0"/>
+                <a:cs typeface="Arial" charset="0"/>
+              </a:rPr>
+              <a:t>n</a:t>
+            </a:r>
+            <a:r>
+              <a:rPr lang="en-US" baseline="30000">
+                <a:latin typeface="Times New Roman" pitchFamily="18" charset="0"/>
+                <a:cs typeface="Arial" charset="0"/>
+              </a:rPr>
+              <a:t>2</a:t>
+            </a:r>
+            <a:r>
+              <a:rPr lang="en-US">
+                <a:latin typeface="Times New Roman" pitchFamily="18" charset="0"/>
+                <a:cs typeface="Arial" charset="0"/>
+              </a:rPr>
+              <a:t> – 4 </a:t>
+            </a:r>
+            <a:r>
+              <a:rPr lang="en-US" i="1">
+                <a:latin typeface="Times New Roman" pitchFamily="18" charset="0"/>
+                <a:cs typeface="Arial" charset="0"/>
+              </a:rPr>
+              <a:t>n</a:t>
+            </a:r>
+            <a:r>
+              <a:rPr lang="en-US">
+                <a:latin typeface="Times New Roman" pitchFamily="18" charset="0"/>
+                <a:cs typeface="Arial" charset="0"/>
+              </a:rPr>
+              <a:t> + 19             </a:t>
+            </a:r>
+            <a:r>
+              <a:rPr lang="en-US" i="1">
+                <a:latin typeface="Times New Roman" pitchFamily="18" charset="0"/>
+                <a:cs typeface="Arial" charset="0"/>
+              </a:rPr>
+              <a:t>n</a:t>
+            </a:r>
+            <a:r>
+              <a:rPr lang="en-US" baseline="30000">
+                <a:latin typeface="Times New Roman" pitchFamily="18" charset="0"/>
+                <a:cs typeface="Arial" charset="0"/>
+              </a:rPr>
+              <a:t>2</a:t>
+            </a:r>
+            <a:r>
+              <a:rPr lang="en-US">
+                <a:latin typeface="Times New Roman" pitchFamily="18" charset="0"/>
+                <a:cs typeface="Arial" charset="0"/>
+              </a:rPr>
+              <a:t> + 1000000</a:t>
+            </a:r>
+          </a:p>
+          <a:p>
+            <a:pPr algn="ctr">
+              <a:buFontTx/>
+              <a:buNone/>
+            </a:pPr>
+            <a:r>
+              <a:rPr lang="en-US">
+                <a:latin typeface="Times New Roman" pitchFamily="18" charset="0"/>
+                <a:cs typeface="Arial" charset="0"/>
+              </a:rPr>
+              <a:t> 323 </a:t>
+            </a:r>
+            <a:r>
+              <a:rPr lang="en-US" i="1">
+                <a:latin typeface="Times New Roman" pitchFamily="18" charset="0"/>
+                <a:cs typeface="Arial" charset="0"/>
+              </a:rPr>
+              <a:t>n</a:t>
+            </a:r>
+            <a:r>
+              <a:rPr lang="en-US" baseline="30000">
+                <a:latin typeface="Times New Roman" pitchFamily="18" charset="0"/>
+                <a:cs typeface="Arial" charset="0"/>
+              </a:rPr>
+              <a:t>2</a:t>
+            </a:r>
+            <a:r>
+              <a:rPr lang="en-US">
+                <a:latin typeface="Times New Roman" pitchFamily="18" charset="0"/>
+                <a:cs typeface="Arial" charset="0"/>
+              </a:rPr>
+              <a:t> – 4 </a:t>
+            </a:r>
+            <a:r>
+              <a:rPr lang="en-US" i="1">
+                <a:latin typeface="Times New Roman" pitchFamily="18" charset="0"/>
+                <a:cs typeface="Arial" charset="0"/>
+              </a:rPr>
+              <a:t>n </a:t>
+            </a:r>
+            <a:r>
+              <a:rPr lang="en-US">
+                <a:latin typeface="Times New Roman" pitchFamily="18" charset="0"/>
+                <a:cs typeface="Arial" charset="0"/>
+              </a:rPr>
+              <a:t>ln(</a:t>
+            </a:r>
+            <a:r>
+              <a:rPr lang="en-US" i="1">
+                <a:latin typeface="Times New Roman" pitchFamily="18" charset="0"/>
+                <a:cs typeface="Arial" charset="0"/>
+              </a:rPr>
+              <a:t>n</a:t>
+            </a:r>
+            <a:r>
+              <a:rPr lang="en-US">
+                <a:latin typeface="Times New Roman" pitchFamily="18" charset="0"/>
+                <a:cs typeface="Arial" charset="0"/>
+              </a:rPr>
+              <a:t>) + 43 </a:t>
+            </a:r>
+            <a:r>
+              <a:rPr lang="en-US" i="1">
+                <a:latin typeface="Times New Roman" pitchFamily="18" charset="0"/>
+                <a:cs typeface="Arial" charset="0"/>
+              </a:rPr>
+              <a:t>n</a:t>
+            </a:r>
+            <a:r>
+              <a:rPr lang="en-US">
+                <a:latin typeface="Times New Roman" pitchFamily="18" charset="0"/>
+                <a:cs typeface="Arial" charset="0"/>
+              </a:rPr>
+              <a:t> + 10                     42</a:t>
+            </a:r>
+            <a:r>
+              <a:rPr lang="en-US" i="1">
+                <a:latin typeface="Times New Roman" pitchFamily="18" charset="0"/>
+                <a:cs typeface="Arial" charset="0"/>
+              </a:rPr>
+              <a:t>n</a:t>
+            </a:r>
+            <a:r>
+              <a:rPr lang="en-US" baseline="30000">
+                <a:latin typeface="Times New Roman" pitchFamily="18" charset="0"/>
+                <a:cs typeface="Arial" charset="0"/>
+              </a:rPr>
+              <a:t>2</a:t>
+            </a:r>
+            <a:r>
+              <a:rPr lang="en-US">
+                <a:latin typeface="Times New Roman" pitchFamily="18" charset="0"/>
+                <a:cs typeface="Arial" charset="0"/>
+              </a:rPr>
+              <a:t> + 32</a:t>
+            </a:r>
+          </a:p>
+          <a:p>
+            <a:pPr algn="ctr">
+              <a:buFontTx/>
+              <a:buNone/>
+            </a:pPr>
+            <a:r>
+              <a:rPr lang="en-US" i="1">
+                <a:latin typeface="Times New Roman" pitchFamily="18" charset="0"/>
+                <a:cs typeface="Arial" charset="0"/>
+              </a:rPr>
+              <a:t>n</a:t>
+            </a:r>
+            <a:r>
+              <a:rPr lang="en-US" baseline="30000">
+                <a:latin typeface="Times New Roman" pitchFamily="18" charset="0"/>
+                <a:cs typeface="Arial" charset="0"/>
+              </a:rPr>
+              <a:t>2</a:t>
+            </a:r>
+            <a:r>
+              <a:rPr lang="en-US">
+                <a:latin typeface="Times New Roman" pitchFamily="18" charset="0"/>
+                <a:cs typeface="Arial" charset="0"/>
+              </a:rPr>
+              <a:t> + 61 </a:t>
+            </a:r>
+            <a:r>
+              <a:rPr lang="en-US" i="1">
+                <a:latin typeface="Times New Roman" pitchFamily="18" charset="0"/>
+                <a:cs typeface="Arial" charset="0"/>
+              </a:rPr>
+              <a:t>n </a:t>
+            </a:r>
+            <a:r>
+              <a:rPr lang="en-US">
+                <a:latin typeface="Times New Roman" pitchFamily="18" charset="0"/>
+                <a:cs typeface="Arial" charset="0"/>
+              </a:rPr>
+              <a:t>ln</a:t>
+            </a:r>
+            <a:r>
+              <a:rPr lang="en-US" baseline="30000">
+                <a:latin typeface="Times New Roman" pitchFamily="18" charset="0"/>
+                <a:cs typeface="Arial" charset="0"/>
+              </a:rPr>
+              <a:t>2</a:t>
+            </a:r>
+            <a:r>
+              <a:rPr lang="en-US">
+                <a:latin typeface="Times New Roman" pitchFamily="18" charset="0"/>
+                <a:cs typeface="Arial" charset="0"/>
+              </a:rPr>
+              <a:t>(</a:t>
+            </a:r>
+            <a:r>
+              <a:rPr lang="en-US" i="1">
+                <a:latin typeface="Times New Roman" pitchFamily="18" charset="0"/>
+                <a:cs typeface="Arial" charset="0"/>
+              </a:rPr>
+              <a:t>n</a:t>
+            </a:r>
+            <a:r>
+              <a:rPr lang="en-US">
+                <a:latin typeface="Times New Roman" pitchFamily="18" charset="0"/>
+                <a:cs typeface="Arial" charset="0"/>
+              </a:rPr>
+              <a:t>) + 7</a:t>
+            </a:r>
+            <a:r>
+              <a:rPr lang="en-US" i="1">
+                <a:latin typeface="Times New Roman" pitchFamily="18" charset="0"/>
+                <a:cs typeface="Arial" charset="0"/>
+              </a:rPr>
+              <a:t>n</a:t>
+            </a:r>
+            <a:r>
+              <a:rPr lang="en-US">
+                <a:latin typeface="Times New Roman" pitchFamily="18" charset="0"/>
+                <a:cs typeface="Arial" charset="0"/>
+              </a:rPr>
+              <a:t> + 14 ln</a:t>
+            </a:r>
+            <a:r>
+              <a:rPr lang="en-US" baseline="30000">
+                <a:latin typeface="Times New Roman" pitchFamily="18" charset="0"/>
+                <a:cs typeface="Arial" charset="0"/>
+              </a:rPr>
+              <a:t>3</a:t>
+            </a:r>
+            <a:r>
+              <a:rPr lang="en-US">
+                <a:latin typeface="Times New Roman" pitchFamily="18" charset="0"/>
+                <a:cs typeface="Arial" charset="0"/>
+              </a:rPr>
+              <a:t>(</a:t>
+            </a:r>
+            <a:r>
+              <a:rPr lang="en-US" i="1">
+                <a:latin typeface="Times New Roman" pitchFamily="18" charset="0"/>
+                <a:cs typeface="Arial" charset="0"/>
+              </a:rPr>
+              <a:t>n</a:t>
+            </a:r>
+            <a:r>
+              <a:rPr lang="en-US">
+                <a:latin typeface="Times New Roman" pitchFamily="18" charset="0"/>
+                <a:cs typeface="Arial" charset="0"/>
+              </a:rPr>
+              <a:t>) + ln(</a:t>
+            </a:r>
+            <a:r>
+              <a:rPr lang="en-US" i="1">
+                <a:latin typeface="Times New Roman" pitchFamily="18" charset="0"/>
+                <a:cs typeface="Arial" charset="0"/>
+              </a:rPr>
+              <a:t>n</a:t>
+            </a:r>
+            <a:r>
+              <a:rPr lang="en-US">
+                <a:latin typeface="Times New Roman" pitchFamily="18" charset="0"/>
+                <a:cs typeface="Arial" charset="0"/>
+              </a:rPr>
+              <a:t>)</a:t>
+            </a:r>
+          </a:p>
+          <a:p>
+            <a:pPr>
+              <a:buFontTx/>
+              <a:buNone/>
+            </a:pPr>
+            <a:r>
+              <a:rPr lang="en-US">
+                <a:latin typeface="Arial" charset="0"/>
+                <a:cs typeface="Arial" charset="0"/>
+              </a:rPr>
+              <a:t>	are big-</a:t>
+            </a:r>
+            <a:r>
+              <a:rPr lang="en-US" b="1">
+                <a:latin typeface="Symbol" pitchFamily="18" charset="2"/>
+                <a:cs typeface="Arial" charset="0"/>
+              </a:rPr>
+              <a:t>Q</a:t>
+            </a:r>
+            <a:r>
+              <a:rPr lang="en-US">
+                <a:latin typeface="Arial" charset="0"/>
+                <a:cs typeface="Arial" charset="0"/>
+              </a:rPr>
+              <a:t> of each other</a:t>
+            </a:r>
+          </a:p>
+          <a:p>
+            <a:pPr>
+              <a:buFont typeface="Arial" charset="0"/>
+              <a:buNone/>
+            </a:pPr>
+            <a:endParaRPr lang="en-US" i="1">
+              <a:latin typeface="Arial" charset="0"/>
+              <a:cs typeface="Arial" charset="0"/>
+            </a:endParaRPr>
+          </a:p>
+          <a:p>
+            <a:pPr>
+              <a:buFont typeface="Arial" charset="0"/>
+              <a:buNone/>
+            </a:pPr>
+            <a:r>
+              <a:rPr lang="en-US" i="1">
+                <a:latin typeface="Arial" charset="0"/>
+                <a:cs typeface="Arial" charset="0"/>
+              </a:rPr>
+              <a:t>	E.g</a:t>
+            </a:r>
+            <a:r>
+              <a:rPr lang="en-US">
+                <a:latin typeface="Arial" charset="0"/>
+                <a:cs typeface="Arial" charset="0"/>
+              </a:rPr>
+              <a:t>., </a:t>
+            </a:r>
+            <a:r>
+              <a:rPr lang="en-US">
+                <a:latin typeface="Times New Roman" pitchFamily="18" charset="0"/>
+                <a:cs typeface="Arial" charset="0"/>
+              </a:rPr>
+              <a:t>42</a:t>
+            </a:r>
+            <a:r>
+              <a:rPr lang="en-US" i="1">
+                <a:latin typeface="Times New Roman" pitchFamily="18" charset="0"/>
+                <a:cs typeface="Arial" charset="0"/>
+              </a:rPr>
+              <a:t>n</a:t>
+            </a:r>
+            <a:r>
+              <a:rPr lang="en-US" baseline="30000">
+                <a:latin typeface="Times New Roman" pitchFamily="18" charset="0"/>
+                <a:cs typeface="Arial" charset="0"/>
+              </a:rPr>
+              <a:t>2</a:t>
+            </a:r>
+            <a:r>
+              <a:rPr lang="en-US">
+                <a:latin typeface="Times New Roman" pitchFamily="18" charset="0"/>
+                <a:cs typeface="Arial" charset="0"/>
+              </a:rPr>
+              <a:t> + 32 = </a:t>
+            </a:r>
+            <a:r>
+              <a:rPr lang="en-US" b="1">
+                <a:latin typeface="Symbol" pitchFamily="18" charset="2"/>
+                <a:cs typeface="Arial" charset="0"/>
+              </a:rPr>
+              <a:t>Q</a:t>
+            </a:r>
+            <a:r>
+              <a:rPr lang="en-US">
+                <a:latin typeface="Times New Roman" pitchFamily="18" charset="0"/>
+                <a:cs typeface="Arial" charset="0"/>
+              </a:rPr>
+              <a:t>( 323 </a:t>
+            </a:r>
+            <a:r>
+              <a:rPr lang="en-US" i="1">
+                <a:latin typeface="Times New Roman" pitchFamily="18" charset="0"/>
+                <a:cs typeface="Arial" charset="0"/>
+              </a:rPr>
+              <a:t>n</a:t>
+            </a:r>
+            <a:r>
+              <a:rPr lang="en-US" baseline="30000">
+                <a:latin typeface="Times New Roman" pitchFamily="18" charset="0"/>
+                <a:cs typeface="Arial" charset="0"/>
+              </a:rPr>
+              <a:t>2</a:t>
+            </a:r>
+            <a:r>
+              <a:rPr lang="en-US">
+                <a:latin typeface="Times New Roman" pitchFamily="18" charset="0"/>
+                <a:cs typeface="Arial" charset="0"/>
+              </a:rPr>
+              <a:t> – 4 </a:t>
+            </a:r>
+            <a:r>
+              <a:rPr lang="en-US" i="1">
+                <a:latin typeface="Times New Roman" pitchFamily="18" charset="0"/>
+                <a:cs typeface="Arial" charset="0"/>
+              </a:rPr>
+              <a:t>n </a:t>
+            </a:r>
+            <a:r>
+              <a:rPr lang="en-US">
+                <a:latin typeface="Times New Roman" pitchFamily="18" charset="0"/>
+                <a:cs typeface="Arial" charset="0"/>
+              </a:rPr>
+              <a:t>ln(</a:t>
+            </a:r>
+            <a:r>
+              <a:rPr lang="en-US" i="1">
+                <a:latin typeface="Times New Roman" pitchFamily="18" charset="0"/>
+                <a:cs typeface="Arial" charset="0"/>
+              </a:rPr>
+              <a:t>n</a:t>
+            </a:r>
+            <a:r>
+              <a:rPr lang="en-US">
+                <a:latin typeface="Times New Roman" pitchFamily="18" charset="0"/>
+                <a:cs typeface="Arial" charset="0"/>
+              </a:rPr>
+              <a:t>) + 43 </a:t>
+            </a:r>
+            <a:r>
+              <a:rPr lang="en-US" i="1">
+                <a:latin typeface="Times New Roman" pitchFamily="18" charset="0"/>
+                <a:cs typeface="Arial" charset="0"/>
+              </a:rPr>
+              <a:t>n</a:t>
+            </a:r>
+            <a:r>
+              <a:rPr lang="en-US">
+                <a:latin typeface="Times New Roman" pitchFamily="18" charset="0"/>
+                <a:cs typeface="Arial" charset="0"/>
+              </a:rPr>
+              <a:t> + 10 )</a:t>
+            </a:r>
+          </a:p>
+        </p:txBody>
+      </p:sp>
+    </p:spTree>
+  </p:cSld>
+  <p:clrMapOvr>
+    <a:masterClrMapping/>
+  </p:clrMapOvr>
+</p:sld>
+</file>
+
+<file path=ppt/slides/slide32.xml><?xml version="1.0" encoding="utf-8"?>
+<p:sld xmlns:a="http://schemas.openxmlformats.org/drawingml/2006/main" xmlns:r="http://schemas.openxmlformats.org/officeDocument/2006/relationships" xmlns:p="http://schemas.openxmlformats.org/presentationml/2006/main">
+  <p:cSld>
+    <p:spTree>
+      <p:nvGrpSpPr>
+        <p:cNvPr id="1" name=""/>
+        <p:cNvGrpSpPr/>
+        <p:nvPr/>
+      </p:nvGrpSpPr>
+      <p:grpSpPr>
+        <a:xfrm>
+          <a:off x="0" y="0"/>
+          <a:ext cx="0" cy="0"/>
+          <a:chOff x="0" y="0"/>
+          <a:chExt cx="0" cy="0"/>
+        </a:xfrm>
+      </p:grpSpPr>
+      <p:sp>
+        <p:nvSpPr>
+          <p:cNvPr id="54274" name="Rectangle 2"/>
+          <p:cNvSpPr>
+            <a:spLocks noGrp="1" noChangeArrowheads="1"/>
+          </p:cNvSpPr>
+          <p:nvPr>
+            <p:ph type="title"/>
+          </p:nvPr>
+        </p:nvSpPr>
+        <p:spPr/>
+        <p:txBody>
+          <a:bodyPr/>
+          <a:lstStyle/>
+          <a:p>
+            <a:r>
+              <a:rPr lang="en-US">
+                <a:latin typeface="Arial" charset="0"/>
+                <a:cs typeface="Arial" charset="0"/>
+              </a:rPr>
+              <a:t>Big-</a:t>
+            </a:r>
+            <a:r>
+              <a:rPr lang="en-US" b="1">
+                <a:latin typeface="Symbol" pitchFamily="18" charset="2"/>
+                <a:cs typeface="Arial" charset="0"/>
+              </a:rPr>
+              <a:t>Q</a:t>
+            </a:r>
+            <a:r>
+              <a:rPr lang="en-US">
+                <a:latin typeface="Arial" charset="0"/>
+                <a:cs typeface="Arial" charset="0"/>
+              </a:rPr>
+              <a:t> as an Equivalence Relation</a:t>
+            </a:r>
+          </a:p>
+        </p:txBody>
+      </p:sp>
+      <p:sp>
+        <p:nvSpPr>
+          <p:cNvPr id="54275" name="Rectangle 3"/>
+          <p:cNvSpPr>
+            <a:spLocks noGrp="1" noChangeArrowheads="1"/>
+          </p:cNvSpPr>
+          <p:nvPr>
+            <p:ph type="body" idx="1"/>
+          </p:nvPr>
+        </p:nvSpPr>
+        <p:spPr/>
+        <p:txBody>
+          <a:bodyPr/>
+          <a:lstStyle/>
+          <a:p>
+            <a:pPr>
+              <a:buFont typeface="Arial" charset="0"/>
+              <a:buNone/>
+            </a:pPr>
+            <a:r>
+              <a:rPr lang="en-US">
+                <a:latin typeface="Arial" charset="0"/>
+                <a:cs typeface="Arial" charset="0"/>
+              </a:rPr>
+              <a:t>	Recall that with the equivalence class of all 19-year olds, we only had to pick one such student?</a:t>
+            </a:r>
+          </a:p>
+          <a:p>
+            <a:pPr>
+              <a:buFont typeface="Arial" charset="0"/>
+              <a:buNone/>
+            </a:pPr>
+            <a:endParaRPr lang="en-US">
+              <a:latin typeface="Arial" charset="0"/>
+              <a:cs typeface="Arial" charset="0"/>
+            </a:endParaRPr>
+          </a:p>
+          <a:p>
+            <a:pPr>
+              <a:buFont typeface="Arial" charset="0"/>
+              <a:buNone/>
+            </a:pPr>
+            <a:r>
+              <a:rPr lang="en-US">
+                <a:latin typeface="Arial" charset="0"/>
+                <a:cs typeface="Arial" charset="0"/>
+              </a:rPr>
+              <a:t>	Similarly, we will select just one element to represent the entire class of these functions:  </a:t>
+            </a:r>
+            <a:r>
+              <a:rPr lang="en-US" i="1">
+                <a:latin typeface="Times New Roman" pitchFamily="18" charset="0"/>
+                <a:cs typeface="Arial" charset="0"/>
+              </a:rPr>
+              <a:t>n</a:t>
+            </a:r>
+            <a:r>
+              <a:rPr lang="en-US" baseline="30000">
+                <a:latin typeface="Times New Roman" pitchFamily="18" charset="0"/>
+                <a:cs typeface="Arial" charset="0"/>
+              </a:rPr>
+              <a:t>2</a:t>
+            </a:r>
+          </a:p>
+          <a:p>
+            <a:pPr lvl="1"/>
+            <a:r>
+              <a:rPr lang="en-US">
+                <a:latin typeface="Arial" charset="0"/>
+                <a:cs typeface="Arial" charset="0"/>
+              </a:rPr>
+              <a:t>We could chose any function, but this is the simplest</a:t>
+            </a:r>
+            <a:endParaRPr lang="en-US">
+              <a:latin typeface="Times New Roman" pitchFamily="18" charset="0"/>
+              <a:cs typeface="Arial" charset="0"/>
+            </a:endParaRPr>
+          </a:p>
+        </p:txBody>
+      </p:sp>
+    </p:spTree>
+  </p:cSld>
+  <p:clrMapOvr>
+    <a:masterClrMapping/>
+  </p:clrMapOvr>
+</p:sld>
+</file>
+
+<file path=ppt/slides/slide33.xml><?xml version="1.0" encoding="utf-8"?>
+<p:sld xmlns:a="http://schemas.openxmlformats.org/drawingml/2006/main" xmlns:r="http://schemas.openxmlformats.org/officeDocument/2006/relationships" xmlns:p="http://schemas.openxmlformats.org/presentationml/2006/main">
+  <p:cSld>
+    <p:spTree>
+      <p:nvGrpSpPr>
+        <p:cNvPr id="1" name=""/>
+        <p:cNvGrpSpPr/>
+        <p:nvPr/>
+      </p:nvGrpSpPr>
+      <p:grpSpPr>
+        <a:xfrm>
+          <a:off x="0" y="0"/>
+          <a:ext cx="0" cy="0"/>
+          <a:chOff x="0" y="0"/>
+          <a:chExt cx="0" cy="0"/>
+        </a:xfrm>
+      </p:grpSpPr>
+      <p:sp>
+        <p:nvSpPr>
+          <p:cNvPr id="55298" name="Rectangle 2"/>
+          <p:cNvSpPr>
+            <a:spLocks noGrp="1" noChangeArrowheads="1"/>
+          </p:cNvSpPr>
+          <p:nvPr>
+            <p:ph type="title"/>
+          </p:nvPr>
+        </p:nvSpPr>
+        <p:spPr/>
+        <p:txBody>
+          <a:bodyPr/>
+          <a:lstStyle/>
+          <a:p>
+            <a:r>
+              <a:rPr lang="en-US">
+                <a:latin typeface="Arial" charset="0"/>
+                <a:cs typeface="Arial" charset="0"/>
+              </a:rPr>
+              <a:t>Big-</a:t>
+            </a:r>
+            <a:r>
+              <a:rPr lang="en-US" b="1">
+                <a:latin typeface="Symbol" pitchFamily="18" charset="2"/>
+                <a:cs typeface="Arial" charset="0"/>
+              </a:rPr>
+              <a:t>Q</a:t>
+            </a:r>
+            <a:r>
+              <a:rPr lang="en-US">
+                <a:latin typeface="Arial" charset="0"/>
+                <a:cs typeface="Arial" charset="0"/>
+              </a:rPr>
+              <a:t> as an Equivalence Relation</a:t>
+            </a:r>
+          </a:p>
+        </p:txBody>
+      </p:sp>
+      <p:sp>
+        <p:nvSpPr>
+          <p:cNvPr id="55299" name="Rectangle 3"/>
+          <p:cNvSpPr>
+            <a:spLocks noGrp="1" noChangeArrowheads="1"/>
+          </p:cNvSpPr>
+          <p:nvPr>
+            <p:ph type="body" idx="1"/>
+          </p:nvPr>
+        </p:nvSpPr>
+        <p:spPr/>
+        <p:txBody>
+          <a:bodyPr/>
+          <a:lstStyle/>
+          <a:p>
+            <a:pPr>
+              <a:buFont typeface="Arial" charset="0"/>
+              <a:buNone/>
+            </a:pPr>
+            <a:r>
+              <a:rPr lang="en-US">
+                <a:latin typeface="Arial" charset="0"/>
+                <a:cs typeface="Arial" charset="0"/>
+              </a:rPr>
+              <a:t>	The most common classes are given names:</a:t>
+            </a:r>
+          </a:p>
+          <a:p>
+            <a:pPr>
+              <a:buFontTx/>
+              <a:buNone/>
+            </a:pPr>
+            <a:r>
+              <a:rPr lang="en-US">
+                <a:latin typeface="Arial" charset="0"/>
+                <a:cs typeface="Arial" charset="0"/>
+              </a:rPr>
+              <a:t>		 </a:t>
+            </a:r>
+            <a:r>
+              <a:rPr lang="en-US" b="1">
+                <a:latin typeface="Symbol" pitchFamily="18" charset="2"/>
+                <a:cs typeface="Arial" charset="0"/>
+              </a:rPr>
+              <a:t>Q</a:t>
+            </a:r>
+            <a:r>
+              <a:rPr lang="en-US">
+                <a:latin typeface="Times New Roman" pitchFamily="18" charset="0"/>
+                <a:cs typeface="Arial" charset="0"/>
+              </a:rPr>
+              <a:t>(1)			</a:t>
+            </a:r>
+            <a:r>
+              <a:rPr lang="en-US">
+                <a:latin typeface="Arial" charset="0"/>
+                <a:cs typeface="Arial" charset="0"/>
+              </a:rPr>
+              <a:t>constant</a:t>
+            </a:r>
+          </a:p>
+          <a:p>
+            <a:pPr>
+              <a:buFontTx/>
+              <a:buNone/>
+            </a:pPr>
+            <a:r>
+              <a:rPr lang="en-US">
+                <a:latin typeface="Arial" charset="0"/>
+                <a:cs typeface="Arial" charset="0"/>
+              </a:rPr>
+              <a:t>		 </a:t>
+            </a:r>
+            <a:r>
+              <a:rPr lang="en-US" b="1">
+                <a:latin typeface="Symbol" pitchFamily="18" charset="2"/>
+                <a:cs typeface="Arial" charset="0"/>
+              </a:rPr>
+              <a:t>Q</a:t>
+            </a:r>
+            <a:r>
+              <a:rPr lang="en-US">
+                <a:latin typeface="Times New Roman" pitchFamily="18" charset="0"/>
+                <a:cs typeface="Arial" charset="0"/>
+              </a:rPr>
+              <a:t>(ln(</a:t>
+            </a:r>
+            <a:r>
+              <a:rPr lang="en-US" i="1">
+                <a:latin typeface="Times New Roman" pitchFamily="18" charset="0"/>
+                <a:cs typeface="Arial" charset="0"/>
+              </a:rPr>
+              <a:t>n</a:t>
+            </a:r>
+            <a:r>
+              <a:rPr lang="en-US">
+                <a:latin typeface="Times New Roman" pitchFamily="18" charset="0"/>
+                <a:cs typeface="Arial" charset="0"/>
+              </a:rPr>
+              <a:t>))		</a:t>
+            </a:r>
+            <a:r>
+              <a:rPr lang="en-US">
+                <a:latin typeface="Arial" charset="0"/>
+                <a:cs typeface="Arial" charset="0"/>
+              </a:rPr>
+              <a:t>logarithmic</a:t>
+            </a:r>
+          </a:p>
+          <a:p>
+            <a:pPr>
+              <a:buFontTx/>
+              <a:buNone/>
+            </a:pPr>
+            <a:r>
+              <a:rPr lang="en-US">
+                <a:latin typeface="Arial" charset="0"/>
+                <a:cs typeface="Arial" charset="0"/>
+              </a:rPr>
+              <a:t>		 </a:t>
+            </a:r>
+            <a:r>
+              <a:rPr lang="en-US" b="1">
+                <a:latin typeface="Symbol" pitchFamily="18" charset="2"/>
+                <a:cs typeface="Arial" charset="0"/>
+              </a:rPr>
+              <a:t>Q</a:t>
+            </a:r>
+            <a:r>
+              <a:rPr lang="en-US">
+                <a:latin typeface="Times New Roman" pitchFamily="18" charset="0"/>
+                <a:cs typeface="Arial" charset="0"/>
+              </a:rPr>
+              <a:t>(</a:t>
+            </a:r>
+            <a:r>
+              <a:rPr lang="en-US" i="1">
+                <a:latin typeface="Times New Roman" pitchFamily="18" charset="0"/>
+                <a:cs typeface="Arial" charset="0"/>
+              </a:rPr>
+              <a:t>n</a:t>
+            </a:r>
+            <a:r>
+              <a:rPr lang="en-US">
+                <a:latin typeface="Times New Roman" pitchFamily="18" charset="0"/>
+                <a:cs typeface="Arial" charset="0"/>
+              </a:rPr>
+              <a:t>)			</a:t>
+            </a:r>
+            <a:r>
+              <a:rPr lang="en-US">
+                <a:latin typeface="Arial" charset="0"/>
+                <a:cs typeface="Arial" charset="0"/>
+              </a:rPr>
+              <a:t>linear</a:t>
+            </a:r>
+          </a:p>
+          <a:p>
+            <a:pPr>
+              <a:buFontTx/>
+              <a:buNone/>
+            </a:pPr>
+            <a:r>
+              <a:rPr lang="en-US">
+                <a:latin typeface="Arial" charset="0"/>
+                <a:cs typeface="Arial" charset="0"/>
+              </a:rPr>
+              <a:t>		 </a:t>
+            </a:r>
+            <a:r>
+              <a:rPr lang="en-US" b="1">
+                <a:latin typeface="Symbol" pitchFamily="18" charset="2"/>
+                <a:cs typeface="Arial" charset="0"/>
+              </a:rPr>
+              <a:t>Q</a:t>
+            </a:r>
+            <a:r>
+              <a:rPr lang="en-US">
+                <a:latin typeface="Times New Roman" pitchFamily="18" charset="0"/>
+                <a:cs typeface="Arial" charset="0"/>
+              </a:rPr>
+              <a:t>(</a:t>
+            </a:r>
+            <a:r>
+              <a:rPr lang="en-US" i="1">
+                <a:latin typeface="Times New Roman" pitchFamily="18" charset="0"/>
+                <a:cs typeface="Arial" charset="0"/>
+              </a:rPr>
+              <a:t>n </a:t>
+            </a:r>
+            <a:r>
+              <a:rPr lang="en-US">
+                <a:latin typeface="Times New Roman" pitchFamily="18" charset="0"/>
+                <a:cs typeface="Arial" charset="0"/>
+              </a:rPr>
+              <a:t>ln(</a:t>
+            </a:r>
+            <a:r>
+              <a:rPr lang="en-US" i="1">
+                <a:latin typeface="Times New Roman" pitchFamily="18" charset="0"/>
+                <a:cs typeface="Arial" charset="0"/>
+              </a:rPr>
+              <a:t>n</a:t>
+            </a:r>
+            <a:r>
+              <a:rPr lang="en-US">
+                <a:latin typeface="Times New Roman" pitchFamily="18" charset="0"/>
+                <a:cs typeface="Arial" charset="0"/>
+              </a:rPr>
+              <a:t>))		</a:t>
+            </a:r>
+            <a:r>
+              <a:rPr lang="en-US">
+                <a:latin typeface="Arial" charset="0"/>
+                <a:cs typeface="Arial" charset="0"/>
+              </a:rPr>
+              <a:t>“</a:t>
+            </a:r>
+            <a:r>
+              <a:rPr lang="en-US" i="1">
+                <a:latin typeface="Times New Roman" pitchFamily="18" charset="0"/>
+                <a:cs typeface="Arial" charset="0"/>
+              </a:rPr>
+              <a:t>n</a:t>
+            </a:r>
+            <a:r>
+              <a:rPr lang="en-US">
+                <a:latin typeface="Arial" charset="0"/>
+                <a:cs typeface="Arial" charset="0"/>
+              </a:rPr>
+              <a:t> log </a:t>
+            </a:r>
+            <a:r>
+              <a:rPr lang="en-US" i="1">
+                <a:latin typeface="Times New Roman" pitchFamily="18" charset="0"/>
+                <a:cs typeface="Arial" charset="0"/>
+              </a:rPr>
+              <a:t>n</a:t>
+            </a:r>
+            <a:r>
+              <a:rPr lang="en-US" i="1">
+                <a:latin typeface="Arial" charset="0"/>
+                <a:cs typeface="Arial" charset="0"/>
+              </a:rPr>
+              <a:t>”</a:t>
+            </a:r>
+            <a:endParaRPr lang="en-US">
+              <a:latin typeface="Arial" charset="0"/>
+              <a:cs typeface="Arial" charset="0"/>
+            </a:endParaRPr>
+          </a:p>
+          <a:p>
+            <a:pPr>
+              <a:buFontTx/>
+              <a:buNone/>
+            </a:pPr>
+            <a:r>
+              <a:rPr lang="en-US">
+                <a:latin typeface="Arial" charset="0"/>
+                <a:cs typeface="Arial" charset="0"/>
+              </a:rPr>
+              <a:t>		 </a:t>
+            </a:r>
+            <a:r>
+              <a:rPr lang="en-US" b="1">
+                <a:latin typeface="Symbol" pitchFamily="18" charset="2"/>
+                <a:cs typeface="Arial" charset="0"/>
+              </a:rPr>
+              <a:t>Q</a:t>
+            </a:r>
+            <a:r>
+              <a:rPr lang="en-US">
+                <a:latin typeface="Times New Roman" pitchFamily="18" charset="0"/>
+                <a:cs typeface="Arial" charset="0"/>
+              </a:rPr>
+              <a:t>(</a:t>
+            </a:r>
+            <a:r>
+              <a:rPr lang="en-US" i="1">
+                <a:latin typeface="Times New Roman" pitchFamily="18" charset="0"/>
+                <a:cs typeface="Arial" charset="0"/>
+              </a:rPr>
+              <a:t>n</a:t>
+            </a:r>
+            <a:r>
+              <a:rPr lang="en-US" baseline="30000">
+                <a:latin typeface="Times New Roman" pitchFamily="18" charset="0"/>
+                <a:cs typeface="Arial" charset="0"/>
+              </a:rPr>
+              <a:t>2</a:t>
+            </a:r>
+            <a:r>
+              <a:rPr lang="en-US">
+                <a:latin typeface="Times New Roman" pitchFamily="18" charset="0"/>
+                <a:cs typeface="Arial" charset="0"/>
+              </a:rPr>
+              <a:t>)			</a:t>
+            </a:r>
+            <a:r>
+              <a:rPr lang="en-US">
+                <a:latin typeface="Arial" charset="0"/>
+                <a:cs typeface="Arial" charset="0"/>
+              </a:rPr>
+              <a:t>quadratic</a:t>
+            </a:r>
+          </a:p>
+          <a:p>
+            <a:pPr>
+              <a:buFontTx/>
+              <a:buNone/>
+            </a:pPr>
+            <a:r>
+              <a:rPr lang="en-US">
+                <a:latin typeface="Arial" charset="0"/>
+                <a:cs typeface="Arial" charset="0"/>
+              </a:rPr>
+              <a:t>		 </a:t>
+            </a:r>
+            <a:r>
+              <a:rPr lang="en-US" b="1">
+                <a:latin typeface="Symbol" pitchFamily="18" charset="2"/>
+                <a:cs typeface="Arial" charset="0"/>
+              </a:rPr>
+              <a:t>Q</a:t>
+            </a:r>
+            <a:r>
+              <a:rPr lang="en-US">
+                <a:latin typeface="Times New Roman" pitchFamily="18" charset="0"/>
+                <a:cs typeface="Arial" charset="0"/>
+              </a:rPr>
+              <a:t>(</a:t>
+            </a:r>
+            <a:r>
+              <a:rPr lang="en-US" i="1">
+                <a:latin typeface="Times New Roman" pitchFamily="18" charset="0"/>
+                <a:cs typeface="Arial" charset="0"/>
+              </a:rPr>
+              <a:t>n</a:t>
+            </a:r>
+            <a:r>
+              <a:rPr lang="en-US" baseline="30000">
+                <a:latin typeface="Times New Roman" pitchFamily="18" charset="0"/>
+                <a:cs typeface="Arial" charset="0"/>
+              </a:rPr>
+              <a:t>3</a:t>
+            </a:r>
+            <a:r>
+              <a:rPr lang="en-US">
+                <a:latin typeface="Times New Roman" pitchFamily="18" charset="0"/>
+                <a:cs typeface="Arial" charset="0"/>
+              </a:rPr>
+              <a:t>)			</a:t>
+            </a:r>
+            <a:r>
+              <a:rPr lang="en-US">
+                <a:latin typeface="Arial" charset="0"/>
+                <a:cs typeface="Arial" charset="0"/>
+              </a:rPr>
+              <a:t>cubic</a:t>
+            </a:r>
+          </a:p>
+          <a:p>
+            <a:pPr>
+              <a:buFontTx/>
+              <a:buNone/>
+            </a:pPr>
+            <a:r>
+              <a:rPr lang="en-US">
+                <a:latin typeface="Arial" charset="0"/>
+                <a:cs typeface="Arial" charset="0"/>
+              </a:rPr>
+              <a:t>		 </a:t>
+            </a:r>
+            <a:r>
+              <a:rPr lang="en-US">
+                <a:latin typeface="Times New Roman" pitchFamily="18" charset="0"/>
+                <a:cs typeface="Arial" charset="0"/>
+              </a:rPr>
+              <a:t>2</a:t>
+            </a:r>
+            <a:r>
+              <a:rPr lang="en-US" i="1" baseline="30000">
+                <a:latin typeface="Times New Roman" pitchFamily="18" charset="0"/>
+                <a:cs typeface="Arial" charset="0"/>
+              </a:rPr>
+              <a:t>n</a:t>
+            </a:r>
+            <a:r>
+              <a:rPr lang="en-US" i="1">
+                <a:latin typeface="Times New Roman" pitchFamily="18" charset="0"/>
+                <a:cs typeface="Arial" charset="0"/>
+              </a:rPr>
+              <a:t>, e</a:t>
+            </a:r>
+            <a:r>
+              <a:rPr lang="en-US" i="1" baseline="30000">
+                <a:latin typeface="Times New Roman" pitchFamily="18" charset="0"/>
+                <a:cs typeface="Arial" charset="0"/>
+              </a:rPr>
+              <a:t>n</a:t>
+            </a:r>
+            <a:r>
+              <a:rPr lang="en-US" i="1">
+                <a:latin typeface="Times New Roman" pitchFamily="18" charset="0"/>
+                <a:cs typeface="Arial" charset="0"/>
+              </a:rPr>
+              <a:t>, </a:t>
+            </a:r>
+            <a:r>
+              <a:rPr lang="en-US">
+                <a:latin typeface="Times New Roman" pitchFamily="18" charset="0"/>
+                <a:cs typeface="Arial" charset="0"/>
+              </a:rPr>
+              <a:t>4</a:t>
+            </a:r>
+            <a:r>
+              <a:rPr lang="en-US" i="1" baseline="30000">
+                <a:latin typeface="Times New Roman" pitchFamily="18" charset="0"/>
+                <a:cs typeface="Arial" charset="0"/>
+              </a:rPr>
+              <a:t>n</a:t>
+            </a:r>
+            <a:r>
+              <a:rPr lang="en-US" i="1">
+                <a:latin typeface="Times New Roman" pitchFamily="18" charset="0"/>
+                <a:cs typeface="Arial" charset="0"/>
+              </a:rPr>
+              <a:t>, ...</a:t>
+            </a:r>
+            <a:r>
+              <a:rPr lang="en-US">
+                <a:latin typeface="Times New Roman" pitchFamily="18" charset="0"/>
+                <a:cs typeface="Arial" charset="0"/>
+              </a:rPr>
+              <a:t>		</a:t>
+            </a:r>
+            <a:r>
+              <a:rPr lang="en-US">
+                <a:latin typeface="Arial" charset="0"/>
+                <a:cs typeface="Arial" charset="0"/>
+              </a:rPr>
+              <a:t>exponential</a:t>
+            </a:r>
+            <a:endParaRPr lang="en-US" baseline="30000">
+              <a:latin typeface="Arial" charset="0"/>
+              <a:cs typeface="Arial" charset="0"/>
+            </a:endParaRPr>
+          </a:p>
+        </p:txBody>
+      </p:sp>
+    </p:spTree>
+  </p:cSld>
+  <p:clrMapOvr>
+    <a:masterClrMapping/>
+  </p:clrMapOvr>
+</p:sld>
+</file>
+
+<file path=ppt/slides/slide34.xml><?xml version="1.0" encoding="utf-8"?>
+<p:sld xmlns:a="http://schemas.openxmlformats.org/drawingml/2006/main" xmlns:r="http://schemas.openxmlformats.org/officeDocument/2006/relationships" xmlns:p="http://schemas.openxmlformats.org/presentationml/2006/main">
+  <p:cSld>
+    <p:spTree>
+      <p:nvGrpSpPr>
+        <p:cNvPr id="1" name=""/>
+        <p:cNvGrpSpPr/>
+        <p:nvPr/>
+      </p:nvGrpSpPr>
+      <p:grpSpPr>
+        <a:xfrm>
+          <a:off x="0" y="0"/>
+          <a:ext cx="0" cy="0"/>
+          <a:chOff x="0" y="0"/>
+          <a:chExt cx="0" cy="0"/>
+        </a:xfrm>
+      </p:grpSpPr>
+      <p:sp>
+        <p:nvSpPr>
           <p:cNvPr id="7171" name="Rectangle 2"/>
           <p:cNvSpPr>
             <a:spLocks noGrp="1" noChangeArrowheads="1"/>
@@ -13935,7 +14687,7 @@
           <a:graphicData uri="http://schemas.openxmlformats.org/presentationml/2006/ole">
             <mc:AlternateContent xmlns:mc="http://schemas.openxmlformats.org/markup-compatibility/2006">
               <mc:Choice xmlns:v="urn:schemas-microsoft-com:vml" Requires="v">
-                <p:oleObj spid="_x0000_s3080" name="Equation" r:id="rId4" imgW="1447560" imgH="469800" progId="Equation.3">
+                <p:oleObj spid="_x0000_s3103" name="Equation" r:id="rId4" imgW="1447560" imgH="469800" progId="Equation.3">
                   <p:embed/>
                 </p:oleObj>
               </mc:Choice>
@@ -13997,7 +14749,7 @@
 </p:sld>
 </file>
 
-<file path=ppt/slides/slide32.xml><?xml version="1.0" encoding="utf-8"?>
+<file path=ppt/slides/slide35.xml><?xml version="1.0" encoding="utf-8"?>
 <p:sld xmlns:a="http://schemas.openxmlformats.org/drawingml/2006/main" xmlns:r="http://schemas.openxmlformats.org/officeDocument/2006/relationships" xmlns:p="http://schemas.openxmlformats.org/presentationml/2006/main">
   <p:cSld>
     <p:spTree>
@@ -14311,7 +15063,7 @@
 </p:sld>
 </file>
 
-<file path=ppt/slides/slide33.xml><?xml version="1.0" encoding="utf-8"?>
+<file path=ppt/slides/slide36.xml><?xml version="1.0" encoding="utf-8"?>
 <p:sld xmlns:a="http://schemas.openxmlformats.org/drawingml/2006/main" xmlns:r="http://schemas.openxmlformats.org/officeDocument/2006/relationships" xmlns:p="http://schemas.openxmlformats.org/presentationml/2006/main">
   <p:cSld>
     <p:spTree>
@@ -14436,7 +15188,7 @@
 </p:sld>
 </file>
 
-<file path=ppt/slides/slide34.xml><?xml version="1.0" encoding="utf-8"?>
+<file path=ppt/slides/slide37.xml><?xml version="1.0" encoding="utf-8"?>
 <p:sld xmlns:a="http://schemas.openxmlformats.org/drawingml/2006/main" xmlns:r="http://schemas.openxmlformats.org/officeDocument/2006/relationships" xmlns:p="http://schemas.openxmlformats.org/presentationml/2006/main">
   <p:cSld>
     <p:spTree>
@@ -14801,7 +15553,7 @@
 </p:sld>
 </file>
 
-<file path=ppt/slides/slide35.xml><?xml version="1.0" encoding="utf-8"?>
+<file path=ppt/slides/slide38.xml><?xml version="1.0" encoding="utf-8"?>
 <p:sld xmlns:a="http://schemas.openxmlformats.org/drawingml/2006/main" xmlns:r="http://schemas.openxmlformats.org/officeDocument/2006/relationships" xmlns:p="http://schemas.openxmlformats.org/presentationml/2006/main">
   <p:cSld>
     <p:spTree>
@@ -14962,7 +15714,7 @@
 </p:sld>
 </file>
 
-<file path=ppt/slides/slide36.xml><?xml version="1.0" encoding="utf-8"?>
+<file path=ppt/slides/slide39.xml><?xml version="1.0" encoding="utf-8"?>
 <p:sld xmlns:a="http://schemas.openxmlformats.org/drawingml/2006/main" xmlns:r="http://schemas.openxmlformats.org/officeDocument/2006/relationships" xmlns:p="http://schemas.openxmlformats.org/presentationml/2006/main">
   <p:cSld>
     <p:spTree>
@@ -15038,7 +15790,7 @@
                 <a:latin typeface="Arial" charset="0"/>
                 <a:cs typeface="Arial" charset="0"/>
               </a:rPr>
-              <a:t>Introducing some new ones:  </a:t>
+              <a:t>Introducing some new notations:  </a:t>
             </a:r>
             <a:r>
               <a:rPr lang="en-US" dirty="0">
@@ -15486,6 +16238,252 @@
 </p:sld>
 </file>
 
+<file path=ppt/slides/slide40.xml><?xml version="1.0" encoding="utf-8"?>
+<p:sld xmlns:a="http://schemas.openxmlformats.org/drawingml/2006/main" xmlns:r="http://schemas.openxmlformats.org/officeDocument/2006/relationships" xmlns:p="http://schemas.openxmlformats.org/presentationml/2006/main">
+  <p:cSld>
+    <p:spTree>
+      <p:nvGrpSpPr>
+        <p:cNvPr id="1" name=""/>
+        <p:cNvGrpSpPr/>
+        <p:nvPr/>
+      </p:nvGrpSpPr>
+      <p:grpSpPr>
+        <a:xfrm>
+          <a:off x="0" y="0"/>
+          <a:ext cx="0" cy="0"/>
+          <a:chOff x="0" y="0"/>
+          <a:chExt cx="0" cy="0"/>
+        </a:xfrm>
+      </p:grpSpPr>
+      <p:sp>
+        <p:nvSpPr>
+          <p:cNvPr id="2" name="Title 1">
+            <a:extLst>
+              <a:ext uri="{FF2B5EF4-FFF2-40B4-BE49-F238E27FC236}">
+                <a16:creationId xmlns:a16="http://schemas.microsoft.com/office/drawing/2014/main" id="{ABD76339-190F-BE4C-A3F1-8DA98773FC23}"/>
+              </a:ext>
+            </a:extLst>
+          </p:cNvPr>
+          <p:cNvSpPr>
+            <a:spLocks noGrp="1"/>
+          </p:cNvSpPr>
+          <p:nvPr>
+            <p:ph type="title"/>
+          </p:nvPr>
+        </p:nvSpPr>
+        <p:spPr/>
+        <p:txBody>
+          <a:bodyPr/>
+          <a:lstStyle/>
+          <a:p>
+            <a:r>
+              <a:rPr lang="en-US" dirty="0"/>
+              <a:t>LAB 1</a:t>
+            </a:r>
+          </a:p>
+        </p:txBody>
+      </p:sp>
+      <p:sp>
+        <p:nvSpPr>
+          <p:cNvPr id="3" name="Content Placeholder 2">
+            <a:extLst>
+              <a:ext uri="{FF2B5EF4-FFF2-40B4-BE49-F238E27FC236}">
+                <a16:creationId xmlns:a16="http://schemas.microsoft.com/office/drawing/2014/main" id="{6B23FBB0-3F73-8646-83FC-C2FC364FEAF7}"/>
+              </a:ext>
+            </a:extLst>
+          </p:cNvPr>
+          <p:cNvSpPr>
+            <a:spLocks noGrp="1"/>
+          </p:cNvSpPr>
+          <p:nvPr>
+            <p:ph idx="1"/>
+          </p:nvPr>
+        </p:nvSpPr>
+        <p:spPr/>
+        <p:txBody>
+          <a:bodyPr>
+            <a:normAutofit fontScale="92500"/>
+          </a:bodyPr>
+          <a:lstStyle/>
+          <a:p>
+            <a:r>
+              <a:rPr lang="en-US" dirty="0"/>
+              <a:t>Q1: What is the relative error between n</a:t>
+            </a:r>
+            <a:r>
+              <a:rPr lang="en-US" baseline="30000" dirty="0"/>
+              <a:t>2</a:t>
+            </a:r>
+            <a:r>
+              <a:rPr lang="en-US" dirty="0"/>
+              <a:t> + 2n + 5 and an approximation n</a:t>
+            </a:r>
+            <a:r>
+              <a:rPr lang="en-US" baseline="30000" dirty="0"/>
+              <a:t>2</a:t>
+            </a:r>
+            <a:r>
+              <a:rPr lang="en-US" dirty="0"/>
+              <a:t> when n = 1000 and when n = 1000000? The relative error is the difference between the actual value and the approximation over the actual value.</a:t>
+            </a:r>
+          </a:p>
+          <a:p>
+            <a:r>
+              <a:rPr lang="en-US" dirty="0"/>
+              <a:t>Q2: Find the most appropriate representative element that describes each of the following rates of growth. For example, the most appropriate representative of 3n</a:t>
+            </a:r>
+            <a:r>
+              <a:rPr lang="en-US" baseline="30000" dirty="0"/>
+              <a:t>2</a:t>
+            </a:r>
+            <a:r>
+              <a:rPr lang="en-US" dirty="0"/>
+              <a:t> + 4n ln(n) + 5n + 2 is n</a:t>
+            </a:r>
+            <a:r>
+              <a:rPr lang="en-US" baseline="30000" dirty="0"/>
+              <a:t>2</a:t>
+            </a:r>
+          </a:p>
+          <a:p>
+            <a:pPr lvl="1"/>
+            <a:r>
+              <a:rPr lang="en-US" dirty="0"/>
+              <a:t>5n</a:t>
+            </a:r>
+            <a:r>
+              <a:rPr lang="en-US" baseline="30000" dirty="0"/>
+              <a:t>2</a:t>
+            </a:r>
+            <a:r>
+              <a:rPr lang="en-US" dirty="0"/>
+              <a:t> + 4n + 3n</a:t>
+            </a:r>
+            <a:r>
+              <a:rPr lang="en-US" baseline="30000" dirty="0"/>
+              <a:t>lg(6)</a:t>
+            </a:r>
+            <a:r>
+              <a:rPr lang="en-US" dirty="0"/>
+              <a:t> + 4 + ln(n)</a:t>
+            </a:r>
+          </a:p>
+          <a:p>
+            <a:pPr lvl="1"/>
+            <a:r>
+              <a:rPr lang="en-US" dirty="0"/>
+              <a:t>6n + 7 ln(n) + 8n ln(n) + 9</a:t>
+            </a:r>
+          </a:p>
+          <a:p>
+            <a:pPr lvl="1"/>
+            <a:r>
+              <a:rPr lang="en-US" dirty="0"/>
+              <a:t>4n</a:t>
+            </a:r>
+            <a:r>
+              <a:rPr lang="en-US" baseline="30000" dirty="0"/>
+              <a:t>3</a:t>
+            </a:r>
+            <a:r>
+              <a:rPr lang="en-US" dirty="0"/>
+              <a:t> + 7n + 514n</a:t>
+            </a:r>
+            <a:r>
+              <a:rPr lang="en-US" baseline="30000" dirty="0"/>
+              <a:t>4</a:t>
+            </a:r>
+            <a:r>
+              <a:rPr lang="en-US" dirty="0"/>
+              <a:t> + 35n</a:t>
+            </a:r>
+            <a:r>
+              <a:rPr lang="en-US" baseline="30000" dirty="0"/>
+              <a:t>2</a:t>
+            </a:r>
+            <a:r>
+              <a:rPr lang="en-US" dirty="0"/>
+              <a:t> + 2n</a:t>
+            </a:r>
+            <a:r>
+              <a:rPr lang="en-US" baseline="30000" dirty="0"/>
+              <a:t>6</a:t>
+            </a:r>
+            <a:r>
+              <a:rPr lang="en-US" dirty="0"/>
+              <a:t> + 5624</a:t>
+            </a:r>
+          </a:p>
+          <a:p>
+            <a:pPr lvl="1"/>
+            <a:r>
+              <a:rPr lang="en-US" dirty="0"/>
+              <a:t>10n + 11 ln(n) + 1 + 2n</a:t>
+            </a:r>
+            <a:r>
+              <a:rPr lang="en-US" baseline="30000" dirty="0"/>
+              <a:t>2</a:t>
+            </a:r>
+            <a:r>
+              <a:rPr lang="en-US" dirty="0"/>
+              <a:t> + 4n</a:t>
+            </a:r>
+            <a:r>
+              <a:rPr lang="en-US" baseline="30000" dirty="0"/>
+              <a:t>2</a:t>
+            </a:r>
+          </a:p>
+          <a:p>
+            <a:pPr marL="0" indent="0">
+              <a:buNone/>
+            </a:pPr>
+            <a:r>
+              <a:rPr lang="en-US" dirty="0">
+                <a:solidFill>
+                  <a:srgbClr val="FF0000"/>
+                </a:solidFill>
+              </a:rPr>
+              <a:t>Email your solution to </a:t>
+            </a:r>
+            <a:r>
+              <a:rPr lang="en-US" dirty="0">
+                <a:solidFill>
+                  <a:srgbClr val="FF0000"/>
+                </a:solidFill>
+                <a:hlinkClick r:id="rId2">
+                  <a:extLst>
+                    <a:ext uri="{A12FA001-AC4F-418D-AE19-62706E023703}">
+                      <ahyp:hlinkClr xmlns:ahyp="http://schemas.microsoft.com/office/drawing/2018/hyperlinkcolor" val="tx"/>
+                    </a:ext>
+                  </a:extLst>
+                </a:hlinkClick>
+              </a:rPr>
+              <a:t>tsung-wei.huang@utah.edu</a:t>
+            </a:r>
+            <a:r>
+              <a:rPr lang="en-US" dirty="0">
+                <a:solidFill>
+                  <a:srgbClr val="FF0000"/>
+                </a:solidFill>
+              </a:rPr>
+              <a:t> by 23:59 PM 9/22</a:t>
+            </a:r>
+          </a:p>
+        </p:txBody>
+      </p:sp>
+    </p:spTree>
+    <p:extLst>
+      <p:ext uri="{BB962C8B-B14F-4D97-AF65-F5344CB8AC3E}">
+        <p14:creationId xmlns:p14="http://schemas.microsoft.com/office/powerpoint/2010/main" val="2220700341"/>
+      </p:ext>
+    </p:extLst>
+  </p:cSld>
+  <p:clrMapOvr>
+    <a:masterClrMapping/>
+  </p:clrMapOvr>
+</p:sld>
+</file>
+
 <file path=ppt/slides/slide5.xml><?xml version="1.0" encoding="utf-8"?>
 <p:sld xmlns:a="http://schemas.openxmlformats.org/drawingml/2006/main" xmlns:r="http://schemas.openxmlformats.org/officeDocument/2006/relationships" xmlns:p="http://schemas.openxmlformats.org/presentationml/2006/main">
   <p:cSld>
@@ -15541,7 +16539,7 @@
         <p:spPr/>
         <p:txBody>
           <a:bodyPr>
-            <a:normAutofit lnSpcReduction="10000"/>
+            <a:normAutofit/>
           </a:bodyPr>
           <a:lstStyle/>
           <a:p>
@@ -15550,35 +16548,35 @@
               <a:buNone/>
             </a:pPr>
             <a:r>
-              <a:rPr lang="en-US">
+              <a:rPr lang="en-US" dirty="0">
                 <a:latin typeface="Arial" charset="0"/>
                 <a:cs typeface="Arial" charset="0"/>
               </a:rPr>
               <a:t>	For example, the time taken to find the largest object in an array of </a:t>
             </a:r>
             <a:r>
-              <a:rPr lang="en-US" i="1">
+              <a:rPr lang="en-US" i="1" dirty="0">
                 <a:latin typeface="Times New Roman" pitchFamily="18" charset="0"/>
                 <a:cs typeface="Arial" charset="0"/>
               </a:rPr>
               <a:t>n</a:t>
             </a:r>
             <a:r>
-              <a:rPr lang="en-US">
+              <a:rPr lang="en-US" dirty="0">
                 <a:latin typeface="Arial" charset="0"/>
                 <a:cs typeface="Arial" charset="0"/>
               </a:rPr>
               <a:t> random integers will take </a:t>
             </a:r>
             <a:r>
-              <a:rPr lang="en-US" i="1">
+              <a:rPr lang="en-US" i="1" dirty="0">
                 <a:latin typeface="Times New Roman" pitchFamily="18" charset="0"/>
                 <a:cs typeface="Arial" charset="0"/>
               </a:rPr>
               <a:t>n</a:t>
             </a:r>
             <a:r>
-              <a:rPr lang="en-US">
+              <a:rPr lang="en-US" dirty="0">
                 <a:latin typeface="Arial" charset="0"/>
                 <a:cs typeface="Arial" charset="0"/>
               </a:rPr>
@@ -15590,7 +16588,7 @@
               <a:buFontTx/>
               <a:buNone/>
             </a:pPr>
-            <a:endParaRPr lang="en-US" sz="1600" b="1">
+            <a:endParaRPr lang="en-US" sz="1800" b="1" dirty="0">
               <a:latin typeface="Courier New" pitchFamily="49" charset="0"/>
               <a:cs typeface="Arial" charset="0"/>
             </a:endParaRPr>
@@ -15601,11 +16599,25 @@
               <a:buNone/>
             </a:pPr>
             <a:r>
-              <a:rPr lang="en-US" sz="1600">
+              <a:rPr lang="en-US" sz="1800" dirty="0">
                 <a:latin typeface="Consolas" pitchFamily="49" charset="0"/>
                 <a:cs typeface="Arial" charset="0"/>
               </a:rPr>
-              <a:t>		int find_max( int *array, int n ) {</a:t>
+              <a:t>		int </a:t>
+            </a:r>
+            <a:r>
+              <a:rPr lang="en-US" sz="1800" dirty="0" err="1">
+                <a:latin typeface="Consolas" pitchFamily="49" charset="0"/>
+                <a:cs typeface="Arial" charset="0"/>
+              </a:rPr>
+              <a:t>find_max</a:t>
+            </a:r>
+            <a:r>
+              <a:rPr lang="en-US" sz="1800" dirty="0">
+                <a:latin typeface="Consolas" pitchFamily="49" charset="0"/>
+                <a:cs typeface="Arial" charset="0"/>
+              </a:rPr>
+              <a:t>( int *array, int n ) {</a:t>
             </a:r>
           </a:p>
           <a:p>
@@ -15614,7 +16626,7 @@
               <a:buNone/>
             </a:pPr>
             <a:r>
-              <a:rPr lang="en-US" sz="1600">
+              <a:rPr lang="en-US" sz="1800" dirty="0">
                 <a:latin typeface="Consolas" pitchFamily="49" charset="0"/>
                 <a:cs typeface="Arial" charset="0"/>
               </a:rPr>
@@ -15626,10 +16638,55 @@
               <a:buFontTx/>
               <a:buNone/>
             </a:pPr>
-            <a:endParaRPr lang="en-US" sz="1600">
-              <a:latin typeface="Consolas" pitchFamily="49" charset="0"/>
-              <a:cs typeface="Arial" charset="0"/>
-            </a:endParaRPr>
+            <a:r>
+              <a:rPr lang="en-US" sz="1800" dirty="0">
+                <a:latin typeface="Consolas" pitchFamily="49" charset="0"/>
+                <a:cs typeface="Arial" charset="0"/>
+              </a:rPr>
+              <a:t>		    for ( int </a:t>
+            </a:r>
+            <a:r>
+              <a:rPr lang="en-US" sz="1800" dirty="0" err="1">
+                <a:latin typeface="Consolas" pitchFamily="49" charset="0"/>
+                <a:cs typeface="Arial" charset="0"/>
+              </a:rPr>
+              <a:t>i</a:t>
+            </a:r>
+            <a:r>
+              <a:rPr lang="en-US" sz="1800" dirty="0">
+                <a:latin typeface="Consolas" pitchFamily="49" charset="0"/>
+                <a:cs typeface="Arial" charset="0"/>
+              </a:rPr>
+              <a:t> = 1; </a:t>
+            </a:r>
+            <a:r>
+              <a:rPr lang="en-US" sz="1800" dirty="0" err="1">
+                <a:latin typeface="Consolas" pitchFamily="49" charset="0"/>
+                <a:cs typeface="Arial" charset="0"/>
+              </a:rPr>
+              <a:t>i</a:t>
+            </a:r>
+            <a:r>
+              <a:rPr lang="en-US" sz="1800" dirty="0">
+                <a:latin typeface="Consolas" pitchFamily="49" charset="0"/>
+                <a:cs typeface="Arial" charset="0"/>
+              </a:rPr>
+              <a:t> &lt; n; ++</a:t>
+            </a:r>
+            <a:r>
+              <a:rPr lang="en-US" sz="1800" dirty="0" err="1">
+                <a:latin typeface="Consolas" pitchFamily="49" charset="0"/>
+                <a:cs typeface="Arial" charset="0"/>
+              </a:rPr>
+              <a:t>i</a:t>
+            </a:r>
+            <a:r>
+              <a:rPr lang="en-US" sz="1800" dirty="0">
+                <a:latin typeface="Consolas" pitchFamily="49" charset="0"/>
+                <a:cs typeface="Arial" charset="0"/>
+              </a:rPr>
+              <a:t> ) {</a:t>
+            </a:r>
           </a:p>
           <a:p>
             <a:pPr>
@@ -15637,11 +16694,25 @@
               <a:buNone/>
             </a:pPr>
             <a:r>
-              <a:rPr lang="en-US" sz="1600">
+              <a:rPr lang="en-US" sz="1800" dirty="0">
                 <a:latin typeface="Consolas" pitchFamily="49" charset="0"/>
                 <a:cs typeface="Arial" charset="0"/>
               </a:rPr>
-              <a:t>		    for ( int i = 1; i &lt; n; ++i ) {</a:t>
+              <a:t>		        if ( array[</a:t>
+            </a:r>
+            <a:r>
+              <a:rPr lang="en-US" sz="1800" dirty="0" err="1">
+                <a:latin typeface="Consolas" pitchFamily="49" charset="0"/>
+                <a:cs typeface="Arial" charset="0"/>
+              </a:rPr>
+              <a:t>i</a:t>
+            </a:r>
+            <a:r>
+              <a:rPr lang="en-US" sz="1800" dirty="0">
+                <a:latin typeface="Consolas" pitchFamily="49" charset="0"/>
+                <a:cs typeface="Arial" charset="0"/>
+              </a:rPr>
+              <a:t>] &gt; max ) {</a:t>
             </a:r>
           </a:p>
           <a:p>
@@ -15650,11 +16721,25 @@
               <a:buNone/>
             </a:pPr>
             <a:r>
-              <a:rPr lang="en-US" sz="1600">
+              <a:rPr lang="en-US" sz="1800" dirty="0">
                 <a:latin typeface="Consolas" pitchFamily="49" charset="0"/>
                 <a:cs typeface="Arial" charset="0"/>
               </a:rPr>
-              <a:t>		        if ( array[i] &gt; max ) {</a:t>
+              <a:t>		            max = array[</a:t>
+            </a:r>
+            <a:r>
+              <a:rPr lang="en-US" sz="1800" dirty="0" err="1">
+                <a:latin typeface="Consolas" pitchFamily="49" charset="0"/>
+                <a:cs typeface="Arial" charset="0"/>
+              </a:rPr>
+              <a:t>i</a:t>
+            </a:r>
+            <a:r>
+              <a:rPr lang="en-US" sz="1800" dirty="0">
+                <a:latin typeface="Consolas" pitchFamily="49" charset="0"/>
+                <a:cs typeface="Arial" charset="0"/>
+              </a:rPr>
+              <a:t>];</a:t>
             </a:r>
           </a:p>
           <a:p>
@@ -15663,11 +16748,11 @@
               <a:buNone/>
             </a:pPr>
             <a:r>
-              <a:rPr lang="en-US" sz="1600">
+              <a:rPr lang="en-US" sz="1800" dirty="0">
                 <a:latin typeface="Consolas" pitchFamily="49" charset="0"/>
                 <a:cs typeface="Arial" charset="0"/>
               </a:rPr>
-              <a:t>		            max = array[i];</a:t>
+              <a:t>		        }</a:t>
             </a:r>
           </a:p>
           <a:p>
@@ -15676,11 +16761,11 @@
               <a:buNone/>
             </a:pPr>
             <a:r>
-              <a:rPr lang="en-US" sz="1600">
+              <a:rPr lang="en-US" sz="1800" dirty="0">
                 <a:latin typeface="Consolas" pitchFamily="49" charset="0"/>
                 <a:cs typeface="Arial" charset="0"/>
               </a:rPr>
-              <a:t>		        }</a:t>
+              <a:t>		    }</a:t>
             </a:r>
           </a:p>
           <a:p>
@@ -15689,11 +16774,11 @@
               <a:buNone/>
             </a:pPr>
             <a:r>
-              <a:rPr lang="en-US" sz="1600">
+              <a:rPr lang="en-US" sz="1800" dirty="0">
                 <a:latin typeface="Consolas" pitchFamily="49" charset="0"/>
                 <a:cs typeface="Arial" charset="0"/>
               </a:rPr>
-              <a:t>		    }</a:t>
+              <a:t>		    return max;</a:t>
             </a:r>
           </a:p>
           <a:p>
@@ -15701,31 +16786,8 @@
               <a:buFontTx/>
               <a:buNone/>
             </a:pPr>
-            <a:endParaRPr lang="en-US" sz="1600">
-              <a:latin typeface="Consolas" pitchFamily="49" charset="0"/>
-              <a:cs typeface="Arial" charset="0"/>
-            </a:endParaRPr>
-          </a:p>
-          <a:p>
-            <a:pPr>
-              <a:buFontTx/>
-              <a:buNone/>
-            </a:pPr>
-            <a:r>
-              <a:rPr lang="en-US" sz="1600">
-                <a:latin typeface="Consolas" pitchFamily="49" charset="0"/>
-                <a:cs typeface="Arial" charset="0"/>
-              </a:rPr>
-              <a:t>		    return max;</a:t>
-            </a:r>
-          </a:p>
-          <a:p>
-            <a:pPr>
-              <a:buFontTx/>
-              <a:buNone/>
-            </a:pPr>
-            <a:r>
-              <a:rPr lang="en-US" sz="1600">
+            <a:r>
+              <a:rPr lang="en-US" sz="1800" dirty="0">
                 <a:latin typeface="Consolas" pitchFamily="49" charset="0"/>
                 <a:cs typeface="Arial" charset="0"/>
               </a:rPr>
@@ -15948,7 +17010,7 @@
         <p:spPr/>
         <p:txBody>
           <a:bodyPr>
-            <a:normAutofit fontScale="92500" lnSpcReduction="20000"/>
+            <a:normAutofit lnSpcReduction="10000"/>
           </a:bodyPr>
           <a:lstStyle/>
           <a:p>
@@ -15957,7 +17019,7 @@
               <a:buNone/>
             </a:pPr>
             <a:r>
-              <a:rPr lang="en-US" sz="1400" dirty="0">
+              <a:rPr lang="en-US" sz="1800" dirty="0">
                 <a:latin typeface="Consolas" pitchFamily="49" charset="0"/>
                 <a:cs typeface="Arial" charset="0"/>
               </a:rPr>
@@ -15969,10 +17031,27 @@
               <a:buFontTx/>
               <a:buNone/>
             </a:pPr>
-            <a:endParaRPr lang="en-US" sz="1400" dirty="0">
-              <a:latin typeface="Consolas" pitchFamily="49" charset="0"/>
-              <a:cs typeface="Arial" charset="0"/>
-            </a:endParaRPr>
+            <a:r>
+              <a:rPr lang="en-US" sz="1800" dirty="0">
+                <a:latin typeface="Consolas" pitchFamily="49" charset="0"/>
+                <a:cs typeface="Arial" charset="0"/>
+              </a:rPr>
+              <a:t>		int </a:t>
+            </a:r>
+            <a:r>
+              <a:rPr lang="en-US" sz="1800" dirty="0" err="1">
+                <a:latin typeface="Consolas" pitchFamily="49" charset="0"/>
+                <a:cs typeface="Arial" charset="0"/>
+              </a:rPr>
+              <a:t>find_max</a:t>
+            </a:r>
+            <a:r>
+              <a:rPr lang="en-US" sz="1800" dirty="0">
+                <a:latin typeface="Consolas" pitchFamily="49" charset="0"/>
+                <a:cs typeface="Arial" charset="0"/>
+              </a:rPr>
+              <a:t>( const std::vector&lt;int&gt;&amp; array ) {</a:t>
+            </a:r>
           </a:p>
           <a:p>
             <a:pPr>
@@ -15980,67 +17059,25 @@
               <a:buNone/>
             </a:pPr>
             <a:r>
-              <a:rPr lang="en-US" sz="1400" dirty="0">
+              <a:rPr lang="en-US" sz="1800" dirty="0">
                 <a:latin typeface="Consolas" pitchFamily="49" charset="0"/>
                 <a:cs typeface="Arial" charset="0"/>
               </a:rPr>
-              <a:t>		</a:t>
-            </a:r>
-            <a:r>
-              <a:rPr lang="en-US" sz="1400" dirty="0" err="1">
+              <a:t>		    if ( </a:t>
+            </a:r>
+            <a:r>
+              <a:rPr lang="en-US" sz="1800" dirty="0" err="1">
                 <a:latin typeface="Consolas" pitchFamily="49" charset="0"/>
                 <a:cs typeface="Arial" charset="0"/>
               </a:rPr>
-              <a:t>int</a:t>
-            </a:r>
-            <a:r>
-              <a:rPr lang="en-US" sz="1400" dirty="0">
+              <a:t>array.size</a:t>
+            </a:r>
+            <a:r>
+              <a:rPr lang="en-US" sz="1800" dirty="0">
                 <a:latin typeface="Consolas" pitchFamily="49" charset="0"/>
                 <a:cs typeface="Arial" charset="0"/>
               </a:rPr>
-              <a:t> </a:t>
-            </a:r>
-            <a:r>
-              <a:rPr lang="en-US" sz="1400" dirty="0" err="1">
-                <a:latin typeface="Consolas" pitchFamily="49" charset="0"/>
-                <a:cs typeface="Arial" charset="0"/>
-              </a:rPr>
-              <a:t>find_max</a:t>
-            </a:r>
-            <a:r>
-              <a:rPr lang="en-US" sz="1400" dirty="0">
-                <a:latin typeface="Consolas" pitchFamily="49" charset="0"/>
-                <a:cs typeface="Arial" charset="0"/>
-              </a:rPr>
-              <a:t>( </a:t>
-            </a:r>
-            <a:r>
-              <a:rPr lang="en-US" sz="1400" dirty="0" err="1">
-                <a:latin typeface="Consolas" pitchFamily="49" charset="0"/>
-                <a:cs typeface="Arial" charset="0"/>
-              </a:rPr>
-              <a:t>std</a:t>
-            </a:r>
-            <a:r>
-              <a:rPr lang="en-US" sz="1400" dirty="0">
-                <a:latin typeface="Consolas" pitchFamily="49" charset="0"/>
-                <a:cs typeface="Arial" charset="0"/>
-              </a:rPr>
-              <a:t>::vector&lt;</a:t>
-            </a:r>
-            <a:r>
-              <a:rPr lang="en-US" sz="1400" dirty="0" err="1">
-                <a:latin typeface="Consolas" pitchFamily="49" charset="0"/>
-                <a:cs typeface="Arial" charset="0"/>
-              </a:rPr>
-              <a:t>int</a:t>
-            </a:r>
-            <a:r>
-              <a:rPr lang="en-US" sz="1400" dirty="0">
-                <a:latin typeface="Consolas" pitchFamily="49" charset="0"/>
-                <a:cs typeface="Arial" charset="0"/>
-              </a:rPr>
-              <a:t>&gt; array ) {</a:t>
+              <a:t>() == 0 ) {</a:t>
             </a:r>
           </a:p>
           <a:p>
@@ -16049,25 +17086,11 @@
               <a:buNone/>
             </a:pPr>
             <a:r>
-              <a:rPr lang="en-US" sz="1400" dirty="0">
+              <a:rPr lang="en-US" sz="1800" dirty="0">
                 <a:latin typeface="Consolas" pitchFamily="49" charset="0"/>
                 <a:cs typeface="Arial" charset="0"/>
               </a:rPr>
-              <a:t>		    if ( </a:t>
-            </a:r>
-            <a:r>
-              <a:rPr lang="en-US" sz="1400" dirty="0" err="1">
-                <a:latin typeface="Consolas" pitchFamily="49" charset="0"/>
-                <a:cs typeface="Arial" charset="0"/>
-              </a:rPr>
-              <a:t>array.size</a:t>
-            </a:r>
-            <a:r>
-              <a:rPr lang="en-US" sz="1400" dirty="0">
-                <a:latin typeface="Consolas" pitchFamily="49" charset="0"/>
-                <a:cs typeface="Arial" charset="0"/>
-              </a:rPr>
-              <a:t>() == 0 ) {</a:t>
+              <a:t>		        throw underflow();</a:t>
             </a:r>
           </a:p>
           <a:p>
@@ -16076,11 +17099,11 @@
               <a:buNone/>
             </a:pPr>
             <a:r>
-              <a:rPr lang="en-US" sz="1400" dirty="0">
+              <a:rPr lang="en-US" sz="1800" dirty="0">
                 <a:latin typeface="Consolas" pitchFamily="49" charset="0"/>
                 <a:cs typeface="Arial" charset="0"/>
               </a:rPr>
-              <a:t>		        throw underflow();</a:t>
+              <a:t>		    }</a:t>
             </a:r>
           </a:p>
           <a:p>
@@ -16089,11 +17112,11 @@
               <a:buNone/>
             </a:pPr>
             <a:r>
-              <a:rPr lang="en-US" sz="1400" dirty="0">
+              <a:rPr lang="en-US" sz="1800" dirty="0">
                 <a:latin typeface="Consolas" pitchFamily="49" charset="0"/>
                 <a:cs typeface="Arial" charset="0"/>
               </a:rPr>
-              <a:t>		    }</a:t>
+              <a:t>		    int max = array[0];</a:t>
             </a:r>
           </a:p>
           <a:p>
@@ -16101,10 +17124,83 @@
               <a:buFontTx/>
               <a:buNone/>
             </a:pPr>
-            <a:endParaRPr lang="en-US" sz="1400" dirty="0">
-              <a:latin typeface="Consolas" pitchFamily="49" charset="0"/>
-              <a:cs typeface="Arial" charset="0"/>
-            </a:endParaRPr>
+            <a:r>
+              <a:rPr lang="en-US" sz="1800" dirty="0">
+                <a:latin typeface="Consolas" pitchFamily="49" charset="0"/>
+                <a:cs typeface="Arial" charset="0"/>
+              </a:rPr>
+              <a:t>		    for ( </a:t>
+            </a:r>
+            <a:r>
+              <a:rPr lang="en-US" sz="1800" dirty="0" err="1">
+                <a:latin typeface="Consolas" pitchFamily="49" charset="0"/>
+                <a:cs typeface="Arial" charset="0"/>
+              </a:rPr>
+              <a:t>int</a:t>
+            </a:r>
+            <a:r>
+              <a:rPr lang="en-US" sz="1800" dirty="0">
+                <a:latin typeface="Consolas" pitchFamily="49" charset="0"/>
+                <a:cs typeface="Arial" charset="0"/>
+              </a:rPr>
+              <a:t> </a:t>
+            </a:r>
+            <a:r>
+              <a:rPr lang="en-US" sz="1800" dirty="0" err="1">
+                <a:latin typeface="Consolas" pitchFamily="49" charset="0"/>
+                <a:cs typeface="Arial" charset="0"/>
+              </a:rPr>
+              <a:t>i</a:t>
+            </a:r>
+            <a:r>
+              <a:rPr lang="en-US" sz="1800" dirty="0">
+                <a:latin typeface="Consolas" pitchFamily="49" charset="0"/>
+                <a:cs typeface="Arial" charset="0"/>
+              </a:rPr>
+              <a:t> = 1; </a:t>
+            </a:r>
+            <a:r>
+              <a:rPr lang="en-US" sz="1800" dirty="0" err="1">
+                <a:latin typeface="Consolas" pitchFamily="49" charset="0"/>
+                <a:cs typeface="Arial" charset="0"/>
+              </a:rPr>
+              <a:t>i</a:t>
+            </a:r>
+            <a:r>
+              <a:rPr lang="en-US" sz="1800" dirty="0">
+                <a:latin typeface="Consolas" pitchFamily="49" charset="0"/>
+                <a:cs typeface="Arial" charset="0"/>
+              </a:rPr>
+              <a:t> &lt; </a:t>
+            </a:r>
+            <a:r>
+              <a:rPr lang="en-US" sz="1800" dirty="0" err="1">
+                <a:latin typeface="Consolas" pitchFamily="49" charset="0"/>
+                <a:cs typeface="Arial" charset="0"/>
+              </a:rPr>
+              <a:t>array.size</a:t>
+            </a:r>
+            <a:r>
+              <a:rPr lang="en-US" sz="1800" dirty="0">
+                <a:latin typeface="Consolas" pitchFamily="49" charset="0"/>
+                <a:cs typeface="Arial" charset="0"/>
+              </a:rPr>
+              <a:t>(); ++</a:t>
+            </a:r>
+            <a:r>
+              <a:rPr lang="en-US" sz="1800" dirty="0" err="1">
+                <a:latin typeface="Consolas" pitchFamily="49" charset="0"/>
+                <a:cs typeface="Arial" charset="0"/>
+              </a:rPr>
+              <a:t>i</a:t>
+            </a:r>
+            <a:r>
+              <a:rPr lang="en-US" sz="1800" dirty="0">
+                <a:latin typeface="Consolas" pitchFamily="49" charset="0"/>
+                <a:cs typeface="Arial" charset="0"/>
+              </a:rPr>
+              <a:t> ) {</a:t>
+            </a:r>
           </a:p>
           <a:p>
             <a:pPr>
@@ -16112,25 +17208,25 @@
               <a:buNone/>
             </a:pPr>
             <a:r>
-              <a:rPr lang="en-US" sz="1400" dirty="0">
+              <a:rPr lang="en-US" sz="1800" dirty="0">
                 <a:latin typeface="Consolas" pitchFamily="49" charset="0"/>
                 <a:cs typeface="Arial" charset="0"/>
               </a:rPr>
-              <a:t>		    </a:t>
-            </a:r>
-            <a:r>
-              <a:rPr lang="en-US" sz="1400" dirty="0" err="1">
+              <a:t>		        if ( array[</a:t>
+            </a:r>
+            <a:r>
+              <a:rPr lang="en-US" sz="1800" dirty="0" err="1">
                 <a:latin typeface="Consolas" pitchFamily="49" charset="0"/>
                 <a:cs typeface="Arial" charset="0"/>
               </a:rPr>
-              <a:t>int</a:t>
-            </a:r>
-            <a:r>
-              <a:rPr lang="en-US" sz="1400" dirty="0">
+              <a:t>i</a:t>
+            </a:r>
+            <a:r>
+              <a:rPr lang="en-US" sz="1800" dirty="0">
                 <a:latin typeface="Consolas" pitchFamily="49" charset="0"/>
                 <a:cs typeface="Arial" charset="0"/>
               </a:rPr>
-              <a:t> max = array[0];</a:t>
+              <a:t>] &gt; max ) {</a:t>
             </a:r>
           </a:p>
           <a:p>
@@ -16138,10 +17234,27 @@
               <a:buFontTx/>
               <a:buNone/>
             </a:pPr>
-            <a:endParaRPr lang="en-US" sz="1400" dirty="0">
-              <a:latin typeface="Consolas" pitchFamily="49" charset="0"/>
-              <a:cs typeface="Arial" charset="0"/>
-            </a:endParaRPr>
+            <a:r>
+              <a:rPr lang="en-US" sz="1800" dirty="0">
+                <a:latin typeface="Consolas" pitchFamily="49" charset="0"/>
+                <a:cs typeface="Arial" charset="0"/>
+              </a:rPr>
+              <a:t>		            max = array[</a:t>
+            </a:r>
+            <a:r>
+              <a:rPr lang="en-US" sz="1800" dirty="0" err="1">
+                <a:latin typeface="Consolas" pitchFamily="49" charset="0"/>
+                <a:cs typeface="Arial" charset="0"/>
+              </a:rPr>
+              <a:t>i</a:t>
+            </a:r>
+            <a:r>
+              <a:rPr lang="en-US" sz="1800" dirty="0">
+                <a:latin typeface="Consolas" pitchFamily="49" charset="0"/>
+                <a:cs typeface="Arial" charset="0"/>
+              </a:rPr>
+              <a:t>];</a:t>
+            </a:r>
           </a:p>
           <a:p>
             <a:pPr>
@@ -16149,81 +17262,11 @@
               <a:buNone/>
             </a:pPr>
             <a:r>
-              <a:rPr lang="en-US" sz="1400" dirty="0">
+              <a:rPr lang="en-US" sz="1800" dirty="0">
                 <a:latin typeface="Consolas" pitchFamily="49" charset="0"/>
                 <a:cs typeface="Arial" charset="0"/>
               </a:rPr>
-              <a:t>		    for ( </a:t>
-            </a:r>
-            <a:r>
-              <a:rPr lang="en-US" sz="1400" dirty="0" err="1">
-                <a:latin typeface="Consolas" pitchFamily="49" charset="0"/>
-                <a:cs typeface="Arial" charset="0"/>
-              </a:rPr>
-              <a:t>int</a:t>
-            </a:r>
-            <a:r>
-              <a:rPr lang="en-US" sz="1400" dirty="0">
-                <a:latin typeface="Consolas" pitchFamily="49" charset="0"/>
-                <a:cs typeface="Arial" charset="0"/>
-              </a:rPr>
-              <a:t> </a:t>
-            </a:r>
-            <a:r>
-              <a:rPr lang="en-US" sz="1400" dirty="0" err="1">
-                <a:latin typeface="Consolas" pitchFamily="49" charset="0"/>
-                <a:cs typeface="Arial" charset="0"/>
-              </a:rPr>
-              <a:t>i</a:t>
-            </a:r>
-            <a:r>
-              <a:rPr lang="en-US" sz="1400" dirty="0">
-                <a:latin typeface="Consolas" pitchFamily="49" charset="0"/>
-                <a:cs typeface="Arial" charset="0"/>
-              </a:rPr>
-              <a:t> = 1; </a:t>
-            </a:r>
-            <a:r>
-              <a:rPr lang="en-US" sz="1400" dirty="0" err="1">
-                <a:latin typeface="Consolas" pitchFamily="49" charset="0"/>
-                <a:cs typeface="Arial" charset="0"/>
-              </a:rPr>
-              <a:t>i</a:t>
-            </a:r>
-            <a:r>
-              <a:rPr lang="en-US" sz="1400" dirty="0">
-                <a:latin typeface="Consolas" pitchFamily="49" charset="0"/>
-                <a:cs typeface="Arial" charset="0"/>
-              </a:rPr>
-              <a:t> &lt; </a:t>
-            </a:r>
-            <a:r>
-              <a:rPr lang="en-US" sz="1400" dirty="0" err="1">
-                <a:latin typeface="Consolas" pitchFamily="49" charset="0"/>
-                <a:cs typeface="Arial" charset="0"/>
-              </a:rPr>
-              <a:t>array.size</a:t>
-            </a:r>
-            <a:r>
-              <a:rPr lang="en-US" sz="1400" dirty="0">
-                <a:latin typeface="Consolas" pitchFamily="49" charset="0"/>
-                <a:cs typeface="Arial" charset="0"/>
-              </a:rPr>
-              <a:t>(); ++</a:t>
-            </a:r>
-            <a:r>
-              <a:rPr lang="en-US" sz="1400" dirty="0" err="1">
-                <a:latin typeface="Consolas" pitchFamily="49" charset="0"/>
-                <a:cs typeface="Arial" charset="0"/>
-              </a:rPr>
-              <a:t>i</a:t>
-            </a:r>
-            <a:r>
-              <a:rPr lang="en-US" sz="1400" dirty="0">
-                <a:latin typeface="Consolas" pitchFamily="49" charset="0"/>
-                <a:cs typeface="Arial" charset="0"/>
-              </a:rPr>
-              <a:t> ) {</a:t>
+              <a:t>		        }</a:t>
             </a:r>
           </a:p>
           <a:p>
@@ -16232,25 +17275,11 @@
               <a:buNone/>
             </a:pPr>
             <a:r>
-              <a:rPr lang="en-US" sz="1400" dirty="0">
+              <a:rPr lang="en-US" sz="1800" dirty="0">
                 <a:latin typeface="Consolas" pitchFamily="49" charset="0"/>
                 <a:cs typeface="Arial" charset="0"/>
               </a:rPr>
-              <a:t>		        if ( array[</a:t>
-            </a:r>
-            <a:r>
-              <a:rPr lang="en-US" sz="1400" dirty="0" err="1">
-                <a:latin typeface="Consolas" pitchFamily="49" charset="0"/>
-                <a:cs typeface="Arial" charset="0"/>
-              </a:rPr>
-              <a:t>i</a:t>
-            </a:r>
-            <a:r>
-              <a:rPr lang="en-US" sz="1400" dirty="0">
-                <a:latin typeface="Consolas" pitchFamily="49" charset="0"/>
-                <a:cs typeface="Arial" charset="0"/>
-              </a:rPr>
-              <a:t>] &gt; max ) {</a:t>
+              <a:t>		    }</a:t>
             </a:r>
           </a:p>
           <a:p>
@@ -16259,25 +17288,11 @@
               <a:buNone/>
             </a:pPr>
             <a:r>
-              <a:rPr lang="en-US" sz="1400" dirty="0">
+              <a:rPr lang="en-US" sz="1800" dirty="0">
                 <a:latin typeface="Consolas" pitchFamily="49" charset="0"/>
                 <a:cs typeface="Arial" charset="0"/>
               </a:rPr>
-              <a:t>		            max = array[</a:t>
-            </a:r>
-            <a:r>
-              <a:rPr lang="en-US" sz="1400" dirty="0" err="1">
-                <a:latin typeface="Consolas" pitchFamily="49" charset="0"/>
-                <a:cs typeface="Arial" charset="0"/>
-              </a:rPr>
-              <a:t>i</a:t>
-            </a:r>
-            <a:r>
-              <a:rPr lang="en-US" sz="1400" dirty="0">
-                <a:latin typeface="Consolas" pitchFamily="49" charset="0"/>
-                <a:cs typeface="Arial" charset="0"/>
-              </a:rPr>
-              <a:t>];</a:t>
+              <a:t>		    return max;</a:t>
             </a:r>
           </a:p>
           <a:p>
@@ -16286,56 +17301,7 @@
               <a:buNone/>
             </a:pPr>
             <a:r>
-              <a:rPr lang="en-US" sz="1400" dirty="0">
-                <a:latin typeface="Consolas" pitchFamily="49" charset="0"/>
-                <a:cs typeface="Arial" charset="0"/>
-              </a:rPr>
-              <a:t>		        }</a:t>
-            </a:r>
-          </a:p>
-          <a:p>
-            <a:pPr>
-              <a:buFontTx/>
-              <a:buNone/>
-            </a:pPr>
-            <a:r>
-              <a:rPr lang="en-US" sz="1400" dirty="0">
-                <a:latin typeface="Consolas" pitchFamily="49" charset="0"/>
-                <a:cs typeface="Arial" charset="0"/>
-              </a:rPr>
-              <a:t>		    }</a:t>
-            </a:r>
-          </a:p>
-          <a:p>
-            <a:pPr>
-              <a:buFontTx/>
-              <a:buNone/>
-            </a:pPr>
-            <a:endParaRPr lang="en-US" sz="1400" dirty="0">
-              <a:latin typeface="Consolas" pitchFamily="49" charset="0"/>
-              <a:cs typeface="Arial" charset="0"/>
-            </a:endParaRPr>
-          </a:p>
-          <a:p>
-            <a:pPr>
-              <a:buFontTx/>
-              <a:buNone/>
-            </a:pPr>
-            <a:r>
-              <a:rPr lang="en-US" sz="1400" dirty="0">
-                <a:latin typeface="Consolas" pitchFamily="49" charset="0"/>
-                <a:cs typeface="Arial" charset="0"/>
-              </a:rPr>
-              <a:t>		    return max;</a:t>
-            </a:r>
-          </a:p>
-          <a:p>
-            <a:pPr>
-              <a:buFontTx/>
-              <a:buNone/>
-            </a:pPr>
-            <a:r>
-              <a:rPr lang="en-US" sz="1400" dirty="0">
+              <a:rPr lang="en-US" sz="1800" dirty="0">
                 <a:latin typeface="Consolas" pitchFamily="49" charset="0"/>
                 <a:cs typeface="Arial" charset="0"/>
               </a:rPr>
@@ -16668,7 +17634,7 @@
               <a:buNone/>
             </a:pPr>
             <a:r>
-              <a:rPr lang="en-US">
+              <a:rPr lang="en-US" dirty="0">
                 <a:latin typeface="Arial" charset="0"/>
                 <a:cs typeface="Arial" charset="0"/>
               </a:rPr>
@@ -16678,7 +17644,7 @@
           <a:p>
             <a:pPr lvl="1"/>
             <a:r>
-              <a:rPr lang="en-US">
+              <a:rPr lang="en-US" dirty="0">
                 <a:latin typeface="Arial" charset="0"/>
                 <a:cs typeface="Arial" charset="0"/>
               </a:rPr>
@@ -16688,7 +17654,7 @@
           <a:p>
             <a:pPr lvl="1"/>
             <a:r>
-              <a:rPr lang="en-US">
+              <a:rPr lang="en-US" dirty="0">
                 <a:latin typeface="Arial" charset="0"/>
                 <a:cs typeface="Arial" charset="0"/>
               </a:rPr>
@@ -16698,7 +17664,7 @@
           <a:p>
             <a:pPr lvl="1"/>
             <a:r>
-              <a:rPr lang="en-US">
+              <a:rPr lang="en-US" dirty="0">
                 <a:latin typeface="Arial" charset="0"/>
                 <a:cs typeface="Arial" charset="0"/>
               </a:rPr>
@@ -16710,7 +17676,7 @@
               <a:buFont typeface="Arial" charset="0"/>
               <a:buNone/>
             </a:pPr>
-            <a:endParaRPr lang="en-US">
+            <a:endParaRPr lang="en-US" dirty="0">
               <a:latin typeface="Arial" charset="0"/>
               <a:cs typeface="Arial" charset="0"/>
             </a:endParaRPr>
@@ -16721,11 +17687,11 @@
               <a:buNone/>
             </a:pPr>
             <a:r>
-              <a:rPr lang="en-US">
-                <a:latin typeface="Arial" charset="0"/>
-                <a:cs typeface="Arial" charset="0"/>
-              </a:rPr>
-              <a:t>	For this, we need Landau symbols and the associated asymptotic analysis</a:t>
+              <a:rPr lang="en-US" dirty="0">
+                <a:latin typeface="Arial" charset="0"/>
+                <a:cs typeface="Arial" charset="0"/>
+              </a:rPr>
+              <a:t>	For this, we need asymptotic analysis</a:t>
             </a:r>
           </a:p>
         </p:txBody>

--- a/slides/asymptotic_analysis.pptx
+++ b/slides/asymptotic_analysis.pptx
@@ -5,7 +5,7 @@
     <p:sldMasterId id="2147483648" r:id="rId1"/>
   </p:sldMasterIdLst>
   <p:notesMasterIdLst>
-    <p:notesMasterId r:id="rId42"/>
+    <p:notesMasterId r:id="rId41"/>
   </p:notesMasterIdLst>
   <p:sldIdLst>
     <p:sldId id="613" r:id="rId2"/>
@@ -39,15 +39,14 @@
     <p:sldId id="437" r:id="rId30"/>
     <p:sldId id="438" r:id="rId31"/>
     <p:sldId id="424" r:id="rId32"/>
-    <p:sldId id="425" r:id="rId33"/>
-    <p:sldId id="426" r:id="rId34"/>
-    <p:sldId id="427" r:id="rId35"/>
-    <p:sldId id="428" r:id="rId36"/>
-    <p:sldId id="432" r:id="rId37"/>
-    <p:sldId id="433" r:id="rId38"/>
-    <p:sldId id="434" r:id="rId39"/>
-    <p:sldId id="435" r:id="rId40"/>
-    <p:sldId id="619" r:id="rId41"/>
+    <p:sldId id="426" r:id="rId33"/>
+    <p:sldId id="427" r:id="rId34"/>
+    <p:sldId id="428" r:id="rId35"/>
+    <p:sldId id="432" r:id="rId36"/>
+    <p:sldId id="433" r:id="rId37"/>
+    <p:sldId id="434" r:id="rId38"/>
+    <p:sldId id="435" r:id="rId39"/>
+    <p:sldId id="619" r:id="rId40"/>
   </p:sldIdLst>
   <p:sldSz cx="12192000" cy="6858000"/>
   <p:notesSz cx="6858000" cy="9144000"/>
@@ -2846,7 +2845,7 @@
       </p:grpSpPr>
       <p:sp>
         <p:nvSpPr>
-          <p:cNvPr id="113666" name="Slide Image Placeholder 1"/>
+          <p:cNvPr id="114690" name="Slide Image Placeholder 1"/>
           <p:cNvSpPr>
             <a:spLocks noGrp="1" noRot="1" noChangeAspect="1" noTextEdit="1"/>
           </p:cNvSpPr>
@@ -2868,7 +2867,7 @@
       </p:sp>
       <p:sp>
         <p:nvSpPr>
-          <p:cNvPr id="113667" name="Notes Placeholder 2"/>
+          <p:cNvPr id="114691" name="Notes Placeholder 2"/>
           <p:cNvSpPr>
             <a:spLocks noGrp="1"/>
           </p:cNvSpPr>
@@ -2909,7 +2908,7 @@
             <a:pPr>
               <a:defRPr/>
             </a:pPr>
-            <a:fld id="{95D1605D-9E73-48C6-B145-0430DE70B250}" type="slidenum">
+            <a:fld id="{99169D27-A329-41BF-8842-676EB73F498E}" type="slidenum">
               <a:rPr lang="en-CA" smtClean="0"/>
               <a:pPr>
                 <a:defRPr/>
@@ -2947,7 +2946,7 @@
       </p:grpSpPr>
       <p:sp>
         <p:nvSpPr>
-          <p:cNvPr id="114690" name="Slide Image Placeholder 1"/>
+          <p:cNvPr id="115714" name="Slide Image Placeholder 1"/>
           <p:cNvSpPr>
             <a:spLocks noGrp="1" noRot="1" noChangeAspect="1" noTextEdit="1"/>
           </p:cNvSpPr>
@@ -2969,7 +2968,7 @@
       </p:sp>
       <p:sp>
         <p:nvSpPr>
-          <p:cNvPr id="114691" name="Notes Placeholder 2"/>
+          <p:cNvPr id="115715" name="Notes Placeholder 2"/>
           <p:cNvSpPr>
             <a:spLocks noGrp="1"/>
           </p:cNvSpPr>
@@ -3010,7 +3009,7 @@
             <a:pPr>
               <a:defRPr/>
             </a:pPr>
-            <a:fld id="{99169D27-A329-41BF-8842-676EB73F498E}" type="slidenum">
+            <a:fld id="{A14DD6F6-173E-45D3-A324-05FFF903804B}" type="slidenum">
               <a:rPr lang="en-CA" smtClean="0"/>
               <a:pPr>
                 <a:defRPr/>
@@ -3048,7 +3047,7 @@
       </p:grpSpPr>
       <p:sp>
         <p:nvSpPr>
-          <p:cNvPr id="115714" name="Slide Image Placeholder 1"/>
+          <p:cNvPr id="116738" name="Slide Image Placeholder 1"/>
           <p:cNvSpPr>
             <a:spLocks noGrp="1" noRot="1" noChangeAspect="1" noTextEdit="1"/>
           </p:cNvSpPr>
@@ -3070,7 +3069,7 @@
       </p:sp>
       <p:sp>
         <p:nvSpPr>
-          <p:cNvPr id="115715" name="Notes Placeholder 2"/>
+          <p:cNvPr id="116739" name="Notes Placeholder 2"/>
           <p:cNvSpPr>
             <a:spLocks noGrp="1"/>
           </p:cNvSpPr>
@@ -3111,7 +3110,7 @@
             <a:pPr>
               <a:defRPr/>
             </a:pPr>
-            <a:fld id="{A14DD6F6-173E-45D3-A324-05FFF903804B}" type="slidenum">
+            <a:fld id="{B60DE84F-A258-48D6-955F-2032494CFF0C}" type="slidenum">
               <a:rPr lang="en-CA" smtClean="0"/>
               <a:pPr>
                 <a:defRPr/>
@@ -3149,7 +3148,7 @@
       </p:grpSpPr>
       <p:sp>
         <p:nvSpPr>
-          <p:cNvPr id="116738" name="Slide Image Placeholder 1"/>
+          <p:cNvPr id="120834" name="Slide Image Placeholder 1"/>
           <p:cNvSpPr>
             <a:spLocks noGrp="1" noRot="1" noChangeAspect="1" noTextEdit="1"/>
           </p:cNvSpPr>
@@ -3171,7 +3170,7 @@
       </p:sp>
       <p:sp>
         <p:nvSpPr>
-          <p:cNvPr id="116739" name="Notes Placeholder 2"/>
+          <p:cNvPr id="120835" name="Notes Placeholder 2"/>
           <p:cNvSpPr>
             <a:spLocks noGrp="1"/>
           </p:cNvSpPr>
@@ -3212,7 +3211,7 @@
             <a:pPr>
               <a:defRPr/>
             </a:pPr>
-            <a:fld id="{B60DE84F-A258-48D6-955F-2032494CFF0C}" type="slidenum">
+            <a:fld id="{AC44E34E-8F37-46EE-B6C8-3AAD60642FCD}" type="slidenum">
               <a:rPr lang="en-CA" smtClean="0"/>
               <a:pPr>
                 <a:defRPr/>
@@ -3250,7 +3249,7 @@
       </p:grpSpPr>
       <p:sp>
         <p:nvSpPr>
-          <p:cNvPr id="120834" name="Slide Image Placeholder 1"/>
+          <p:cNvPr id="121858" name="Slide Image Placeholder 1"/>
           <p:cNvSpPr>
             <a:spLocks noGrp="1" noRot="1" noChangeAspect="1" noTextEdit="1"/>
           </p:cNvSpPr>
@@ -3272,7 +3271,7 @@
       </p:sp>
       <p:sp>
         <p:nvSpPr>
-          <p:cNvPr id="120835" name="Notes Placeholder 2"/>
+          <p:cNvPr id="121859" name="Notes Placeholder 2"/>
           <p:cNvSpPr>
             <a:spLocks noGrp="1"/>
           </p:cNvSpPr>
@@ -3313,12 +3312,12 @@
             <a:pPr>
               <a:defRPr/>
             </a:pPr>
-            <a:fld id="{AC44E34E-8F37-46EE-B6C8-3AAD60642FCD}" type="slidenum">
+            <a:fld id="{E931DA3C-2231-44C8-B4BA-E8D69011C6D5}" type="slidenum">
               <a:rPr lang="en-CA" smtClean="0"/>
               <a:pPr>
                 <a:defRPr/>
               </a:pPr>
-              <a:t>36</a:t>
+              <a:t>37</a:t>
             </a:fld>
             <a:endParaRPr lang="en-CA"/>
           </a:p>
@@ -3351,7 +3350,7 @@
       </p:grpSpPr>
       <p:sp>
         <p:nvSpPr>
-          <p:cNvPr id="121858" name="Slide Image Placeholder 1"/>
+          <p:cNvPr id="122882" name="Slide Image Placeholder 1"/>
           <p:cNvSpPr>
             <a:spLocks noGrp="1" noRot="1" noChangeAspect="1" noTextEdit="1"/>
           </p:cNvSpPr>
@@ -3373,107 +3372,6 @@
       </p:sp>
       <p:sp>
         <p:nvSpPr>
-          <p:cNvPr id="121859" name="Notes Placeholder 2"/>
-          <p:cNvSpPr>
-            <a:spLocks noGrp="1"/>
-          </p:cNvSpPr>
-          <p:nvPr>
-            <p:ph type="body" idx="1"/>
-          </p:nvPr>
-        </p:nvSpPr>
-        <p:spPr bwMode="auto">
-          <a:noFill/>
-        </p:spPr>
-        <p:txBody>
-          <a:bodyPr wrap="square" numCol="1" anchor="t" anchorCtr="0" compatLnSpc="1">
-            <a:prstTxWarp prst="textNoShape">
-              <a:avLst/>
-            </a:prstTxWarp>
-          </a:bodyPr>
-          <a:lstStyle/>
-          <a:p>
-            <a:endParaRPr lang="en-CA"/>
-          </a:p>
-        </p:txBody>
-      </p:sp>
-      <p:sp>
-        <p:nvSpPr>
-          <p:cNvPr id="4" name="Slide Number Placeholder 3"/>
-          <p:cNvSpPr>
-            <a:spLocks noGrp="1"/>
-          </p:cNvSpPr>
-          <p:nvPr>
-            <p:ph type="sldNum" sz="quarter" idx="5"/>
-          </p:nvPr>
-        </p:nvSpPr>
-        <p:spPr/>
-        <p:txBody>
-          <a:bodyPr/>
-          <a:lstStyle/>
-          <a:p>
-            <a:pPr>
-              <a:defRPr/>
-            </a:pPr>
-            <a:fld id="{E931DA3C-2231-44C8-B4BA-E8D69011C6D5}" type="slidenum">
-              <a:rPr lang="en-CA" smtClean="0"/>
-              <a:pPr>
-                <a:defRPr/>
-              </a:pPr>
-              <a:t>38</a:t>
-            </a:fld>
-            <a:endParaRPr lang="en-CA"/>
-          </a:p>
-        </p:txBody>
-      </p:sp>
-    </p:spTree>
-  </p:cSld>
-  <p:clrMapOvr>
-    <a:masterClrMapping/>
-  </p:clrMapOvr>
-</p:notes>
-</file>
-
-<file path=ppt/notesSlides/notesSlide36.xml><?xml version="1.0" encoding="utf-8"?>
-<p:notes xmlns:a="http://schemas.openxmlformats.org/drawingml/2006/main" xmlns:r="http://schemas.openxmlformats.org/officeDocument/2006/relationships" xmlns:p="http://schemas.openxmlformats.org/presentationml/2006/main">
-  <p:cSld>
-    <p:spTree>
-      <p:nvGrpSpPr>
-        <p:cNvPr id="1" name=""/>
-        <p:cNvGrpSpPr/>
-        <p:nvPr/>
-      </p:nvGrpSpPr>
-      <p:grpSpPr>
-        <a:xfrm>
-          <a:off x="0" y="0"/>
-          <a:ext cx="0" cy="0"/>
-          <a:chOff x="0" y="0"/>
-          <a:chExt cx="0" cy="0"/>
-        </a:xfrm>
-      </p:grpSpPr>
-      <p:sp>
-        <p:nvSpPr>
-          <p:cNvPr id="122882" name="Slide Image Placeholder 1"/>
-          <p:cNvSpPr>
-            <a:spLocks noGrp="1" noRot="1" noChangeAspect="1" noTextEdit="1"/>
-          </p:cNvSpPr>
-          <p:nvPr>
-            <p:ph type="sldImg"/>
-          </p:nvPr>
-        </p:nvSpPr>
-        <p:spPr bwMode="auto">
-          <a:noFill/>
-          <a:ln>
-            <a:solidFill>
-              <a:srgbClr val="000000"/>
-            </a:solidFill>
-            <a:miter lim="800000"/>
-            <a:headEnd/>
-            <a:tailEnd/>
-          </a:ln>
-        </p:spPr>
-      </p:sp>
-      <p:sp>
-        <p:nvSpPr>
           <p:cNvPr id="122883" name="Notes Placeholder 2"/>
           <p:cNvSpPr>
             <a:spLocks noGrp="1"/>
@@ -3520,7 +3418,7 @@
               <a:pPr>
                 <a:defRPr/>
               </a:pPr>
-              <a:t>39</a:t>
+              <a:t>38</a:t>
             </a:fld>
             <a:endParaRPr lang="en-CA"/>
           </a:p>
@@ -8306,7 +8204,7 @@
           <a:graphicData uri="http://schemas.openxmlformats.org/presentationml/2006/ole">
             <mc:AlternateContent xmlns:mc="http://schemas.openxmlformats.org/markup-compatibility/2006">
               <mc:Choice xmlns:v="urn:schemas-microsoft-com:vml" Requires="v">
-                <p:oleObj spid="_x0000_s2080" name="Equation" r:id="rId4" imgW="2387520" imgH="457200" progId="Equation.3">
+                <p:oleObj spid="_x0000_s2084" name="Equation" r:id="rId4" imgW="2387520" imgH="457200" progId="Equation.3">
                   <p:embed/>
                 </p:oleObj>
               </mc:Choice>
@@ -13684,7 +13582,7 @@
       </p:grpSpPr>
       <p:sp>
         <p:nvSpPr>
-          <p:cNvPr id="54274" name="Rectangle 2"/>
+          <p:cNvPr id="55298" name="Rectangle 2"/>
           <p:cNvSpPr>
             <a:spLocks noGrp="1" noChangeArrowheads="1"/>
           </p:cNvSpPr>
@@ -13723,7 +13621,7 @@
       </p:sp>
       <p:sp>
         <p:nvSpPr>
-          <p:cNvPr id="54275" name="Rectangle 3"/>
+          <p:cNvPr id="55299" name="Rectangle 3"/>
           <p:cNvSpPr>
             <a:spLocks noGrp="1" noChangeArrowheads="1"/>
           </p:cNvSpPr>
@@ -13745,14 +13643,228 @@
                 <a:latin typeface="Arial" charset="0"/>
                 <a:cs typeface="Arial" charset="0"/>
               </a:rPr>
-              <a:t>	Recall that with the equivalence class of all 19-year olds, we only had to pick one such student?</a:t>
+              <a:t>	The most common classes are given names:</a:t>
             </a:r>
           </a:p>
           <a:p>
             <a:pPr>
-              <a:buFont typeface="Arial" charset="0"/>
+              <a:buFontTx/>
               <a:buNone/>
             </a:pPr>
+            <a:r>
+              <a:rPr lang="en-US">
+                <a:latin typeface="Arial" charset="0"/>
+                <a:cs typeface="Arial" charset="0"/>
+              </a:rPr>
+              <a:t>		 </a:t>
+            </a:r>
+            <a:r>
+              <a:rPr lang="en-US" b="1">
+                <a:latin typeface="Symbol" pitchFamily="18" charset="2"/>
+                <a:cs typeface="Arial" charset="0"/>
+              </a:rPr>
+              <a:t>Q</a:t>
+            </a:r>
+            <a:r>
+              <a:rPr lang="en-US">
+                <a:latin typeface="Times New Roman" pitchFamily="18" charset="0"/>
+                <a:cs typeface="Arial" charset="0"/>
+              </a:rPr>
+              <a:t>(1)			</a:t>
+            </a:r>
+            <a:r>
+              <a:rPr lang="en-US">
+                <a:latin typeface="Arial" charset="0"/>
+                <a:cs typeface="Arial" charset="0"/>
+              </a:rPr>
+              <a:t>constant</a:t>
+            </a:r>
+          </a:p>
+          <a:p>
+            <a:pPr>
+              <a:buFontTx/>
+              <a:buNone/>
+            </a:pPr>
+            <a:r>
+              <a:rPr lang="en-US">
+                <a:latin typeface="Arial" charset="0"/>
+                <a:cs typeface="Arial" charset="0"/>
+              </a:rPr>
+              <a:t>		 </a:t>
+            </a:r>
+            <a:r>
+              <a:rPr lang="en-US" b="1">
+                <a:latin typeface="Symbol" pitchFamily="18" charset="2"/>
+                <a:cs typeface="Arial" charset="0"/>
+              </a:rPr>
+              <a:t>Q</a:t>
+            </a:r>
+            <a:r>
+              <a:rPr lang="en-US">
+                <a:latin typeface="Times New Roman" pitchFamily="18" charset="0"/>
+                <a:cs typeface="Arial" charset="0"/>
+              </a:rPr>
+              <a:t>(ln(</a:t>
+            </a:r>
+            <a:r>
+              <a:rPr lang="en-US" i="1">
+                <a:latin typeface="Times New Roman" pitchFamily="18" charset="0"/>
+                <a:cs typeface="Arial" charset="0"/>
+              </a:rPr>
+              <a:t>n</a:t>
+            </a:r>
+            <a:r>
+              <a:rPr lang="en-US">
+                <a:latin typeface="Times New Roman" pitchFamily="18" charset="0"/>
+                <a:cs typeface="Arial" charset="0"/>
+              </a:rPr>
+              <a:t>))		</a:t>
+            </a:r>
+            <a:r>
+              <a:rPr lang="en-US">
+                <a:latin typeface="Arial" charset="0"/>
+                <a:cs typeface="Arial" charset="0"/>
+              </a:rPr>
+              <a:t>logarithmic</a:t>
+            </a:r>
+          </a:p>
+          <a:p>
+            <a:pPr>
+              <a:buFontTx/>
+              <a:buNone/>
+            </a:pPr>
+            <a:r>
+              <a:rPr lang="en-US">
+                <a:latin typeface="Arial" charset="0"/>
+                <a:cs typeface="Arial" charset="0"/>
+              </a:rPr>
+              <a:t>		 </a:t>
+            </a:r>
+            <a:r>
+              <a:rPr lang="en-US" b="1">
+                <a:latin typeface="Symbol" pitchFamily="18" charset="2"/>
+                <a:cs typeface="Arial" charset="0"/>
+              </a:rPr>
+              <a:t>Q</a:t>
+            </a:r>
+            <a:r>
+              <a:rPr lang="en-US">
+                <a:latin typeface="Times New Roman" pitchFamily="18" charset="0"/>
+                <a:cs typeface="Arial" charset="0"/>
+              </a:rPr>
+              <a:t>(</a:t>
+            </a:r>
+            <a:r>
+              <a:rPr lang="en-US" i="1">
+                <a:latin typeface="Times New Roman" pitchFamily="18" charset="0"/>
+                <a:cs typeface="Arial" charset="0"/>
+              </a:rPr>
+              <a:t>n</a:t>
+            </a:r>
+            <a:r>
+              <a:rPr lang="en-US">
+                <a:latin typeface="Times New Roman" pitchFamily="18" charset="0"/>
+                <a:cs typeface="Arial" charset="0"/>
+              </a:rPr>
+              <a:t>)			</a:t>
+            </a:r>
+            <a:r>
+              <a:rPr lang="en-US">
+                <a:latin typeface="Arial" charset="0"/>
+                <a:cs typeface="Arial" charset="0"/>
+              </a:rPr>
+              <a:t>linear</a:t>
+            </a:r>
+          </a:p>
+          <a:p>
+            <a:pPr>
+              <a:buFontTx/>
+              <a:buNone/>
+            </a:pPr>
+            <a:r>
+              <a:rPr lang="en-US">
+                <a:latin typeface="Arial" charset="0"/>
+                <a:cs typeface="Arial" charset="0"/>
+              </a:rPr>
+              <a:t>		 </a:t>
+            </a:r>
+            <a:r>
+              <a:rPr lang="en-US" b="1">
+                <a:latin typeface="Symbol" pitchFamily="18" charset="2"/>
+                <a:cs typeface="Arial" charset="0"/>
+              </a:rPr>
+              <a:t>Q</a:t>
+            </a:r>
+            <a:r>
+              <a:rPr lang="en-US">
+                <a:latin typeface="Times New Roman" pitchFamily="18" charset="0"/>
+                <a:cs typeface="Arial" charset="0"/>
+              </a:rPr>
+              <a:t>(</a:t>
+            </a:r>
+            <a:r>
+              <a:rPr lang="en-US" i="1">
+                <a:latin typeface="Times New Roman" pitchFamily="18" charset="0"/>
+                <a:cs typeface="Arial" charset="0"/>
+              </a:rPr>
+              <a:t>n </a:t>
+            </a:r>
+            <a:r>
+              <a:rPr lang="en-US">
+                <a:latin typeface="Times New Roman" pitchFamily="18" charset="0"/>
+                <a:cs typeface="Arial" charset="0"/>
+              </a:rPr>
+              <a:t>ln(</a:t>
+            </a:r>
+            <a:r>
+              <a:rPr lang="en-US" i="1">
+                <a:latin typeface="Times New Roman" pitchFamily="18" charset="0"/>
+                <a:cs typeface="Arial" charset="0"/>
+              </a:rPr>
+              <a:t>n</a:t>
+            </a:r>
+            <a:r>
+              <a:rPr lang="en-US">
+                <a:latin typeface="Times New Roman" pitchFamily="18" charset="0"/>
+                <a:cs typeface="Arial" charset="0"/>
+              </a:rPr>
+              <a:t>))		</a:t>
+            </a:r>
+            <a:r>
+              <a:rPr lang="en-US">
+                <a:latin typeface="Arial" charset="0"/>
+                <a:cs typeface="Arial" charset="0"/>
+              </a:rPr>
+              <a:t>“</a:t>
+            </a:r>
+            <a:r>
+              <a:rPr lang="en-US" i="1">
+                <a:latin typeface="Times New Roman" pitchFamily="18" charset="0"/>
+                <a:cs typeface="Arial" charset="0"/>
+              </a:rPr>
+              <a:t>n</a:t>
+            </a:r>
+            <a:r>
+              <a:rPr lang="en-US">
+                <a:latin typeface="Arial" charset="0"/>
+                <a:cs typeface="Arial" charset="0"/>
+              </a:rPr>
+              <a:t> log </a:t>
+            </a:r>
+            <a:r>
+              <a:rPr lang="en-US" i="1">
+                <a:latin typeface="Times New Roman" pitchFamily="18" charset="0"/>
+                <a:cs typeface="Arial" charset="0"/>
+              </a:rPr>
+              <a:t>n</a:t>
+            </a:r>
+            <a:r>
+              <a:rPr lang="en-US" i="1">
+                <a:latin typeface="Arial" charset="0"/>
+                <a:cs typeface="Arial" charset="0"/>
+              </a:rPr>
+              <a:t>”</a:t>
+            </a:r>
             <a:endParaRPr lang="en-US">
               <a:latin typeface="Arial" charset="0"/>
               <a:cs typeface="Arial" charset="0"/>
@@ -13760,7 +13872,7 @@
           </a:p>
           <a:p>
             <a:pPr>
-              <a:buFont typeface="Arial" charset="0"/>
+              <a:buFontTx/>
               <a:buNone/>
             </a:pPr>
             <a:r>
@@ -13768,7 +13880,21 @@
                 <a:latin typeface="Arial" charset="0"/>
                 <a:cs typeface="Arial" charset="0"/>
               </a:rPr>
-              <a:t>	Similarly, we will select just one element to represent the entire class of these functions:  </a:t>
+              <a:t>		 </a:t>
+            </a:r>
+            <a:r>
+              <a:rPr lang="en-US" b="1">
+                <a:latin typeface="Symbol" pitchFamily="18" charset="2"/>
+                <a:cs typeface="Arial" charset="0"/>
+              </a:rPr>
+              <a:t>Q</a:t>
+            </a:r>
+            <a:r>
+              <a:rPr lang="en-US">
+                <a:latin typeface="Times New Roman" pitchFamily="18" charset="0"/>
+                <a:cs typeface="Arial" charset="0"/>
+              </a:rPr>
+              <a:t>(</a:t>
             </a:r>
             <a:r>
               <a:rPr lang="en-US" i="1">
@@ -13784,18 +13910,160 @@
               </a:rPr>
               <a:t>2</a:t>
             </a:r>
-          </a:p>
-          <a:p>
-            <a:pPr lvl="1"/>
             <a:r>
               <a:rPr lang="en-US">
-                <a:latin typeface="Arial" charset="0"/>
-                <a:cs typeface="Arial" charset="0"/>
-              </a:rPr>
-              <a:t>We could chose any function, but this is the simplest</a:t>
-            </a:r>
-            <a:endParaRPr lang="en-US">
-              <a:latin typeface="Times New Roman" pitchFamily="18" charset="0"/>
+                <a:latin typeface="Times New Roman" pitchFamily="18" charset="0"/>
+                <a:cs typeface="Arial" charset="0"/>
+              </a:rPr>
+              <a:t>)			</a:t>
+            </a:r>
+            <a:r>
+              <a:rPr lang="en-US">
+                <a:latin typeface="Arial" charset="0"/>
+                <a:cs typeface="Arial" charset="0"/>
+              </a:rPr>
+              <a:t>quadratic</a:t>
+            </a:r>
+          </a:p>
+          <a:p>
+            <a:pPr>
+              <a:buFontTx/>
+              <a:buNone/>
+            </a:pPr>
+            <a:r>
+              <a:rPr lang="en-US">
+                <a:latin typeface="Arial" charset="0"/>
+                <a:cs typeface="Arial" charset="0"/>
+              </a:rPr>
+              <a:t>		 </a:t>
+            </a:r>
+            <a:r>
+              <a:rPr lang="en-US" b="1">
+                <a:latin typeface="Symbol" pitchFamily="18" charset="2"/>
+                <a:cs typeface="Arial" charset="0"/>
+              </a:rPr>
+              <a:t>Q</a:t>
+            </a:r>
+            <a:r>
+              <a:rPr lang="en-US">
+                <a:latin typeface="Times New Roman" pitchFamily="18" charset="0"/>
+                <a:cs typeface="Arial" charset="0"/>
+              </a:rPr>
+              <a:t>(</a:t>
+            </a:r>
+            <a:r>
+              <a:rPr lang="en-US" i="1">
+                <a:latin typeface="Times New Roman" pitchFamily="18" charset="0"/>
+                <a:cs typeface="Arial" charset="0"/>
+              </a:rPr>
+              <a:t>n</a:t>
+            </a:r>
+            <a:r>
+              <a:rPr lang="en-US" baseline="30000">
+                <a:latin typeface="Times New Roman" pitchFamily="18" charset="0"/>
+                <a:cs typeface="Arial" charset="0"/>
+              </a:rPr>
+              <a:t>3</a:t>
+            </a:r>
+            <a:r>
+              <a:rPr lang="en-US">
+                <a:latin typeface="Times New Roman" pitchFamily="18" charset="0"/>
+                <a:cs typeface="Arial" charset="0"/>
+              </a:rPr>
+              <a:t>)			</a:t>
+            </a:r>
+            <a:r>
+              <a:rPr lang="en-US">
+                <a:latin typeface="Arial" charset="0"/>
+                <a:cs typeface="Arial" charset="0"/>
+              </a:rPr>
+              <a:t>cubic</a:t>
+            </a:r>
+          </a:p>
+          <a:p>
+            <a:pPr>
+              <a:buFontTx/>
+              <a:buNone/>
+            </a:pPr>
+            <a:r>
+              <a:rPr lang="en-US">
+                <a:latin typeface="Arial" charset="0"/>
+                <a:cs typeface="Arial" charset="0"/>
+              </a:rPr>
+              <a:t>		 </a:t>
+            </a:r>
+            <a:r>
+              <a:rPr lang="en-US">
+                <a:latin typeface="Times New Roman" pitchFamily="18" charset="0"/>
+                <a:cs typeface="Arial" charset="0"/>
+              </a:rPr>
+              <a:t>2</a:t>
+            </a:r>
+            <a:r>
+              <a:rPr lang="en-US" i="1" baseline="30000">
+                <a:latin typeface="Times New Roman" pitchFamily="18" charset="0"/>
+                <a:cs typeface="Arial" charset="0"/>
+              </a:rPr>
+              <a:t>n</a:t>
+            </a:r>
+            <a:r>
+              <a:rPr lang="en-US" i="1">
+                <a:latin typeface="Times New Roman" pitchFamily="18" charset="0"/>
+                <a:cs typeface="Arial" charset="0"/>
+              </a:rPr>
+              <a:t>, e</a:t>
+            </a:r>
+            <a:r>
+              <a:rPr lang="en-US" i="1" baseline="30000">
+                <a:latin typeface="Times New Roman" pitchFamily="18" charset="0"/>
+                <a:cs typeface="Arial" charset="0"/>
+              </a:rPr>
+              <a:t>n</a:t>
+            </a:r>
+            <a:r>
+              <a:rPr lang="en-US" i="1">
+                <a:latin typeface="Times New Roman" pitchFamily="18" charset="0"/>
+                <a:cs typeface="Arial" charset="0"/>
+              </a:rPr>
+              <a:t>, </a:t>
+            </a:r>
+            <a:r>
+              <a:rPr lang="en-US">
+                <a:latin typeface="Times New Roman" pitchFamily="18" charset="0"/>
+                <a:cs typeface="Arial" charset="0"/>
+              </a:rPr>
+              <a:t>4</a:t>
+            </a:r>
+            <a:r>
+              <a:rPr lang="en-US" i="1" baseline="30000">
+                <a:latin typeface="Times New Roman" pitchFamily="18" charset="0"/>
+                <a:cs typeface="Arial" charset="0"/>
+              </a:rPr>
+              <a:t>n</a:t>
+            </a:r>
+            <a:r>
+              <a:rPr lang="en-US" i="1">
+                <a:latin typeface="Times New Roman" pitchFamily="18" charset="0"/>
+                <a:cs typeface="Arial" charset="0"/>
+              </a:rPr>
+              <a:t>, ...</a:t>
+            </a:r>
+            <a:r>
+              <a:rPr lang="en-US">
+                <a:latin typeface="Times New Roman" pitchFamily="18" charset="0"/>
+                <a:cs typeface="Arial" charset="0"/>
+              </a:rPr>
+              <a:t>		</a:t>
+            </a:r>
+            <a:r>
+              <a:rPr lang="en-US">
+                <a:latin typeface="Arial" charset="0"/>
+                <a:cs typeface="Arial" charset="0"/>
+              </a:rPr>
+              <a:t>exponential</a:t>
+            </a:r>
+            <a:endParaRPr lang="en-US" baseline="30000">
+              <a:latin typeface="Arial" charset="0"/>
               <a:cs typeface="Arial" charset="0"/>
             </a:endParaRPr>
           </a:p>
@@ -13828,520 +14096,6 @@
       </p:grpSpPr>
       <p:sp>
         <p:nvSpPr>
-          <p:cNvPr id="55298" name="Rectangle 2"/>
-          <p:cNvSpPr>
-            <a:spLocks noGrp="1" noChangeArrowheads="1"/>
-          </p:cNvSpPr>
-          <p:nvPr>
-            <p:ph type="title"/>
-          </p:nvPr>
-        </p:nvSpPr>
-        <p:spPr/>
-        <p:txBody>
-          <a:bodyPr/>
-          <a:lstStyle/>
-          <a:p>
-            <a:r>
-              <a:rPr lang="en-US">
-                <a:latin typeface="Arial" charset="0"/>
-                <a:cs typeface="Arial" charset="0"/>
-              </a:rPr>
-              <a:t>Big-</a:t>
-            </a:r>
-            <a:r>
-              <a:rPr lang="en-US" b="1">
-                <a:latin typeface="Symbol" pitchFamily="18" charset="2"/>
-                <a:cs typeface="Arial" charset="0"/>
-              </a:rPr>
-              <a:t>Q</a:t>
-            </a:r>
-            <a:r>
-              <a:rPr lang="en-US">
-                <a:latin typeface="Arial" charset="0"/>
-                <a:cs typeface="Arial" charset="0"/>
-              </a:rPr>
-              <a:t> as an Equivalence Relation</a:t>
-            </a:r>
-          </a:p>
-        </p:txBody>
-      </p:sp>
-      <p:sp>
-        <p:nvSpPr>
-          <p:cNvPr id="55299" name="Rectangle 3"/>
-          <p:cNvSpPr>
-            <a:spLocks noGrp="1" noChangeArrowheads="1"/>
-          </p:cNvSpPr>
-          <p:nvPr>
-            <p:ph type="body" idx="1"/>
-          </p:nvPr>
-        </p:nvSpPr>
-        <p:spPr/>
-        <p:txBody>
-          <a:bodyPr/>
-          <a:lstStyle/>
-          <a:p>
-            <a:pPr>
-              <a:buFont typeface="Arial" charset="0"/>
-              <a:buNone/>
-            </a:pPr>
-            <a:r>
-              <a:rPr lang="en-US">
-                <a:latin typeface="Arial" charset="0"/>
-                <a:cs typeface="Arial" charset="0"/>
-              </a:rPr>
-              <a:t>	The most common classes are given names:</a:t>
-            </a:r>
-          </a:p>
-          <a:p>
-            <a:pPr>
-              <a:buFontTx/>
-              <a:buNone/>
-            </a:pPr>
-            <a:r>
-              <a:rPr lang="en-US">
-                <a:latin typeface="Arial" charset="0"/>
-                <a:cs typeface="Arial" charset="0"/>
-              </a:rPr>
-              <a:t>		 </a:t>
-            </a:r>
-            <a:r>
-              <a:rPr lang="en-US" b="1">
-                <a:latin typeface="Symbol" pitchFamily="18" charset="2"/>
-                <a:cs typeface="Arial" charset="0"/>
-              </a:rPr>
-              <a:t>Q</a:t>
-            </a:r>
-            <a:r>
-              <a:rPr lang="en-US">
-                <a:latin typeface="Times New Roman" pitchFamily="18" charset="0"/>
-                <a:cs typeface="Arial" charset="0"/>
-              </a:rPr>
-              <a:t>(1)			</a:t>
-            </a:r>
-            <a:r>
-              <a:rPr lang="en-US">
-                <a:latin typeface="Arial" charset="0"/>
-                <a:cs typeface="Arial" charset="0"/>
-              </a:rPr>
-              <a:t>constant</a:t>
-            </a:r>
-          </a:p>
-          <a:p>
-            <a:pPr>
-              <a:buFontTx/>
-              <a:buNone/>
-            </a:pPr>
-            <a:r>
-              <a:rPr lang="en-US">
-                <a:latin typeface="Arial" charset="0"/>
-                <a:cs typeface="Arial" charset="0"/>
-              </a:rPr>
-              <a:t>		 </a:t>
-            </a:r>
-            <a:r>
-              <a:rPr lang="en-US" b="1">
-                <a:latin typeface="Symbol" pitchFamily="18" charset="2"/>
-                <a:cs typeface="Arial" charset="0"/>
-              </a:rPr>
-              <a:t>Q</a:t>
-            </a:r>
-            <a:r>
-              <a:rPr lang="en-US">
-                <a:latin typeface="Times New Roman" pitchFamily="18" charset="0"/>
-                <a:cs typeface="Arial" charset="0"/>
-              </a:rPr>
-              <a:t>(ln(</a:t>
-            </a:r>
-            <a:r>
-              <a:rPr lang="en-US" i="1">
-                <a:latin typeface="Times New Roman" pitchFamily="18" charset="0"/>
-                <a:cs typeface="Arial" charset="0"/>
-              </a:rPr>
-              <a:t>n</a:t>
-            </a:r>
-            <a:r>
-              <a:rPr lang="en-US">
-                <a:latin typeface="Times New Roman" pitchFamily="18" charset="0"/>
-                <a:cs typeface="Arial" charset="0"/>
-              </a:rPr>
-              <a:t>))		</a:t>
-            </a:r>
-            <a:r>
-              <a:rPr lang="en-US">
-                <a:latin typeface="Arial" charset="0"/>
-                <a:cs typeface="Arial" charset="0"/>
-              </a:rPr>
-              <a:t>logarithmic</a:t>
-            </a:r>
-          </a:p>
-          <a:p>
-            <a:pPr>
-              <a:buFontTx/>
-              <a:buNone/>
-            </a:pPr>
-            <a:r>
-              <a:rPr lang="en-US">
-                <a:latin typeface="Arial" charset="0"/>
-                <a:cs typeface="Arial" charset="0"/>
-              </a:rPr>
-              <a:t>		 </a:t>
-            </a:r>
-            <a:r>
-              <a:rPr lang="en-US" b="1">
-                <a:latin typeface="Symbol" pitchFamily="18" charset="2"/>
-                <a:cs typeface="Arial" charset="0"/>
-              </a:rPr>
-              <a:t>Q</a:t>
-            </a:r>
-            <a:r>
-              <a:rPr lang="en-US">
-                <a:latin typeface="Times New Roman" pitchFamily="18" charset="0"/>
-                <a:cs typeface="Arial" charset="0"/>
-              </a:rPr>
-              <a:t>(</a:t>
-            </a:r>
-            <a:r>
-              <a:rPr lang="en-US" i="1">
-                <a:latin typeface="Times New Roman" pitchFamily="18" charset="0"/>
-                <a:cs typeface="Arial" charset="0"/>
-              </a:rPr>
-              <a:t>n</a:t>
-            </a:r>
-            <a:r>
-              <a:rPr lang="en-US">
-                <a:latin typeface="Times New Roman" pitchFamily="18" charset="0"/>
-                <a:cs typeface="Arial" charset="0"/>
-              </a:rPr>
-              <a:t>)			</a:t>
-            </a:r>
-            <a:r>
-              <a:rPr lang="en-US">
-                <a:latin typeface="Arial" charset="0"/>
-                <a:cs typeface="Arial" charset="0"/>
-              </a:rPr>
-              <a:t>linear</a:t>
-            </a:r>
-          </a:p>
-          <a:p>
-            <a:pPr>
-              <a:buFontTx/>
-              <a:buNone/>
-            </a:pPr>
-            <a:r>
-              <a:rPr lang="en-US">
-                <a:latin typeface="Arial" charset="0"/>
-                <a:cs typeface="Arial" charset="0"/>
-              </a:rPr>
-              <a:t>		 </a:t>
-            </a:r>
-            <a:r>
-              <a:rPr lang="en-US" b="1">
-                <a:latin typeface="Symbol" pitchFamily="18" charset="2"/>
-                <a:cs typeface="Arial" charset="0"/>
-              </a:rPr>
-              <a:t>Q</a:t>
-            </a:r>
-            <a:r>
-              <a:rPr lang="en-US">
-                <a:latin typeface="Times New Roman" pitchFamily="18" charset="0"/>
-                <a:cs typeface="Arial" charset="0"/>
-              </a:rPr>
-              <a:t>(</a:t>
-            </a:r>
-            <a:r>
-              <a:rPr lang="en-US" i="1">
-                <a:latin typeface="Times New Roman" pitchFamily="18" charset="0"/>
-                <a:cs typeface="Arial" charset="0"/>
-              </a:rPr>
-              <a:t>n </a:t>
-            </a:r>
-            <a:r>
-              <a:rPr lang="en-US">
-                <a:latin typeface="Times New Roman" pitchFamily="18" charset="0"/>
-                <a:cs typeface="Arial" charset="0"/>
-              </a:rPr>
-              <a:t>ln(</a:t>
-            </a:r>
-            <a:r>
-              <a:rPr lang="en-US" i="1">
-                <a:latin typeface="Times New Roman" pitchFamily="18" charset="0"/>
-                <a:cs typeface="Arial" charset="0"/>
-              </a:rPr>
-              <a:t>n</a:t>
-            </a:r>
-            <a:r>
-              <a:rPr lang="en-US">
-                <a:latin typeface="Times New Roman" pitchFamily="18" charset="0"/>
-                <a:cs typeface="Arial" charset="0"/>
-              </a:rPr>
-              <a:t>))		</a:t>
-            </a:r>
-            <a:r>
-              <a:rPr lang="en-US">
-                <a:latin typeface="Arial" charset="0"/>
-                <a:cs typeface="Arial" charset="0"/>
-              </a:rPr>
-              <a:t>“</a:t>
-            </a:r>
-            <a:r>
-              <a:rPr lang="en-US" i="1">
-                <a:latin typeface="Times New Roman" pitchFamily="18" charset="0"/>
-                <a:cs typeface="Arial" charset="0"/>
-              </a:rPr>
-              <a:t>n</a:t>
-            </a:r>
-            <a:r>
-              <a:rPr lang="en-US">
-                <a:latin typeface="Arial" charset="0"/>
-                <a:cs typeface="Arial" charset="0"/>
-              </a:rPr>
-              <a:t> log </a:t>
-            </a:r>
-            <a:r>
-              <a:rPr lang="en-US" i="1">
-                <a:latin typeface="Times New Roman" pitchFamily="18" charset="0"/>
-                <a:cs typeface="Arial" charset="0"/>
-              </a:rPr>
-              <a:t>n</a:t>
-            </a:r>
-            <a:r>
-              <a:rPr lang="en-US" i="1">
-                <a:latin typeface="Arial" charset="0"/>
-                <a:cs typeface="Arial" charset="0"/>
-              </a:rPr>
-              <a:t>”</a:t>
-            </a:r>
-            <a:endParaRPr lang="en-US">
-              <a:latin typeface="Arial" charset="0"/>
-              <a:cs typeface="Arial" charset="0"/>
-            </a:endParaRPr>
-          </a:p>
-          <a:p>
-            <a:pPr>
-              <a:buFontTx/>
-              <a:buNone/>
-            </a:pPr>
-            <a:r>
-              <a:rPr lang="en-US">
-                <a:latin typeface="Arial" charset="0"/>
-                <a:cs typeface="Arial" charset="0"/>
-              </a:rPr>
-              <a:t>		 </a:t>
-            </a:r>
-            <a:r>
-              <a:rPr lang="en-US" b="1">
-                <a:latin typeface="Symbol" pitchFamily="18" charset="2"/>
-                <a:cs typeface="Arial" charset="0"/>
-              </a:rPr>
-              <a:t>Q</a:t>
-            </a:r>
-            <a:r>
-              <a:rPr lang="en-US">
-                <a:latin typeface="Times New Roman" pitchFamily="18" charset="0"/>
-                <a:cs typeface="Arial" charset="0"/>
-              </a:rPr>
-              <a:t>(</a:t>
-            </a:r>
-            <a:r>
-              <a:rPr lang="en-US" i="1">
-                <a:latin typeface="Times New Roman" pitchFamily="18" charset="0"/>
-                <a:cs typeface="Arial" charset="0"/>
-              </a:rPr>
-              <a:t>n</a:t>
-            </a:r>
-            <a:r>
-              <a:rPr lang="en-US" baseline="30000">
-                <a:latin typeface="Times New Roman" pitchFamily="18" charset="0"/>
-                <a:cs typeface="Arial" charset="0"/>
-              </a:rPr>
-              <a:t>2</a:t>
-            </a:r>
-            <a:r>
-              <a:rPr lang="en-US">
-                <a:latin typeface="Times New Roman" pitchFamily="18" charset="0"/>
-                <a:cs typeface="Arial" charset="0"/>
-              </a:rPr>
-              <a:t>)			</a:t>
-            </a:r>
-            <a:r>
-              <a:rPr lang="en-US">
-                <a:latin typeface="Arial" charset="0"/>
-                <a:cs typeface="Arial" charset="0"/>
-              </a:rPr>
-              <a:t>quadratic</a:t>
-            </a:r>
-          </a:p>
-          <a:p>
-            <a:pPr>
-              <a:buFontTx/>
-              <a:buNone/>
-            </a:pPr>
-            <a:r>
-              <a:rPr lang="en-US">
-                <a:latin typeface="Arial" charset="0"/>
-                <a:cs typeface="Arial" charset="0"/>
-              </a:rPr>
-              <a:t>		 </a:t>
-            </a:r>
-            <a:r>
-              <a:rPr lang="en-US" b="1">
-                <a:latin typeface="Symbol" pitchFamily="18" charset="2"/>
-                <a:cs typeface="Arial" charset="0"/>
-              </a:rPr>
-              <a:t>Q</a:t>
-            </a:r>
-            <a:r>
-              <a:rPr lang="en-US">
-                <a:latin typeface="Times New Roman" pitchFamily="18" charset="0"/>
-                <a:cs typeface="Arial" charset="0"/>
-              </a:rPr>
-              <a:t>(</a:t>
-            </a:r>
-            <a:r>
-              <a:rPr lang="en-US" i="1">
-                <a:latin typeface="Times New Roman" pitchFamily="18" charset="0"/>
-                <a:cs typeface="Arial" charset="0"/>
-              </a:rPr>
-              <a:t>n</a:t>
-            </a:r>
-            <a:r>
-              <a:rPr lang="en-US" baseline="30000">
-                <a:latin typeface="Times New Roman" pitchFamily="18" charset="0"/>
-                <a:cs typeface="Arial" charset="0"/>
-              </a:rPr>
-              <a:t>3</a:t>
-            </a:r>
-            <a:r>
-              <a:rPr lang="en-US">
-                <a:latin typeface="Times New Roman" pitchFamily="18" charset="0"/>
-                <a:cs typeface="Arial" charset="0"/>
-              </a:rPr>
-              <a:t>)			</a:t>
-            </a:r>
-            <a:r>
-              <a:rPr lang="en-US">
-                <a:latin typeface="Arial" charset="0"/>
-                <a:cs typeface="Arial" charset="0"/>
-              </a:rPr>
-              <a:t>cubic</a:t>
-            </a:r>
-          </a:p>
-          <a:p>
-            <a:pPr>
-              <a:buFontTx/>
-              <a:buNone/>
-            </a:pPr>
-            <a:r>
-              <a:rPr lang="en-US">
-                <a:latin typeface="Arial" charset="0"/>
-                <a:cs typeface="Arial" charset="0"/>
-              </a:rPr>
-              <a:t>		 </a:t>
-            </a:r>
-            <a:r>
-              <a:rPr lang="en-US">
-                <a:latin typeface="Times New Roman" pitchFamily="18" charset="0"/>
-                <a:cs typeface="Arial" charset="0"/>
-              </a:rPr>
-              <a:t>2</a:t>
-            </a:r>
-            <a:r>
-              <a:rPr lang="en-US" i="1" baseline="30000">
-                <a:latin typeface="Times New Roman" pitchFamily="18" charset="0"/>
-                <a:cs typeface="Arial" charset="0"/>
-              </a:rPr>
-              <a:t>n</a:t>
-            </a:r>
-            <a:r>
-              <a:rPr lang="en-US" i="1">
-                <a:latin typeface="Times New Roman" pitchFamily="18" charset="0"/>
-                <a:cs typeface="Arial" charset="0"/>
-              </a:rPr>
-              <a:t>, e</a:t>
-            </a:r>
-            <a:r>
-              <a:rPr lang="en-US" i="1" baseline="30000">
-                <a:latin typeface="Times New Roman" pitchFamily="18" charset="0"/>
-                <a:cs typeface="Arial" charset="0"/>
-              </a:rPr>
-              <a:t>n</a:t>
-            </a:r>
-            <a:r>
-              <a:rPr lang="en-US" i="1">
-                <a:latin typeface="Times New Roman" pitchFamily="18" charset="0"/>
-                <a:cs typeface="Arial" charset="0"/>
-              </a:rPr>
-              <a:t>, </a:t>
-            </a:r>
-            <a:r>
-              <a:rPr lang="en-US">
-                <a:latin typeface="Times New Roman" pitchFamily="18" charset="0"/>
-                <a:cs typeface="Arial" charset="0"/>
-              </a:rPr>
-              <a:t>4</a:t>
-            </a:r>
-            <a:r>
-              <a:rPr lang="en-US" i="1" baseline="30000">
-                <a:latin typeface="Times New Roman" pitchFamily="18" charset="0"/>
-                <a:cs typeface="Arial" charset="0"/>
-              </a:rPr>
-              <a:t>n</a:t>
-            </a:r>
-            <a:r>
-              <a:rPr lang="en-US" i="1">
-                <a:latin typeface="Times New Roman" pitchFamily="18" charset="0"/>
-                <a:cs typeface="Arial" charset="0"/>
-              </a:rPr>
-              <a:t>, ...</a:t>
-            </a:r>
-            <a:r>
-              <a:rPr lang="en-US">
-                <a:latin typeface="Times New Roman" pitchFamily="18" charset="0"/>
-                <a:cs typeface="Arial" charset="0"/>
-              </a:rPr>
-              <a:t>		</a:t>
-            </a:r>
-            <a:r>
-              <a:rPr lang="en-US">
-                <a:latin typeface="Arial" charset="0"/>
-                <a:cs typeface="Arial" charset="0"/>
-              </a:rPr>
-              <a:t>exponential</a:t>
-            </a:r>
-            <a:endParaRPr lang="en-US" baseline="30000">
-              <a:latin typeface="Arial" charset="0"/>
-              <a:cs typeface="Arial" charset="0"/>
-            </a:endParaRPr>
-          </a:p>
-        </p:txBody>
-      </p:sp>
-    </p:spTree>
-  </p:cSld>
-  <p:clrMapOvr>
-    <a:masterClrMapping/>
-  </p:clrMapOvr>
-</p:sld>
-</file>
-
-<file path=ppt/slides/slide34.xml><?xml version="1.0" encoding="utf-8"?>
-<p:sld xmlns:a="http://schemas.openxmlformats.org/drawingml/2006/main" xmlns:r="http://schemas.openxmlformats.org/officeDocument/2006/relationships" xmlns:p="http://schemas.openxmlformats.org/presentationml/2006/main">
-  <p:cSld>
-    <p:spTree>
-      <p:nvGrpSpPr>
-        <p:cNvPr id="1" name=""/>
-        <p:cNvGrpSpPr/>
-        <p:nvPr/>
-      </p:nvGrpSpPr>
-      <p:grpSpPr>
-        <a:xfrm>
-          <a:off x="0" y="0"/>
-          <a:ext cx="0" cy="0"/>
-          <a:chOff x="0" y="0"/>
-          <a:chExt cx="0" cy="0"/>
-        </a:xfrm>
-      </p:grpSpPr>
-      <p:sp>
-        <p:nvSpPr>
           <p:cNvPr id="7171" name="Rectangle 2"/>
           <p:cNvSpPr>
             <a:spLocks noGrp="1" noChangeArrowheads="1"/>
@@ -14599,10 +14353,10 @@
             </a:r>
             <a:r>
               <a:rPr lang="en-US" b="1" dirty="0">
-                <a:latin typeface="Times New Roman" pitchFamily="18" charset="0"/>
-                <a:cs typeface="Arial" charset="0"/>
-              </a:rPr>
-              <a:t>o</a:t>
+                <a:latin typeface="Symbol" pitchFamily="18" charset="2"/>
+                <a:cs typeface="Arial" charset="0"/>
+              </a:rPr>
+              <a:t>Q</a:t>
             </a:r>
             <a:r>
               <a:rPr lang="en-US" dirty="0">
@@ -14687,7 +14441,7 @@
           <a:graphicData uri="http://schemas.openxmlformats.org/presentationml/2006/ole">
             <mc:AlternateContent xmlns:mc="http://schemas.openxmlformats.org/markup-compatibility/2006">
               <mc:Choice xmlns:v="urn:schemas-microsoft-com:vml" Requires="v">
-                <p:oleObj spid="_x0000_s3103" name="Equation" r:id="rId4" imgW="1447560" imgH="469800" progId="Equation.3">
+                <p:oleObj spid="_x0000_s3107" name="Equation" r:id="rId4" imgW="1447560" imgH="469800" progId="Equation.3">
                   <p:embed/>
                 </p:oleObj>
               </mc:Choice>
@@ -14749,7 +14503,7 @@
 </p:sld>
 </file>
 
-<file path=ppt/slides/slide35.xml><?xml version="1.0" encoding="utf-8"?>
+<file path=ppt/slides/slide34.xml><?xml version="1.0" encoding="utf-8"?>
 <p:sld xmlns:a="http://schemas.openxmlformats.org/drawingml/2006/main" xmlns:r="http://schemas.openxmlformats.org/officeDocument/2006/relationships" xmlns:p="http://schemas.openxmlformats.org/presentationml/2006/main">
   <p:cSld>
     <p:spTree>
@@ -15063,7 +14817,7 @@
 </p:sld>
 </file>
 
-<file path=ppt/slides/slide36.xml><?xml version="1.0" encoding="utf-8"?>
+<file path=ppt/slides/slide35.xml><?xml version="1.0" encoding="utf-8"?>
 <p:sld xmlns:a="http://schemas.openxmlformats.org/drawingml/2006/main" xmlns:r="http://schemas.openxmlformats.org/officeDocument/2006/relationships" xmlns:p="http://schemas.openxmlformats.org/presentationml/2006/main">
   <p:cSld>
     <p:spTree>
@@ -15188,7 +14942,7 @@
 </p:sld>
 </file>
 
-<file path=ppt/slides/slide37.xml><?xml version="1.0" encoding="utf-8"?>
+<file path=ppt/slides/slide36.xml><?xml version="1.0" encoding="utf-8"?>
 <p:sld xmlns:a="http://schemas.openxmlformats.org/drawingml/2006/main" xmlns:r="http://schemas.openxmlformats.org/officeDocument/2006/relationships" xmlns:p="http://schemas.openxmlformats.org/presentationml/2006/main">
   <p:cSld>
     <p:spTree>
@@ -15243,7 +14997,7 @@
         <p:spPr/>
         <p:txBody>
           <a:bodyPr>
-            <a:normAutofit lnSpcReduction="10000"/>
+            <a:normAutofit/>
           </a:bodyPr>
           <a:lstStyle/>
           <a:p>
@@ -15256,7 +15010,21 @@
                 <a:latin typeface="Arial" charset="0"/>
                 <a:cs typeface="Arial" charset="0"/>
               </a:rPr>
-              <a:t>	We will use Landau symbols to describe the complexity of algorithms</a:t>
+              <a:t>	We will use </a:t>
+            </a:r>
+            <a:r>
+              <a:rPr lang="en-US" b="1" dirty="0">
+                <a:latin typeface="Symbol" pitchFamily="18" charset="2"/>
+                <a:cs typeface="Arial" charset="0"/>
+              </a:rPr>
+              <a:t>Q</a:t>
+            </a:r>
+            <a:r>
+              <a:rPr lang="en-CA" dirty="0">
+                <a:latin typeface="Arial" charset="0"/>
+                <a:cs typeface="Arial" charset="0"/>
+              </a:rPr>
+              <a:t> symbols to describe the complexity of algorithms</a:t>
             </a:r>
           </a:p>
           <a:p>
@@ -15352,11 +15120,18 @@
               <a:t> if its run-time may be described by </a:t>
             </a:r>
             <a:r>
+              <a:rPr lang="en-US" b="1" dirty="0">
+                <a:latin typeface="Symbol" pitchFamily="18" charset="2"/>
+                <a:cs typeface="Arial" charset="0"/>
+              </a:rPr>
+              <a:t>Q</a:t>
+            </a:r>
+            <a:r>
               <a:rPr lang="en-CA" dirty="0">
                 <a:latin typeface="Times New Roman" pitchFamily="18" charset="0"/>
                 <a:cs typeface="Times New Roman" pitchFamily="18" charset="0"/>
               </a:rPr>
-              <a:t>O(</a:t>
+              <a:t>(</a:t>
             </a:r>
             <a:r>
               <a:rPr lang="en-CA" i="1" dirty="0" err="1">
@@ -15553,7 +15328,7 @@
 </p:sld>
 </file>
 
-<file path=ppt/slides/slide38.xml><?xml version="1.0" encoding="utf-8"?>
+<file path=ppt/slides/slide37.xml><?xml version="1.0" encoding="utf-8"?>
 <p:sld xmlns:a="http://schemas.openxmlformats.org/drawingml/2006/main" xmlns:r="http://schemas.openxmlformats.org/officeDocument/2006/relationships" xmlns:p="http://schemas.openxmlformats.org/presentationml/2006/main">
   <p:cSld>
     <p:spTree>
@@ -15714,6 +15489,122 @@
 </p:sld>
 </file>
 
+<file path=ppt/slides/slide38.xml><?xml version="1.0" encoding="utf-8"?>
+<p:sld xmlns:a="http://schemas.openxmlformats.org/drawingml/2006/main" xmlns:r="http://schemas.openxmlformats.org/officeDocument/2006/relationships" xmlns:p="http://schemas.openxmlformats.org/presentationml/2006/main">
+  <p:cSld>
+    <p:spTree>
+      <p:nvGrpSpPr>
+        <p:cNvPr id="1" name=""/>
+        <p:cNvGrpSpPr/>
+        <p:nvPr/>
+      </p:nvGrpSpPr>
+      <p:grpSpPr>
+        <a:xfrm>
+          <a:off x="0" y="0"/>
+          <a:ext cx="0" cy="0"/>
+          <a:chOff x="0" y="0"/>
+          <a:chExt cx="0" cy="0"/>
+        </a:xfrm>
+      </p:grpSpPr>
+      <p:sp>
+        <p:nvSpPr>
+          <p:cNvPr id="62466" name="Rectangle 2"/>
+          <p:cNvSpPr>
+            <a:spLocks noGrp="1" noChangeArrowheads="1"/>
+          </p:cNvSpPr>
+          <p:nvPr>
+            <p:ph type="title"/>
+          </p:nvPr>
+        </p:nvSpPr>
+        <p:spPr/>
+        <p:txBody>
+          <a:bodyPr/>
+          <a:lstStyle/>
+          <a:p>
+            <a:r>
+              <a:rPr lang="en-US">
+                <a:latin typeface="Arial" charset="0"/>
+                <a:cs typeface="Arial" charset="0"/>
+              </a:rPr>
+              <a:t>Summary</a:t>
+            </a:r>
+          </a:p>
+        </p:txBody>
+      </p:sp>
+      <p:sp>
+        <p:nvSpPr>
+          <p:cNvPr id="62467" name="Rectangle 3"/>
+          <p:cNvSpPr>
+            <a:spLocks noGrp="1" noChangeArrowheads="1"/>
+          </p:cNvSpPr>
+          <p:nvPr>
+            <p:ph type="body" idx="1"/>
+          </p:nvPr>
+        </p:nvSpPr>
+        <p:spPr/>
+        <p:txBody>
+          <a:bodyPr/>
+          <a:lstStyle/>
+          <a:p>
+            <a:pPr>
+              <a:buFont typeface="Arial" charset="0"/>
+              <a:buNone/>
+            </a:pPr>
+            <a:r>
+              <a:rPr lang="en-US" dirty="0">
+                <a:latin typeface="Arial" charset="0"/>
+                <a:cs typeface="Arial" charset="0"/>
+              </a:rPr>
+              <a:t>	In this class, we have:</a:t>
+            </a:r>
+          </a:p>
+          <a:p>
+            <a:pPr lvl="1"/>
+            <a:r>
+              <a:rPr lang="en-US" dirty="0">
+                <a:latin typeface="Arial" charset="0"/>
+                <a:cs typeface="Arial" charset="0"/>
+              </a:rPr>
+              <a:t>Introducing the new notation: </a:t>
+            </a:r>
+            <a:r>
+              <a:rPr lang="en-US" b="1" dirty="0">
+                <a:latin typeface="Symbol" pitchFamily="18" charset="2"/>
+                <a:cs typeface="Arial" charset="0"/>
+              </a:rPr>
+              <a:t>Q </a:t>
+            </a:r>
+          </a:p>
+          <a:p>
+            <a:pPr lvl="1"/>
+            <a:r>
+              <a:rPr lang="en-US" dirty="0">
+                <a:latin typeface="Arial" charset="0"/>
+                <a:cs typeface="Arial" charset="0"/>
+              </a:rPr>
+              <a:t>Discussed how to use these</a:t>
+            </a:r>
+          </a:p>
+          <a:p>
+            <a:pPr lvl="1"/>
+            <a:r>
+              <a:rPr lang="en-US" dirty="0">
+                <a:latin typeface="Arial" charset="0"/>
+                <a:cs typeface="Arial" charset="0"/>
+              </a:rPr>
+              <a:t>Looked at the equivalence relations</a:t>
+            </a:r>
+          </a:p>
+        </p:txBody>
+      </p:sp>
+    </p:spTree>
+  </p:cSld>
+  <p:clrMapOvr>
+    <a:masterClrMapping/>
+  </p:clrMapOvr>
+</p:sld>
+</file>
+
 <file path=ppt/slides/slide39.xml><?xml version="1.0" encoding="utf-8"?>
 <p:sld xmlns:a="http://schemas.openxmlformats.org/drawingml/2006/main" xmlns:r="http://schemas.openxmlformats.org/officeDocument/2006/relationships" xmlns:p="http://schemas.openxmlformats.org/presentationml/2006/main">
   <p:cSld>
@@ -15733,9 +15624,15 @@
       </p:grpSpPr>
       <p:sp>
         <p:nvSpPr>
-          <p:cNvPr id="62466" name="Rectangle 2"/>
-          <p:cNvSpPr>
-            <a:spLocks noGrp="1" noChangeArrowheads="1"/>
+          <p:cNvPr id="2" name="Title 1">
+            <a:extLst>
+              <a:ext uri="{FF2B5EF4-FFF2-40B4-BE49-F238E27FC236}">
+                <a16:creationId xmlns:a16="http://schemas.microsoft.com/office/drawing/2014/main" id="{ABD76339-190F-BE4C-A3F1-8DA98773FC23}"/>
+              </a:ext>
+            </a:extLst>
+          </p:cNvPr>
+          <p:cNvSpPr>
+            <a:spLocks noGrp="1"/>
           </p:cNvSpPr>
           <p:nvPr>
             <p:ph type="title"/>
@@ -15747,100 +15644,214 @@
           <a:lstStyle/>
           <a:p>
             <a:r>
-              <a:rPr lang="en-US">
-                <a:latin typeface="Arial" charset="0"/>
-                <a:cs typeface="Arial" charset="0"/>
-              </a:rPr>
-              <a:t>Summary</a:t>
-            </a:r>
-          </a:p>
-        </p:txBody>
-      </p:sp>
-      <p:sp>
-        <p:nvSpPr>
-          <p:cNvPr id="62467" name="Rectangle 3"/>
-          <p:cNvSpPr>
-            <a:spLocks noGrp="1" noChangeArrowheads="1"/>
-          </p:cNvSpPr>
-          <p:nvPr>
-            <p:ph type="body" idx="1"/>
+              <a:rPr lang="en-US" dirty="0"/>
+              <a:t>LAB 1</a:t>
+            </a:r>
+          </a:p>
+        </p:txBody>
+      </p:sp>
+      <p:sp>
+        <p:nvSpPr>
+          <p:cNvPr id="3" name="Content Placeholder 2">
+            <a:extLst>
+              <a:ext uri="{FF2B5EF4-FFF2-40B4-BE49-F238E27FC236}">
+                <a16:creationId xmlns:a16="http://schemas.microsoft.com/office/drawing/2014/main" id="{6B23FBB0-3F73-8646-83FC-C2FC364FEAF7}"/>
+              </a:ext>
+            </a:extLst>
+          </p:cNvPr>
+          <p:cNvSpPr>
+            <a:spLocks noGrp="1"/>
+          </p:cNvSpPr>
+          <p:nvPr>
+            <p:ph idx="1"/>
           </p:nvPr>
         </p:nvSpPr>
         <p:spPr/>
         <p:txBody>
-          <a:bodyPr/>
-          <a:lstStyle/>
-          <a:p>
-            <a:pPr>
-              <a:buFont typeface="Arial" charset="0"/>
+          <a:bodyPr>
+            <a:normAutofit fontScale="92500"/>
+          </a:bodyPr>
+          <a:lstStyle/>
+          <a:p>
+            <a:r>
+              <a:rPr lang="en-US" dirty="0"/>
+              <a:t>Q1: What is the relative error between n</a:t>
+            </a:r>
+            <a:r>
+              <a:rPr lang="en-US" baseline="30000" dirty="0"/>
+              <a:t>2</a:t>
+            </a:r>
+            <a:r>
+              <a:rPr lang="en-US" dirty="0"/>
+              <a:t> + 2n + 5 and an approximation n</a:t>
+            </a:r>
+            <a:r>
+              <a:rPr lang="en-US" baseline="30000" dirty="0"/>
+              <a:t>2</a:t>
+            </a:r>
+            <a:r>
+              <a:rPr lang="en-US" dirty="0"/>
+              <a:t> when n = 1000 and when n = 1000000? The relative error is the difference between the actual value and the approximation over the actual value.</a:t>
+            </a:r>
+          </a:p>
+          <a:p>
+            <a:r>
+              <a:rPr lang="en-US" dirty="0"/>
+              <a:t>Q2: Find the most appropriate representative element that describes each of the following rates of growth. For example, the most appropriate representative of 3n</a:t>
+            </a:r>
+            <a:r>
+              <a:rPr lang="en-US" baseline="30000" dirty="0"/>
+              <a:t>2</a:t>
+            </a:r>
+            <a:r>
+              <a:rPr lang="en-US" dirty="0"/>
+              <a:t> + 4n ln(n) + 5n + 2 is n</a:t>
+            </a:r>
+            <a:r>
+              <a:rPr lang="en-US" baseline="30000" dirty="0"/>
+              <a:t>2</a:t>
+            </a:r>
+          </a:p>
+          <a:p>
+            <a:pPr lvl="1"/>
+            <a:r>
+              <a:rPr lang="en-US" dirty="0"/>
+              <a:t>5n</a:t>
+            </a:r>
+            <a:r>
+              <a:rPr lang="en-US" baseline="30000" dirty="0"/>
+              <a:t>2</a:t>
+            </a:r>
+            <a:r>
+              <a:rPr lang="en-US" dirty="0"/>
+              <a:t> + 4n </a:t>
+            </a:r>
+            <a:r>
+              <a:rPr lang="en-US"/>
+              <a:t>+ 3n</a:t>
+            </a:r>
+            <a:r>
+              <a:rPr lang="en-US" baseline="30000"/>
+              <a:t>ln(</a:t>
+            </a:r>
+            <a:r>
+              <a:rPr lang="en-US" baseline="30000" dirty="0"/>
+              <a:t>6)</a:t>
+            </a:r>
+            <a:r>
+              <a:rPr lang="en-US" dirty="0"/>
+              <a:t> + 4 + ln(n)</a:t>
+            </a:r>
+          </a:p>
+          <a:p>
+            <a:pPr lvl="1"/>
+            <a:r>
+              <a:rPr lang="en-US" dirty="0"/>
+              <a:t>6n + 7 ln(n) + 8n ln(n) + 9</a:t>
+            </a:r>
+          </a:p>
+          <a:p>
+            <a:pPr lvl="1"/>
+            <a:r>
+              <a:rPr lang="en-US" dirty="0"/>
+              <a:t>4n</a:t>
+            </a:r>
+            <a:r>
+              <a:rPr lang="en-US" baseline="30000" dirty="0"/>
+              <a:t>3</a:t>
+            </a:r>
+            <a:r>
+              <a:rPr lang="en-US" dirty="0"/>
+              <a:t> + 7n + 514n</a:t>
+            </a:r>
+            <a:r>
+              <a:rPr lang="en-US" baseline="30000" dirty="0"/>
+              <a:t>4</a:t>
+            </a:r>
+            <a:r>
+              <a:rPr lang="en-US" dirty="0"/>
+              <a:t> + 35n</a:t>
+            </a:r>
+            <a:r>
+              <a:rPr lang="en-US" baseline="30000" dirty="0"/>
+              <a:t>2</a:t>
+            </a:r>
+            <a:r>
+              <a:rPr lang="en-US" dirty="0"/>
+              <a:t> + 2n</a:t>
+            </a:r>
+            <a:r>
+              <a:rPr lang="en-US" baseline="30000" dirty="0"/>
+              <a:t>6</a:t>
+            </a:r>
+            <a:r>
+              <a:rPr lang="en-US" dirty="0"/>
+              <a:t> + 5624</a:t>
+            </a:r>
+          </a:p>
+          <a:p>
+            <a:pPr lvl="1"/>
+            <a:r>
+              <a:rPr lang="en-US" dirty="0"/>
+              <a:t>10n + 11 ln(n) + 1 + 2n</a:t>
+            </a:r>
+            <a:r>
+              <a:rPr lang="en-US" baseline="30000" dirty="0"/>
+              <a:t>2</a:t>
+            </a:r>
+            <a:r>
+              <a:rPr lang="en-US" dirty="0"/>
+              <a:t> + 4n</a:t>
+            </a:r>
+            <a:r>
+              <a:rPr lang="en-US" baseline="30000" dirty="0"/>
+              <a:t>2</a:t>
+            </a:r>
+          </a:p>
+          <a:p>
+            <a:pPr marL="0" indent="0">
               <a:buNone/>
             </a:pPr>
             <a:r>
               <a:rPr lang="en-US" dirty="0">
-                <a:latin typeface="Arial" charset="0"/>
-                <a:cs typeface="Arial" charset="0"/>
-              </a:rPr>
-              <a:t>	In this class, we have:</a:t>
-            </a:r>
-          </a:p>
-          <a:p>
-            <a:pPr lvl="1"/>
-            <a:r>
-              <a:rPr lang="en-US" dirty="0">
-                <a:latin typeface="Arial" charset="0"/>
-                <a:cs typeface="Arial" charset="0"/>
-              </a:rPr>
-              <a:t>Introducing some new notations:  </a:t>
-            </a:r>
-            <a:r>
-              <a:rPr lang="en-US" dirty="0">
-                <a:latin typeface="Times New Roman" pitchFamily="18" charset="0"/>
-                <a:cs typeface="Arial" charset="0"/>
-              </a:rPr>
-              <a:t>o  O</a:t>
-            </a:r>
-            <a:r>
-              <a:rPr lang="en-US" dirty="0">
-                <a:latin typeface="Arial" charset="0"/>
-                <a:cs typeface="Arial" charset="0"/>
-              </a:rPr>
-              <a:t> </a:t>
-            </a:r>
-            <a:r>
-              <a:rPr lang="en-US" dirty="0">
-                <a:latin typeface="Symbol" pitchFamily="18" charset="2"/>
-                <a:cs typeface="Arial" charset="0"/>
-              </a:rPr>
-              <a:t> Q  W  w</a:t>
-            </a:r>
-            <a:endParaRPr lang="en-US" dirty="0">
-              <a:latin typeface="Arial" charset="0"/>
-              <a:cs typeface="Arial" charset="0"/>
-            </a:endParaRPr>
-          </a:p>
-          <a:p>
-            <a:pPr lvl="1"/>
-            <a:r>
-              <a:rPr lang="en-US" dirty="0">
-                <a:latin typeface="Arial" charset="0"/>
-                <a:cs typeface="Arial" charset="0"/>
-              </a:rPr>
-              <a:t>Discussed how to use these</a:t>
-            </a:r>
-          </a:p>
-          <a:p>
-            <a:pPr lvl="1"/>
-            <a:r>
-              <a:rPr lang="en-US" dirty="0">
-                <a:latin typeface="Arial" charset="0"/>
-                <a:cs typeface="Arial" charset="0"/>
-              </a:rPr>
-              <a:t>Looked at the equivalence relations</a:t>
+                <a:solidFill>
+                  <a:srgbClr val="FF0000"/>
+                </a:solidFill>
+              </a:rPr>
+              <a:t>Email your solution to </a:t>
+            </a:r>
+            <a:r>
+              <a:rPr lang="en-US" dirty="0">
+                <a:solidFill>
+                  <a:srgbClr val="FF0000"/>
+                </a:solidFill>
+                <a:hlinkClick r:id="rId2">
+                  <a:extLst>
+                    <a:ext uri="{A12FA001-AC4F-418D-AE19-62706E023703}">
+                      <ahyp:hlinkClr xmlns:ahyp="http://schemas.microsoft.com/office/drawing/2018/hyperlinkcolor" val="tx"/>
+                    </a:ext>
+                  </a:extLst>
+                </a:hlinkClick>
+              </a:rPr>
+              <a:t>tsung-wei.huang@utah.edu</a:t>
+            </a:r>
+            <a:r>
+              <a:rPr lang="en-US" dirty="0">
+                <a:solidFill>
+                  <a:srgbClr val="FF0000"/>
+                </a:solidFill>
+              </a:rPr>
+              <a:t> by 23:59 PM 9/22</a:t>
             </a:r>
           </a:p>
         </p:txBody>
       </p:sp>
     </p:spTree>
+    <p:extLst>
+      <p:ext uri="{BB962C8B-B14F-4D97-AF65-F5344CB8AC3E}">
+        <p14:creationId xmlns:p14="http://schemas.microsoft.com/office/powerpoint/2010/main" val="2220700341"/>
+      </p:ext>
+    </p:extLst>
   </p:cSld>
   <p:clrMapOvr>
     <a:masterClrMapping/>
@@ -16231,252 +16242,6 @@
         </p:txBody>
       </p:sp>
     </p:spTree>
-  </p:cSld>
-  <p:clrMapOvr>
-    <a:masterClrMapping/>
-  </p:clrMapOvr>
-</p:sld>
-</file>
-
-<file path=ppt/slides/slide40.xml><?xml version="1.0" encoding="utf-8"?>
-<p:sld xmlns:a="http://schemas.openxmlformats.org/drawingml/2006/main" xmlns:r="http://schemas.openxmlformats.org/officeDocument/2006/relationships" xmlns:p="http://schemas.openxmlformats.org/presentationml/2006/main">
-  <p:cSld>
-    <p:spTree>
-      <p:nvGrpSpPr>
-        <p:cNvPr id="1" name=""/>
-        <p:cNvGrpSpPr/>
-        <p:nvPr/>
-      </p:nvGrpSpPr>
-      <p:grpSpPr>
-        <a:xfrm>
-          <a:off x="0" y="0"/>
-          <a:ext cx="0" cy="0"/>
-          <a:chOff x="0" y="0"/>
-          <a:chExt cx="0" cy="0"/>
-        </a:xfrm>
-      </p:grpSpPr>
-      <p:sp>
-        <p:nvSpPr>
-          <p:cNvPr id="2" name="Title 1">
-            <a:extLst>
-              <a:ext uri="{FF2B5EF4-FFF2-40B4-BE49-F238E27FC236}">
-                <a16:creationId xmlns:a16="http://schemas.microsoft.com/office/drawing/2014/main" id="{ABD76339-190F-BE4C-A3F1-8DA98773FC23}"/>
-              </a:ext>
-            </a:extLst>
-          </p:cNvPr>
-          <p:cNvSpPr>
-            <a:spLocks noGrp="1"/>
-          </p:cNvSpPr>
-          <p:nvPr>
-            <p:ph type="title"/>
-          </p:nvPr>
-        </p:nvSpPr>
-        <p:spPr/>
-        <p:txBody>
-          <a:bodyPr/>
-          <a:lstStyle/>
-          <a:p>
-            <a:r>
-              <a:rPr lang="en-US" dirty="0"/>
-              <a:t>LAB 1</a:t>
-            </a:r>
-          </a:p>
-        </p:txBody>
-      </p:sp>
-      <p:sp>
-        <p:nvSpPr>
-          <p:cNvPr id="3" name="Content Placeholder 2">
-            <a:extLst>
-              <a:ext uri="{FF2B5EF4-FFF2-40B4-BE49-F238E27FC236}">
-                <a16:creationId xmlns:a16="http://schemas.microsoft.com/office/drawing/2014/main" id="{6B23FBB0-3F73-8646-83FC-C2FC364FEAF7}"/>
-              </a:ext>
-            </a:extLst>
-          </p:cNvPr>
-          <p:cNvSpPr>
-            <a:spLocks noGrp="1"/>
-          </p:cNvSpPr>
-          <p:nvPr>
-            <p:ph idx="1"/>
-          </p:nvPr>
-        </p:nvSpPr>
-        <p:spPr/>
-        <p:txBody>
-          <a:bodyPr>
-            <a:normAutofit fontScale="92500"/>
-          </a:bodyPr>
-          <a:lstStyle/>
-          <a:p>
-            <a:r>
-              <a:rPr lang="en-US" dirty="0"/>
-              <a:t>Q1: What is the relative error between n</a:t>
-            </a:r>
-            <a:r>
-              <a:rPr lang="en-US" baseline="30000" dirty="0"/>
-              <a:t>2</a:t>
-            </a:r>
-            <a:r>
-              <a:rPr lang="en-US" dirty="0"/>
-              <a:t> + 2n + 5 and an approximation n</a:t>
-            </a:r>
-            <a:r>
-              <a:rPr lang="en-US" baseline="30000" dirty="0"/>
-              <a:t>2</a:t>
-            </a:r>
-            <a:r>
-              <a:rPr lang="en-US" dirty="0"/>
-              <a:t> when n = 1000 and when n = 1000000? The relative error is the difference between the actual value and the approximation over the actual value.</a:t>
-            </a:r>
-          </a:p>
-          <a:p>
-            <a:r>
-              <a:rPr lang="en-US" dirty="0"/>
-              <a:t>Q2: Find the most appropriate representative element that describes each of the following rates of growth. For example, the most appropriate representative of 3n</a:t>
-            </a:r>
-            <a:r>
-              <a:rPr lang="en-US" baseline="30000" dirty="0"/>
-              <a:t>2</a:t>
-            </a:r>
-            <a:r>
-              <a:rPr lang="en-US" dirty="0"/>
-              <a:t> + 4n ln(n) + 5n + 2 is n</a:t>
-            </a:r>
-            <a:r>
-              <a:rPr lang="en-US" baseline="30000" dirty="0"/>
-              <a:t>2</a:t>
-            </a:r>
-          </a:p>
-          <a:p>
-            <a:pPr lvl="1"/>
-            <a:r>
-              <a:rPr lang="en-US" dirty="0"/>
-              <a:t>5n</a:t>
-            </a:r>
-            <a:r>
-              <a:rPr lang="en-US" baseline="30000" dirty="0"/>
-              <a:t>2</a:t>
-            </a:r>
-            <a:r>
-              <a:rPr lang="en-US" dirty="0"/>
-              <a:t> + 4n + 3n</a:t>
-            </a:r>
-            <a:r>
-              <a:rPr lang="en-US" baseline="30000" dirty="0"/>
-              <a:t>lg(6)</a:t>
-            </a:r>
-            <a:r>
-              <a:rPr lang="en-US" dirty="0"/>
-              <a:t> + 4 + ln(n)</a:t>
-            </a:r>
-          </a:p>
-          <a:p>
-            <a:pPr lvl="1"/>
-            <a:r>
-              <a:rPr lang="en-US" dirty="0"/>
-              <a:t>6n + 7 ln(n) + 8n ln(n) + 9</a:t>
-            </a:r>
-          </a:p>
-          <a:p>
-            <a:pPr lvl="1"/>
-            <a:r>
-              <a:rPr lang="en-US" dirty="0"/>
-              <a:t>4n</a:t>
-            </a:r>
-            <a:r>
-              <a:rPr lang="en-US" baseline="30000" dirty="0"/>
-              <a:t>3</a:t>
-            </a:r>
-            <a:r>
-              <a:rPr lang="en-US" dirty="0"/>
-              <a:t> + 7n + 514n</a:t>
-            </a:r>
-            <a:r>
-              <a:rPr lang="en-US" baseline="30000" dirty="0"/>
-              <a:t>4</a:t>
-            </a:r>
-            <a:r>
-              <a:rPr lang="en-US" dirty="0"/>
-              <a:t> + 35n</a:t>
-            </a:r>
-            <a:r>
-              <a:rPr lang="en-US" baseline="30000" dirty="0"/>
-              <a:t>2</a:t>
-            </a:r>
-            <a:r>
-              <a:rPr lang="en-US" dirty="0"/>
-              <a:t> + 2n</a:t>
-            </a:r>
-            <a:r>
-              <a:rPr lang="en-US" baseline="30000" dirty="0"/>
-              <a:t>6</a:t>
-            </a:r>
-            <a:r>
-              <a:rPr lang="en-US" dirty="0"/>
-              <a:t> + 5624</a:t>
-            </a:r>
-          </a:p>
-          <a:p>
-            <a:pPr lvl="1"/>
-            <a:r>
-              <a:rPr lang="en-US" dirty="0"/>
-              <a:t>10n + 11 ln(n) + 1 + 2n</a:t>
-            </a:r>
-            <a:r>
-              <a:rPr lang="en-US" baseline="30000" dirty="0"/>
-              <a:t>2</a:t>
-            </a:r>
-            <a:r>
-              <a:rPr lang="en-US" dirty="0"/>
-              <a:t> + 4n</a:t>
-            </a:r>
-            <a:r>
-              <a:rPr lang="en-US" baseline="30000" dirty="0"/>
-              <a:t>2</a:t>
-            </a:r>
-          </a:p>
-          <a:p>
-            <a:pPr marL="0" indent="0">
-              <a:buNone/>
-            </a:pPr>
-            <a:r>
-              <a:rPr lang="en-US" dirty="0">
-                <a:solidFill>
-                  <a:srgbClr val="FF0000"/>
-                </a:solidFill>
-              </a:rPr>
-              <a:t>Email your solution to </a:t>
-            </a:r>
-            <a:r>
-              <a:rPr lang="en-US" dirty="0">
-                <a:solidFill>
-                  <a:srgbClr val="FF0000"/>
-                </a:solidFill>
-                <a:hlinkClick r:id="rId2">
-                  <a:extLst>
-                    <a:ext uri="{A12FA001-AC4F-418D-AE19-62706E023703}">
-                      <ahyp:hlinkClr xmlns:ahyp="http://schemas.microsoft.com/office/drawing/2018/hyperlinkcolor" val="tx"/>
-                    </a:ext>
-                  </a:extLst>
-                </a:hlinkClick>
-              </a:rPr>
-              <a:t>tsung-wei.huang@utah.edu</a:t>
-            </a:r>
-            <a:r>
-              <a:rPr lang="en-US" dirty="0">
-                <a:solidFill>
-                  <a:srgbClr val="FF0000"/>
-                </a:solidFill>
-              </a:rPr>
-              <a:t> by 23:59 PM 9/22</a:t>
-            </a:r>
-          </a:p>
-        </p:txBody>
-      </p:sp>
-    </p:spTree>
-    <p:extLst>
-      <p:ext uri="{BB962C8B-B14F-4D97-AF65-F5344CB8AC3E}">
-        <p14:creationId xmlns:p14="http://schemas.microsoft.com/office/powerpoint/2010/main" val="2220700341"/>
-      </p:ext>
-    </p:extLst>
   </p:cSld>
   <p:clrMapOvr>
     <a:masterClrMapping/>
